--- a/trunk/Docs/MasterClass.pptx
+++ b/trunk/Docs/MasterClass.pptx
@@ -6733,15 +6733,7 @@
           <a:p>
             <a:r>
               <a:rPr lang="ru-RU" dirty="0" smtClean="0"/>
-              <a:t>Основные объекты </a:t>
-            </a:r>
-            <a:r>
-              <a:rPr lang="en-US" dirty="0" smtClean="0"/>
-              <a:t>3D</a:t>
-            </a:r>
-            <a:r>
-              <a:rPr lang="ru-RU" dirty="0" smtClean="0"/>
-              <a:t> графики</a:t>
+              <a:t>Основные объекты и методы</a:t>
             </a:r>
             <a:endParaRPr lang="ru-RU" dirty="0"/>
           </a:p>
@@ -6754,13 +6746,13 @@
             <a:spLocks noGrp="1"/>
           </p:cNvSpPr>
           <p:nvPr>
-            <p:ph idx="1"/>
+            <p:ph sz="half" idx="1"/>
           </p:nvPr>
         </p:nvSpPr>
         <p:spPr/>
         <p:txBody>
           <a:bodyPr>
-            <a:normAutofit fontScale="70000" lnSpcReduction="20000"/>
+            <a:normAutofit fontScale="55000" lnSpcReduction="20000"/>
           </a:bodyPr>
           <a:lstStyle/>
           <a:p>
@@ -6913,6 +6905,217 @@
               <a:rPr lang="ru-RU" dirty="0" err="1" smtClean="0"/>
               <a:t>рендеринг</a:t>
             </a:r>
+            <a:endParaRPr lang="ru-RU" dirty="0"/>
+          </a:p>
+        </p:txBody>
+      </p:sp>
+      <p:sp>
+        <p:nvSpPr>
+          <p:cNvPr id="4" name="Содержимое 3"/>
+          <p:cNvSpPr>
+            <a:spLocks noGrp="1"/>
+          </p:cNvSpPr>
+          <p:nvPr>
+            <p:ph sz="half" idx="2"/>
+          </p:nvPr>
+        </p:nvSpPr>
+        <p:spPr/>
+        <p:txBody>
+          <a:bodyPr>
+            <a:normAutofit fontScale="55000" lnSpcReduction="20000"/>
+          </a:bodyPr>
+          <a:lstStyle/>
+          <a:p>
+            <a:r>
+              <a:rPr lang="ru-RU" dirty="0" smtClean="0"/>
+              <a:t>Методы построения освещенности</a:t>
+            </a:r>
+          </a:p>
+          <a:p>
+            <a:pPr lvl="1"/>
+            <a:r>
+              <a:rPr lang="ru-RU" dirty="0" smtClean="0"/>
+              <a:t>Модели освещения (</a:t>
+            </a:r>
+            <a:r>
+              <a:rPr lang="en-US" smtClean="0"/>
+              <a:t>BRDF</a:t>
+            </a:r>
+            <a:r>
+              <a:rPr lang="ru-RU" smtClean="0"/>
+              <a:t>)</a:t>
+            </a:r>
+          </a:p>
+          <a:p>
+            <a:pPr lvl="1"/>
+            <a:r>
+              <a:rPr lang="en-US" dirty="0" smtClean="0"/>
+              <a:t>Direct Lighting</a:t>
+            </a:r>
+            <a:endParaRPr lang="ru-RU" dirty="0" smtClean="0"/>
+          </a:p>
+          <a:p>
+            <a:pPr lvl="1"/>
+            <a:r>
+              <a:rPr lang="en-US" dirty="0" smtClean="0"/>
+              <a:t>Image bases Lighting (IBL)</a:t>
+            </a:r>
+            <a:endParaRPr lang="ru-RU" dirty="0" smtClean="0"/>
+          </a:p>
+          <a:p>
+            <a:pPr lvl="1"/>
+            <a:r>
+              <a:rPr lang="en-US" dirty="0" smtClean="0"/>
+              <a:t>Global Illumination (GI)</a:t>
+            </a:r>
+          </a:p>
+          <a:p>
+            <a:pPr lvl="1"/>
+            <a:r>
+              <a:rPr lang="en-US" dirty="0" err="1" smtClean="0"/>
+              <a:t>Realtime</a:t>
+            </a:r>
+            <a:r>
+              <a:rPr lang="en-US" dirty="0" smtClean="0"/>
+              <a:t> </a:t>
+            </a:r>
+            <a:r>
+              <a:rPr lang="en-US" dirty="0" err="1" smtClean="0"/>
+              <a:t>vs</a:t>
+            </a:r>
+            <a:r>
+              <a:rPr lang="en-US" dirty="0" smtClean="0"/>
+              <a:t> Baked lighting (</a:t>
+            </a:r>
+            <a:r>
+              <a:rPr lang="en-US" dirty="0" err="1" smtClean="0"/>
+              <a:t>Lightmaps</a:t>
+            </a:r>
+            <a:r>
+              <a:rPr lang="en-US" dirty="0" smtClean="0"/>
+              <a:t>)</a:t>
+            </a:r>
+          </a:p>
+          <a:p>
+            <a:pPr lvl="2"/>
+            <a:r>
+              <a:rPr lang="en-US" dirty="0" smtClean="0"/>
+              <a:t>Spherical </a:t>
+            </a:r>
+            <a:r>
+              <a:rPr lang="en-US" dirty="0" smtClean="0"/>
+              <a:t>Harmonics</a:t>
+            </a:r>
+            <a:endParaRPr lang="ru-RU" dirty="0" smtClean="0"/>
+          </a:p>
+          <a:p>
+            <a:r>
+              <a:rPr lang="ru-RU" dirty="0" smtClean="0"/>
+              <a:t>Методы построения</a:t>
+            </a:r>
+            <a:r>
+              <a:rPr lang="en-US" dirty="0" smtClean="0"/>
+              <a:t> </a:t>
+            </a:r>
+            <a:r>
+              <a:rPr lang="ru-RU" dirty="0" smtClean="0"/>
+              <a:t>теней</a:t>
+            </a:r>
+          </a:p>
+          <a:p>
+            <a:pPr lvl="1"/>
+            <a:r>
+              <a:rPr lang="en-US" dirty="0" smtClean="0"/>
+              <a:t>Ray tracing (baked)</a:t>
+            </a:r>
+            <a:endParaRPr lang="ru-RU" dirty="0" smtClean="0"/>
+          </a:p>
+          <a:p>
+            <a:pPr lvl="1"/>
+            <a:r>
+              <a:rPr lang="en-US" dirty="0" smtClean="0"/>
+              <a:t>Shadow Maps</a:t>
+            </a:r>
+          </a:p>
+          <a:p>
+            <a:pPr lvl="2"/>
+            <a:r>
+              <a:rPr lang="en-US" dirty="0" smtClean="0"/>
+              <a:t>Perspective SM</a:t>
+            </a:r>
+          </a:p>
+          <a:p>
+            <a:pPr lvl="2"/>
+            <a:r>
+              <a:rPr lang="en-US" dirty="0" smtClean="0"/>
+              <a:t>Variance SM</a:t>
+            </a:r>
+          </a:p>
+          <a:p>
+            <a:pPr lvl="2"/>
+            <a:r>
+              <a:rPr lang="en-US" dirty="0" smtClean="0"/>
+              <a:t>PSSM</a:t>
+            </a:r>
+          </a:p>
+          <a:p>
+            <a:pPr lvl="1"/>
+            <a:r>
+              <a:rPr lang="en-US" dirty="0" smtClean="0"/>
+              <a:t>Shadow Volumes</a:t>
+            </a:r>
+          </a:p>
+          <a:p>
+            <a:r>
+              <a:rPr lang="ru-RU" dirty="0" smtClean="0"/>
+              <a:t>Методы анимации</a:t>
+            </a:r>
+          </a:p>
+          <a:p>
+            <a:pPr lvl="1"/>
+            <a:r>
+              <a:rPr lang="en-US" dirty="0" smtClean="0"/>
+              <a:t>Blend shapes</a:t>
+            </a:r>
+          </a:p>
+          <a:p>
+            <a:pPr lvl="1"/>
+            <a:r>
+              <a:rPr lang="en-US" dirty="0" smtClean="0"/>
+              <a:t>Skinning</a:t>
+            </a:r>
+          </a:p>
+          <a:p>
+            <a:r>
+              <a:rPr lang="ru-RU" dirty="0" smtClean="0"/>
+              <a:t>Моделирование природных явлений</a:t>
+            </a:r>
+          </a:p>
+          <a:p>
+            <a:pPr lvl="1"/>
+            <a:r>
+              <a:rPr lang="ru-RU" dirty="0" smtClean="0"/>
+              <a:t>Туман</a:t>
+            </a:r>
+          </a:p>
+          <a:p>
+            <a:pPr lvl="1"/>
+            <a:r>
+              <a:rPr lang="ru-RU" dirty="0" smtClean="0"/>
+              <a:t>Растительность</a:t>
+            </a:r>
+          </a:p>
+          <a:p>
+            <a:pPr lvl="1"/>
+            <a:r>
+              <a:rPr lang="ru-RU" dirty="0" smtClean="0"/>
+              <a:t>Системы частиц</a:t>
+            </a:r>
+          </a:p>
+          <a:p>
+            <a:endParaRPr lang="en-US" dirty="0" smtClean="0"/>
+          </a:p>
+          <a:p>
             <a:endParaRPr lang="ru-RU" dirty="0"/>
           </a:p>
         </p:txBody>
@@ -7207,7 +7410,7 @@
           </a:bodyPr>
           <a:lstStyle/>
           <a:p>
-            <a:endParaRPr lang="ru-RU"/>
+            <a:endParaRPr lang="ru-RU" dirty="0"/>
           </a:p>
         </p:txBody>
       </p:sp>

--- a/trunk/Docs/MasterClass.pptx
+++ b/trunk/Docs/MasterClass.pptx
@@ -8,9 +8,13 @@
     <p:sldId id="256" r:id="rId2"/>
     <p:sldId id="257" r:id="rId3"/>
     <p:sldId id="259" r:id="rId4"/>
-    <p:sldId id="260" r:id="rId5"/>
-    <p:sldId id="258" r:id="rId6"/>
-    <p:sldId id="261" r:id="rId7"/>
+    <p:sldId id="262" r:id="rId5"/>
+    <p:sldId id="260" r:id="rId6"/>
+    <p:sldId id="263" r:id="rId7"/>
+    <p:sldId id="264" r:id="rId8"/>
+    <p:sldId id="265" r:id="rId9"/>
+    <p:sldId id="258" r:id="rId10"/>
+    <p:sldId id="261" r:id="rId11"/>
   </p:sldIdLst>
   <p:sldSz cx="9144000" cy="6858000" type="screen4x3"/>
   <p:notesSz cx="6858000" cy="9144000"/>
@@ -148,7 +152,8 @@
           <a:p>
             <a:fld id="{71D467F0-E9FB-4FCB-8D20-A66AB58E7320}" type="datetimeFigureOut">
               <a:rPr lang="ru-RU" smtClean="0"/>
-              <a:t>07.04.2012</a:t>
+              <a:pPr/>
+              <a:t>09.04.2012</a:t>
             </a:fld>
             <a:endParaRPr lang="ru-RU"/>
           </a:p>
@@ -194,6 +199,7 @@
           <a:p>
             <a:fld id="{3480194E-8A38-453A-A791-EE952E57F1B6}" type="slidenum">
               <a:rPr lang="ru-RU" smtClean="0"/>
+              <a:pPr/>
               <a:t>‹#›</a:t>
             </a:fld>
             <a:endParaRPr lang="ru-RU"/>
@@ -865,7 +871,8 @@
           <a:p>
             <a:fld id="{71D467F0-E9FB-4FCB-8D20-A66AB58E7320}" type="datetimeFigureOut">
               <a:rPr lang="ru-RU" smtClean="0"/>
-              <a:t>07.04.2012</a:t>
+              <a:pPr/>
+              <a:t>09.04.2012</a:t>
             </a:fld>
             <a:endParaRPr lang="ru-RU"/>
           </a:p>
@@ -911,6 +918,7 @@
           <a:p>
             <a:fld id="{3480194E-8A38-453A-A791-EE952E57F1B6}" type="slidenum">
               <a:rPr lang="ru-RU" smtClean="0"/>
+              <a:pPr/>
               <a:t>‹#›</a:t>
             </a:fld>
             <a:endParaRPr lang="ru-RU"/>
@@ -1050,7 +1058,8 @@
           <a:p>
             <a:fld id="{71D467F0-E9FB-4FCB-8D20-A66AB58E7320}" type="datetimeFigureOut">
               <a:rPr lang="ru-RU" smtClean="0"/>
-              <a:t>07.04.2012</a:t>
+              <a:pPr/>
+              <a:t>09.04.2012</a:t>
             </a:fld>
             <a:endParaRPr lang="ru-RU"/>
           </a:p>
@@ -1096,6 +1105,7 @@
           <a:p>
             <a:fld id="{3480194E-8A38-453A-A791-EE952E57F1B6}" type="slidenum">
               <a:rPr lang="ru-RU" smtClean="0"/>
+              <a:pPr/>
               <a:t>‹#›</a:t>
             </a:fld>
             <a:endParaRPr lang="ru-RU"/>
@@ -1225,7 +1235,8 @@
           <a:p>
             <a:fld id="{71D467F0-E9FB-4FCB-8D20-A66AB58E7320}" type="datetimeFigureOut">
               <a:rPr lang="ru-RU" smtClean="0"/>
-              <a:t>07.04.2012</a:t>
+              <a:pPr/>
+              <a:t>09.04.2012</a:t>
             </a:fld>
             <a:endParaRPr lang="ru-RU"/>
           </a:p>
@@ -1271,6 +1282,7 @@
           <a:p>
             <a:fld id="{3480194E-8A38-453A-A791-EE952E57F1B6}" type="slidenum">
               <a:rPr lang="ru-RU" smtClean="0"/>
+              <a:pPr/>
               <a:t>‹#›</a:t>
             </a:fld>
             <a:endParaRPr lang="ru-RU"/>
@@ -2708,7 +2720,8 @@
           <a:p>
             <a:fld id="{71D467F0-E9FB-4FCB-8D20-A66AB58E7320}" type="datetimeFigureOut">
               <a:rPr lang="ru-RU" smtClean="0"/>
-              <a:t>07.04.2012</a:t>
+              <a:pPr/>
+              <a:t>09.04.2012</a:t>
             </a:fld>
             <a:endParaRPr lang="ru-RU"/>
           </a:p>
@@ -2754,6 +2767,7 @@
           <a:p>
             <a:fld id="{3480194E-8A38-453A-A791-EE952E57F1B6}" type="slidenum">
               <a:rPr lang="ru-RU" smtClean="0"/>
+              <a:pPr/>
               <a:t>‹#›</a:t>
             </a:fld>
             <a:endParaRPr lang="ru-RU"/>
@@ -3308,7 +3322,8 @@
           <a:p>
             <a:fld id="{71D467F0-E9FB-4FCB-8D20-A66AB58E7320}" type="datetimeFigureOut">
               <a:rPr lang="ru-RU" smtClean="0"/>
-              <a:t>07.04.2012</a:t>
+              <a:pPr/>
+              <a:t>09.04.2012</a:t>
             </a:fld>
             <a:endParaRPr lang="ru-RU"/>
           </a:p>
@@ -3354,6 +3369,7 @@
           <a:p>
             <a:fld id="{3480194E-8A38-453A-A791-EE952E57F1B6}" type="slidenum">
               <a:rPr lang="ru-RU" smtClean="0"/>
+              <a:pPr/>
               <a:t>‹#›</a:t>
             </a:fld>
             <a:endParaRPr lang="ru-RU"/>
@@ -3745,7 +3761,8 @@
           <a:p>
             <a:fld id="{71D467F0-E9FB-4FCB-8D20-A66AB58E7320}" type="datetimeFigureOut">
               <a:rPr lang="ru-RU" smtClean="0"/>
-              <a:t>07.04.2012</a:t>
+              <a:pPr/>
+              <a:t>09.04.2012</a:t>
             </a:fld>
             <a:endParaRPr lang="ru-RU"/>
           </a:p>
@@ -3791,6 +3808,7 @@
           <a:p>
             <a:fld id="{3480194E-8A38-453A-A791-EE952E57F1B6}" type="slidenum">
               <a:rPr lang="ru-RU" smtClean="0"/>
+              <a:pPr/>
               <a:t>‹#›</a:t>
             </a:fld>
             <a:endParaRPr lang="ru-RU"/>
@@ -4306,7 +4324,8 @@
           <a:p>
             <a:fld id="{71D467F0-E9FB-4FCB-8D20-A66AB58E7320}" type="datetimeFigureOut">
               <a:rPr lang="ru-RU" smtClean="0"/>
-              <a:t>07.04.2012</a:t>
+              <a:pPr/>
+              <a:t>09.04.2012</a:t>
             </a:fld>
             <a:endParaRPr lang="ru-RU"/>
           </a:p>
@@ -4352,6 +4371,7 @@
           <a:p>
             <a:fld id="{3480194E-8A38-453A-A791-EE952E57F1B6}" type="slidenum">
               <a:rPr lang="ru-RU" smtClean="0"/>
+              <a:pPr/>
               <a:t>‹#›</a:t>
             </a:fld>
             <a:endParaRPr lang="ru-RU"/>
@@ -4402,7 +4422,8 @@
           <a:p>
             <a:fld id="{71D467F0-E9FB-4FCB-8D20-A66AB58E7320}" type="datetimeFigureOut">
               <a:rPr lang="ru-RU" smtClean="0"/>
-              <a:t>07.04.2012</a:t>
+              <a:pPr/>
+              <a:t>09.04.2012</a:t>
             </a:fld>
             <a:endParaRPr lang="ru-RU"/>
           </a:p>
@@ -4448,6 +4469,7 @@
           <a:p>
             <a:fld id="{3480194E-8A38-453A-A791-EE952E57F1B6}" type="slidenum">
               <a:rPr lang="ru-RU" smtClean="0"/>
+              <a:pPr/>
               <a:t>‹#›</a:t>
             </a:fld>
             <a:endParaRPr lang="ru-RU"/>
@@ -4656,7 +4678,8 @@
           <a:p>
             <a:fld id="{71D467F0-E9FB-4FCB-8D20-A66AB58E7320}" type="datetimeFigureOut">
               <a:rPr lang="ru-RU" smtClean="0"/>
-              <a:t>07.04.2012</a:t>
+              <a:pPr/>
+              <a:t>09.04.2012</a:t>
             </a:fld>
             <a:endParaRPr lang="ru-RU"/>
           </a:p>
@@ -4702,6 +4725,7 @@
           <a:p>
             <a:fld id="{3480194E-8A38-453A-A791-EE952E57F1B6}" type="slidenum">
               <a:rPr lang="ru-RU" smtClean="0"/>
+              <a:pPr/>
               <a:t>‹#›</a:t>
             </a:fld>
             <a:endParaRPr lang="ru-RU"/>
@@ -5377,7 +5401,8 @@
           <a:p>
             <a:fld id="{71D467F0-E9FB-4FCB-8D20-A66AB58E7320}" type="datetimeFigureOut">
               <a:rPr lang="ru-RU" smtClean="0"/>
-              <a:t>07.04.2012</a:t>
+              <a:pPr/>
+              <a:t>09.04.2012</a:t>
             </a:fld>
             <a:endParaRPr lang="ru-RU"/>
           </a:p>
@@ -5433,6 +5458,7 @@
           <a:p>
             <a:fld id="{3480194E-8A38-453A-A791-EE952E57F1B6}" type="slidenum">
               <a:rPr lang="ru-RU" smtClean="0"/>
+              <a:pPr/>
               <a:t>‹#›</a:t>
             </a:fld>
             <a:endParaRPr lang="ru-RU"/>
@@ -6050,7 +6076,8 @@
           <a:p>
             <a:fld id="{71D467F0-E9FB-4FCB-8D20-A66AB58E7320}" type="datetimeFigureOut">
               <a:rPr lang="ru-RU" smtClean="0"/>
-              <a:t>07.04.2012</a:t>
+              <a:pPr/>
+              <a:t>09.04.2012</a:t>
             </a:fld>
             <a:endParaRPr lang="ru-RU"/>
           </a:p>
@@ -6126,6 +6153,7 @@
           <a:p>
             <a:fld id="{3480194E-8A38-453A-A791-EE952E57F1B6}" type="slidenum">
               <a:rPr lang="ru-RU" smtClean="0"/>
+              <a:pPr/>
               <a:t>‹#›</a:t>
             </a:fld>
             <a:endParaRPr lang="ru-RU"/>
@@ -6507,29 +6535,212 @@
           <a:lstStyle/>
           <a:p>
             <a:r>
+              <a:rPr lang="ru-RU" dirty="0" smtClean="0"/>
+              <a:t>Безгодов Алексей Алексеевич, к.т.н., НИУ </a:t>
+            </a:r>
+            <a:r>
+              <a:rPr lang="ru-RU" dirty="0" smtClean="0"/>
+              <a:t>ИТМО</a:t>
+            </a:r>
+            <a:endParaRPr lang="ru-RU" dirty="0"/>
+          </a:p>
+        </p:txBody>
+      </p:sp>
+    </p:spTree>
+  </p:cSld>
+  <p:clrMapOvr>
+    <a:masterClrMapping/>
+  </p:clrMapOvr>
+  <p:timing>
+    <p:tnLst>
+      <p:par>
+        <p:cTn id="1" dur="indefinite" restart="never" nodeType="tmRoot"/>
+      </p:par>
+    </p:tnLst>
+  </p:timing>
+</p:sld>
+</file>
+
+<file path=ppt/slides/slide10.xml><?xml version="1.0" encoding="utf-8"?>
+<p:sld xmlns:a="http://schemas.openxmlformats.org/drawingml/2006/main" xmlns:r="http://schemas.openxmlformats.org/officeDocument/2006/relationships" xmlns:p="http://schemas.openxmlformats.org/presentationml/2006/main">
+  <p:cSld>
+    <p:spTree>
+      <p:nvGrpSpPr>
+        <p:cNvPr id="1" name=""/>
+        <p:cNvGrpSpPr/>
+        <p:nvPr/>
+      </p:nvGrpSpPr>
+      <p:grpSpPr>
+        <a:xfrm>
+          <a:off x="0" y="0"/>
+          <a:ext cx="0" cy="0"/>
+          <a:chOff x="0" y="0"/>
+          <a:chExt cx="0" cy="0"/>
+        </a:xfrm>
+      </p:grpSpPr>
+      <p:sp>
+        <p:nvSpPr>
+          <p:cNvPr id="2" name="Заголовок 1"/>
+          <p:cNvSpPr>
+            <a:spLocks noGrp="1"/>
+          </p:cNvSpPr>
+          <p:nvPr>
+            <p:ph type="title"/>
+          </p:nvPr>
+        </p:nvSpPr>
+        <p:spPr/>
+        <p:txBody>
+          <a:bodyPr/>
+          <a:lstStyle/>
+          <a:p>
+            <a:r>
+              <a:rPr lang="ru-RU" dirty="0" smtClean="0"/>
+              <a:t>План</a:t>
+            </a:r>
+            <a:endParaRPr lang="ru-RU" dirty="0"/>
+          </a:p>
+        </p:txBody>
+      </p:sp>
+      <p:sp>
+        <p:nvSpPr>
+          <p:cNvPr id="3" name="Содержимое 2"/>
+          <p:cNvSpPr>
+            <a:spLocks noGrp="1"/>
+          </p:cNvSpPr>
+          <p:nvPr>
+            <p:ph sz="half" idx="1"/>
+          </p:nvPr>
+        </p:nvSpPr>
+        <p:spPr/>
+        <p:txBody>
+          <a:bodyPr>
+            <a:normAutofit fontScale="85000" lnSpcReduction="20000"/>
+          </a:bodyPr>
+          <a:lstStyle/>
+          <a:p>
+            <a:r>
+              <a:rPr lang="en-US" dirty="0" smtClean="0"/>
+              <a:t>XNA Framework</a:t>
+            </a:r>
+          </a:p>
+          <a:p>
+            <a:pPr lvl="1"/>
+            <a:r>
+              <a:rPr lang="ru-RU" dirty="0" smtClean="0"/>
+              <a:t>Общие возможности</a:t>
+            </a:r>
+          </a:p>
+          <a:p>
+            <a:pPr lvl="1"/>
+            <a:r>
+              <a:rPr lang="ru-RU" dirty="0" smtClean="0"/>
+              <a:t>Графика</a:t>
+            </a:r>
+          </a:p>
+          <a:p>
+            <a:pPr lvl="1"/>
+            <a:r>
+              <a:rPr lang="ru-RU" dirty="0" smtClean="0"/>
+              <a:t>Звук</a:t>
+            </a:r>
+          </a:p>
+          <a:p>
+            <a:pPr lvl="1"/>
+            <a:r>
+              <a:rPr lang="ru-RU" dirty="0" smtClean="0"/>
+              <a:t>Устройства ввода</a:t>
+            </a:r>
+          </a:p>
+          <a:p>
+            <a:pPr lvl="1"/>
+            <a:r>
               <a:rPr lang="ru-RU" dirty="0" err="1" smtClean="0"/>
-              <a:t>Безгодов</a:t>
-            </a:r>
+              <a:t>Контент</a:t>
+            </a:r>
+            <a:endParaRPr lang="ru-RU" dirty="0" smtClean="0"/>
+          </a:p>
+          <a:p>
+            <a:pPr lvl="1"/>
             <a:r>
               <a:rPr lang="ru-RU" dirty="0" smtClean="0"/>
-              <a:t> </a:t>
-            </a:r>
+              <a:t>Компоненты и сервисы</a:t>
+            </a:r>
+            <a:endParaRPr lang="en-US" dirty="0" smtClean="0"/>
+          </a:p>
+          <a:p>
+            <a:r>
+              <a:rPr lang="en-US" dirty="0" smtClean="0"/>
+              <a:t>XNA Pipeline</a:t>
+            </a:r>
+            <a:endParaRPr lang="ru-RU" dirty="0" smtClean="0"/>
+          </a:p>
+          <a:p>
+            <a:pPr lvl="1"/>
+            <a:r>
+              <a:rPr lang="en-US" dirty="0" err="1" smtClean="0"/>
+              <a:t>ContentImporter</a:t>
+            </a:r>
+            <a:endParaRPr lang="en-US" dirty="0" smtClean="0"/>
+          </a:p>
+          <a:p>
+            <a:pPr lvl="1"/>
+            <a:r>
+              <a:rPr lang="en-US" dirty="0" err="1" smtClean="0"/>
+              <a:t>ContentProcessor</a:t>
+            </a:r>
+            <a:endParaRPr lang="en-US" dirty="0" smtClean="0"/>
+          </a:p>
+          <a:p>
+            <a:pPr lvl="1"/>
+            <a:r>
+              <a:rPr lang="en-US" dirty="0" err="1" smtClean="0"/>
+              <a:t>ContentWriter</a:t>
+            </a:r>
+            <a:endParaRPr lang="en-US" dirty="0" smtClean="0"/>
+          </a:p>
+          <a:p>
+            <a:pPr lvl="1"/>
+            <a:r>
+              <a:rPr lang="en-US" dirty="0" err="1" smtClean="0"/>
+              <a:t>ContentReader</a:t>
+            </a:r>
+            <a:r>
+              <a:rPr lang="en-US" dirty="0" smtClean="0"/>
+              <a:t>*</a:t>
+            </a:r>
+          </a:p>
+          <a:p>
+            <a:pPr lvl="1"/>
             <a:r>
               <a:rPr lang="ru-RU" dirty="0" smtClean="0"/>
-              <a:t>Алексей </a:t>
-            </a:r>
+              <a:t>Рефлексия</a:t>
+            </a:r>
+          </a:p>
+          <a:p>
             <a:r>
               <a:rPr lang="ru-RU" dirty="0" smtClean="0"/>
-              <a:t>А</a:t>
-            </a:r>
-            <a:r>
-              <a:rPr lang="ru-RU" dirty="0" smtClean="0"/>
-              <a:t>лексеевич, к.т.н., НИУ </a:t>
-            </a:r>
-            <a:r>
-              <a:rPr lang="ru-RU" dirty="0" err="1" smtClean="0"/>
-              <a:t>итмо</a:t>
-            </a:r>
+              <a:t>Разбор примеров</a:t>
+            </a:r>
+          </a:p>
+        </p:txBody>
+      </p:sp>
+      <p:sp>
+        <p:nvSpPr>
+          <p:cNvPr id="4" name="Содержимое 3"/>
+          <p:cNvSpPr>
+            <a:spLocks noGrp="1"/>
+          </p:cNvSpPr>
+          <p:nvPr>
+            <p:ph sz="half" idx="2"/>
+          </p:nvPr>
+        </p:nvSpPr>
+        <p:spPr/>
+        <p:txBody>
+          <a:bodyPr>
+            <a:normAutofit fontScale="85000" lnSpcReduction="20000"/>
+          </a:bodyPr>
+          <a:lstStyle/>
+          <a:p>
             <a:endParaRPr lang="ru-RU" dirty="0"/>
           </a:p>
         </p:txBody>
@@ -6579,13 +6790,13 @@
         <p:spPr/>
         <p:txBody>
           <a:bodyPr>
-            <a:normAutofit fontScale="90000"/>
+            <a:normAutofit/>
           </a:bodyPr>
           <a:lstStyle/>
           <a:p>
             <a:r>
               <a:rPr lang="ru-RU" dirty="0" smtClean="0"/>
-              <a:t>Системы виртуальной реальности?</a:t>
+              <a:t>Виртуальная реальность</a:t>
             </a:r>
             <a:endParaRPr lang="ru-RU" dirty="0"/>
           </a:p>
@@ -6603,9 +6814,41 @@
         </p:nvSpPr>
         <p:spPr/>
         <p:txBody>
-          <a:bodyPr/>
+          <a:bodyPr>
+            <a:normAutofit fontScale="92500"/>
+          </a:bodyPr>
           <a:lstStyle/>
           <a:p>
+            <a:r>
+              <a:rPr lang="ru-RU" dirty="0" smtClean="0"/>
+              <a:t>Созданный </a:t>
+            </a:r>
+            <a:r>
+              <a:rPr lang="ru-RU" dirty="0" smtClean="0"/>
+              <a:t>техническими средствами </a:t>
+            </a:r>
+            <a:r>
+              <a:rPr lang="ru-RU" dirty="0" smtClean="0"/>
+              <a:t>мир, </a:t>
+            </a:r>
+            <a:r>
+              <a:rPr lang="ru-RU" dirty="0" smtClean="0"/>
+              <a:t>передаваемый человеку через его ощущения: зрение, слух, обоняние, осязание и другие. </a:t>
+            </a:r>
+            <a:endParaRPr lang="ru-RU" dirty="0" smtClean="0"/>
+          </a:p>
+          <a:p>
+            <a:endParaRPr lang="ru-RU" dirty="0" smtClean="0"/>
+          </a:p>
+          <a:p>
+            <a:r>
+              <a:rPr lang="ru-RU" dirty="0" smtClean="0"/>
+              <a:t>Виртуальная </a:t>
+            </a:r>
+            <a:r>
+              <a:rPr lang="ru-RU" dirty="0" smtClean="0"/>
+              <a:t>реальность имитирует как воздействие, так и реакции на воздействие. Для создания убедительного комплекса ощущений реальности компьютерный синтез свойств и реакций виртуальной реальности производится в реальном времени.</a:t>
+            </a:r>
             <a:endParaRPr lang="ru-RU" dirty="0"/>
           </a:p>
         </p:txBody>
@@ -6665,25 +6908,151 @@
           </a:p>
         </p:txBody>
       </p:sp>
-      <p:sp>
-        <p:nvSpPr>
-          <p:cNvPr id="3" name="Содержимое 2"/>
-          <p:cNvSpPr>
-            <a:spLocks noGrp="1"/>
-          </p:cNvSpPr>
-          <p:nvPr>
-            <p:ph idx="1"/>
-          </p:nvPr>
-        </p:nvSpPr>
-        <p:spPr/>
-        <p:txBody>
-          <a:bodyPr/>
-          <a:lstStyle/>
-          <a:p>
-            <a:endParaRPr lang="ru-RU" dirty="0"/>
-          </a:p>
-        </p:txBody>
-      </p:sp>
+      <p:pic>
+        <p:nvPicPr>
+          <p:cNvPr id="8" name="Рисунок 7" descr="gow.jpg"/>
+          <p:cNvPicPr>
+            <a:picLocks noChangeAspect="1"/>
+          </p:cNvPicPr>
+          <p:nvPr/>
+        </p:nvPicPr>
+        <p:blipFill>
+          <a:blip r:embed="rId2" cstate="print"/>
+          <a:stretch>
+            <a:fillRect/>
+          </a:stretch>
+        </p:blipFill>
+        <p:spPr>
+          <a:xfrm>
+            <a:off x="5148064" y="1556792"/>
+            <a:ext cx="3744416" cy="2232248"/>
+          </a:xfrm>
+          <a:prstGeom prst="rect">
+            <a:avLst/>
+          </a:prstGeom>
+          <a:ln>
+            <a:solidFill>
+              <a:schemeClr val="tx2"/>
+            </a:solidFill>
+          </a:ln>
+        </p:spPr>
+      </p:pic>
+      <p:pic>
+        <p:nvPicPr>
+          <p:cNvPr id="9" name="Рисунок 8" descr="Halo Reach.jpg"/>
+          <p:cNvPicPr>
+            <a:picLocks noChangeAspect="1"/>
+          </p:cNvPicPr>
+          <p:nvPr/>
+        </p:nvPicPr>
+        <p:blipFill>
+          <a:blip r:embed="rId3" cstate="print"/>
+          <a:stretch>
+            <a:fillRect/>
+          </a:stretch>
+        </p:blipFill>
+        <p:spPr>
+          <a:xfrm>
+            <a:off x="5148064" y="3861048"/>
+            <a:ext cx="3744416" cy="2232248"/>
+          </a:xfrm>
+          <a:prstGeom prst="rect">
+            <a:avLst/>
+          </a:prstGeom>
+          <a:ln>
+            <a:solidFill>
+              <a:schemeClr val="tx2"/>
+            </a:solidFill>
+          </a:ln>
+        </p:spPr>
+      </p:pic>
+      <p:pic>
+        <p:nvPicPr>
+          <p:cNvPr id="10" name="Рисунок 9" descr="ts_3_enl.jpg"/>
+          <p:cNvPicPr>
+            <a:picLocks noChangeAspect="1"/>
+          </p:cNvPicPr>
+          <p:nvPr/>
+        </p:nvPicPr>
+        <p:blipFill>
+          <a:blip r:embed="rId4" cstate="print"/>
+          <a:stretch>
+            <a:fillRect/>
+          </a:stretch>
+        </p:blipFill>
+        <p:spPr>
+          <a:xfrm>
+            <a:off x="683567" y="1556792"/>
+            <a:ext cx="4392489" cy="3240360"/>
+          </a:xfrm>
+          <a:prstGeom prst="rect">
+            <a:avLst/>
+          </a:prstGeom>
+          <a:ln>
+            <a:solidFill>
+              <a:schemeClr val="tx2"/>
+            </a:solidFill>
+          </a:ln>
+        </p:spPr>
+      </p:pic>
+      <p:pic>
+        <p:nvPicPr>
+          <p:cNvPr id="13" name="Рисунок 12" descr="original.jpg"/>
+          <p:cNvPicPr>
+            <a:picLocks noChangeAspect="1"/>
+          </p:cNvPicPr>
+          <p:nvPr/>
+        </p:nvPicPr>
+        <p:blipFill>
+          <a:blip r:embed="rId5" cstate="print"/>
+          <a:stretch>
+            <a:fillRect/>
+          </a:stretch>
+        </p:blipFill>
+        <p:spPr>
+          <a:xfrm>
+            <a:off x="683569" y="4869160"/>
+            <a:ext cx="2048228" cy="1224136"/>
+          </a:xfrm>
+          <a:prstGeom prst="rect">
+            <a:avLst/>
+          </a:prstGeom>
+          <a:ln>
+            <a:solidFill>
+              <a:schemeClr val="tx2"/>
+            </a:solidFill>
+          </a:ln>
+        </p:spPr>
+      </p:pic>
+      <p:pic>
+        <p:nvPicPr>
+          <p:cNvPr id="14" name="Рисунок 13" descr="portal2.300.04.lg.jpg"/>
+          <p:cNvPicPr>
+            <a:picLocks noChangeAspect="1"/>
+          </p:cNvPicPr>
+          <p:nvPr/>
+        </p:nvPicPr>
+        <p:blipFill>
+          <a:blip r:embed="rId6" cstate="print"/>
+          <a:stretch>
+            <a:fillRect/>
+          </a:stretch>
+        </p:blipFill>
+        <p:spPr>
+          <a:xfrm>
+            <a:off x="2771800" y="4869160"/>
+            <a:ext cx="2304256" cy="1224136"/>
+          </a:xfrm>
+          <a:prstGeom prst="rect">
+            <a:avLst/>
+          </a:prstGeom>
+          <a:ln>
+            <a:solidFill>
+              <a:schemeClr val="tx2"/>
+            </a:solidFill>
+          </a:ln>
+        </p:spPr>
+      </p:pic>
     </p:spTree>
   </p:cSld>
   <p:clrMapOvr>
@@ -6733,393 +7102,158 @@
           <a:p>
             <a:r>
               <a:rPr lang="ru-RU" dirty="0" smtClean="0"/>
-              <a:t>Основные объекты и методы</a:t>
+              <a:t>Основные задачи</a:t>
             </a:r>
             <a:endParaRPr lang="ru-RU" dirty="0"/>
           </a:p>
         </p:txBody>
       </p:sp>
-      <p:sp>
-        <p:nvSpPr>
-          <p:cNvPr id="3" name="Содержимое 2"/>
-          <p:cNvSpPr>
-            <a:spLocks noGrp="1"/>
-          </p:cNvSpPr>
-          <p:nvPr>
-            <p:ph sz="half" idx="1"/>
-          </p:nvPr>
-        </p:nvSpPr>
-        <p:spPr/>
-        <p:txBody>
-          <a:bodyPr>
-            <a:normAutofit fontScale="55000" lnSpcReduction="20000"/>
-          </a:bodyPr>
-          <a:lstStyle/>
-          <a:p>
-            <a:r>
-              <a:rPr lang="ru-RU" dirty="0" smtClean="0"/>
-              <a:t>Буфер кадра, глубины и трафарета</a:t>
-            </a:r>
-          </a:p>
-          <a:p>
-            <a:r>
-              <a:rPr lang="ru-RU" dirty="0" smtClean="0"/>
-              <a:t>Массивы вершин</a:t>
-            </a:r>
-            <a:r>
-              <a:rPr lang="en-US" dirty="0" smtClean="0"/>
-              <a:t> </a:t>
-            </a:r>
-            <a:r>
-              <a:rPr lang="ru-RU" dirty="0" smtClean="0"/>
-              <a:t>и </a:t>
-            </a:r>
-            <a:r>
-              <a:rPr lang="ru-RU" dirty="0" smtClean="0"/>
-              <a:t>м</a:t>
-            </a:r>
-            <a:r>
-              <a:rPr lang="ru-RU" dirty="0" smtClean="0"/>
-              <a:t>ассивы индексов</a:t>
-            </a:r>
-          </a:p>
-          <a:p>
-            <a:r>
-              <a:rPr lang="ru-RU" dirty="0" smtClean="0"/>
-              <a:t>Примитивы и методы растеризации</a:t>
-            </a:r>
-          </a:p>
-          <a:p>
-            <a:pPr lvl="1"/>
-            <a:r>
-              <a:rPr lang="ru-RU" dirty="0" smtClean="0"/>
-              <a:t>Точки, линии, треугольники, «</a:t>
-            </a:r>
-            <a:r>
-              <a:rPr lang="ru-RU" dirty="0" err="1" smtClean="0"/>
-              <a:t>стрипы</a:t>
-            </a:r>
-            <a:r>
-              <a:rPr lang="ru-RU" dirty="0" smtClean="0"/>
-              <a:t>»</a:t>
-            </a:r>
-            <a:endParaRPr lang="en-US" dirty="0" smtClean="0"/>
-          </a:p>
-          <a:p>
-            <a:pPr lvl="1"/>
-            <a:r>
-              <a:rPr lang="ru-RU" dirty="0" smtClean="0"/>
-              <a:t>Смешивание</a:t>
-            </a:r>
-          </a:p>
-          <a:p>
-            <a:pPr lvl="1"/>
-            <a:r>
-              <a:rPr lang="ru-RU" dirty="0" smtClean="0"/>
-              <a:t>Сглаживание краев</a:t>
-            </a:r>
-          </a:p>
-          <a:p>
-            <a:pPr lvl="1"/>
-            <a:r>
-              <a:rPr lang="ru-RU" dirty="0" smtClean="0"/>
-              <a:t>Тест глубины и тест трафарета</a:t>
-            </a:r>
-          </a:p>
-          <a:p>
-            <a:r>
-              <a:rPr lang="ru-RU" dirty="0" smtClean="0"/>
-              <a:t>Текстуры</a:t>
-            </a:r>
-          </a:p>
-          <a:p>
-            <a:pPr lvl="1"/>
-            <a:r>
-              <a:rPr lang="en-US" dirty="0" smtClean="0"/>
-              <a:t>1D, 2D, 3D, Cube</a:t>
-            </a:r>
-            <a:r>
-              <a:rPr lang="ru-RU" dirty="0" smtClean="0"/>
-              <a:t> + форматы</a:t>
-            </a:r>
-          </a:p>
-          <a:p>
-            <a:pPr lvl="1"/>
-            <a:r>
-              <a:rPr lang="ru-RU" dirty="0" smtClean="0"/>
-              <a:t>Режимы фильтрации и </a:t>
-            </a:r>
-            <a:r>
-              <a:rPr lang="ru-RU" dirty="0" err="1" smtClean="0"/>
-              <a:t>клампинга</a:t>
-            </a:r>
-            <a:endParaRPr lang="ru-RU" dirty="0" smtClean="0"/>
-          </a:p>
-          <a:p>
-            <a:pPr lvl="1"/>
-            <a:r>
-              <a:rPr lang="ru-RU" dirty="0" err="1" smtClean="0"/>
-              <a:t>Внеэкранные</a:t>
-            </a:r>
-            <a:r>
-              <a:rPr lang="ru-RU" dirty="0" smtClean="0"/>
-              <a:t> поверхности</a:t>
-            </a:r>
-          </a:p>
-          <a:p>
-            <a:r>
-              <a:rPr lang="ru-RU" dirty="0" err="1" smtClean="0"/>
-              <a:t>Шейдеры</a:t>
-            </a:r>
-            <a:endParaRPr lang="ru-RU" dirty="0" smtClean="0"/>
-          </a:p>
-          <a:p>
-            <a:pPr lvl="1"/>
-            <a:r>
-              <a:rPr lang="en-US" dirty="0" smtClean="0"/>
-              <a:t>VS, PS, GS, </a:t>
-            </a:r>
-            <a:r>
-              <a:rPr lang="ru-RU" dirty="0" smtClean="0"/>
-              <a:t>С</a:t>
-            </a:r>
-            <a:r>
-              <a:rPr lang="en-US" dirty="0" smtClean="0"/>
-              <a:t>S</a:t>
-            </a:r>
-            <a:endParaRPr lang="ru-RU" dirty="0" smtClean="0"/>
-          </a:p>
-          <a:p>
-            <a:pPr lvl="1"/>
-            <a:r>
-              <a:rPr lang="ru-RU" dirty="0" smtClean="0"/>
-              <a:t>Константы и текстуры</a:t>
-            </a:r>
-          </a:p>
-          <a:p>
-            <a:r>
-              <a:rPr lang="ru-RU" dirty="0" smtClean="0"/>
-              <a:t>Запрос на перекрытие и условный </a:t>
-            </a:r>
-            <a:r>
-              <a:rPr lang="ru-RU" dirty="0" err="1" smtClean="0"/>
-              <a:t>рендеринг</a:t>
-            </a:r>
-            <a:endParaRPr lang="ru-RU" dirty="0"/>
-          </a:p>
-        </p:txBody>
-      </p:sp>
-      <p:sp>
-        <p:nvSpPr>
-          <p:cNvPr id="4" name="Содержимое 3"/>
-          <p:cNvSpPr>
-            <a:spLocks noGrp="1"/>
-          </p:cNvSpPr>
-          <p:nvPr>
-            <p:ph sz="half" idx="2"/>
-          </p:nvPr>
-        </p:nvSpPr>
-        <p:spPr/>
-        <p:txBody>
-          <a:bodyPr>
-            <a:normAutofit fontScale="55000" lnSpcReduction="20000"/>
-          </a:bodyPr>
-          <a:lstStyle/>
-          <a:p>
-            <a:r>
-              <a:rPr lang="ru-RU" dirty="0" smtClean="0"/>
-              <a:t>Методы построения освещенности</a:t>
-            </a:r>
-          </a:p>
-          <a:p>
-            <a:pPr lvl="1"/>
-            <a:r>
-              <a:rPr lang="ru-RU" dirty="0" smtClean="0"/>
-              <a:t>Модели освещения (</a:t>
-            </a:r>
-            <a:r>
-              <a:rPr lang="en-US" smtClean="0"/>
-              <a:t>BRDF</a:t>
-            </a:r>
-            <a:r>
-              <a:rPr lang="ru-RU" smtClean="0"/>
-              <a:t>)</a:t>
-            </a:r>
-          </a:p>
-          <a:p>
-            <a:pPr lvl="1"/>
-            <a:r>
-              <a:rPr lang="en-US" dirty="0" smtClean="0"/>
-              <a:t>Direct Lighting</a:t>
-            </a:r>
-            <a:endParaRPr lang="ru-RU" dirty="0" smtClean="0"/>
-          </a:p>
-          <a:p>
-            <a:pPr lvl="1"/>
-            <a:r>
-              <a:rPr lang="en-US" dirty="0" smtClean="0"/>
-              <a:t>Image bases Lighting (IBL)</a:t>
-            </a:r>
-            <a:endParaRPr lang="ru-RU" dirty="0" smtClean="0"/>
-          </a:p>
-          <a:p>
-            <a:pPr lvl="1"/>
-            <a:r>
-              <a:rPr lang="en-US" dirty="0" smtClean="0"/>
-              <a:t>Global Illumination (GI)</a:t>
-            </a:r>
-          </a:p>
-          <a:p>
-            <a:pPr lvl="1"/>
-            <a:r>
-              <a:rPr lang="en-US" dirty="0" err="1" smtClean="0"/>
-              <a:t>Realtime</a:t>
-            </a:r>
-            <a:r>
-              <a:rPr lang="en-US" dirty="0" smtClean="0"/>
-              <a:t> </a:t>
-            </a:r>
-            <a:r>
-              <a:rPr lang="en-US" dirty="0" err="1" smtClean="0"/>
-              <a:t>vs</a:t>
-            </a:r>
-            <a:r>
-              <a:rPr lang="en-US" dirty="0" smtClean="0"/>
-              <a:t> Baked lighting (</a:t>
-            </a:r>
-            <a:r>
-              <a:rPr lang="en-US" dirty="0" err="1" smtClean="0"/>
-              <a:t>Lightmaps</a:t>
-            </a:r>
-            <a:r>
-              <a:rPr lang="en-US" dirty="0" smtClean="0"/>
-              <a:t>)</a:t>
-            </a:r>
-          </a:p>
-          <a:p>
-            <a:pPr lvl="2"/>
-            <a:r>
-              <a:rPr lang="en-US" dirty="0" smtClean="0"/>
-              <a:t>Spherical </a:t>
-            </a:r>
-            <a:r>
-              <a:rPr lang="en-US" dirty="0" smtClean="0"/>
-              <a:t>Harmonics</a:t>
-            </a:r>
-            <a:endParaRPr lang="ru-RU" dirty="0" smtClean="0"/>
-          </a:p>
-          <a:p>
-            <a:r>
-              <a:rPr lang="ru-RU" dirty="0" smtClean="0"/>
-              <a:t>Методы построения</a:t>
-            </a:r>
-            <a:r>
-              <a:rPr lang="en-US" dirty="0" smtClean="0"/>
-              <a:t> </a:t>
-            </a:r>
-            <a:r>
-              <a:rPr lang="ru-RU" dirty="0" smtClean="0"/>
-              <a:t>теней</a:t>
-            </a:r>
-          </a:p>
-          <a:p>
-            <a:pPr lvl="1"/>
-            <a:r>
-              <a:rPr lang="en-US" dirty="0" smtClean="0"/>
-              <a:t>Ray tracing (baked)</a:t>
-            </a:r>
-            <a:endParaRPr lang="ru-RU" dirty="0" smtClean="0"/>
-          </a:p>
-          <a:p>
-            <a:pPr lvl="1"/>
-            <a:r>
-              <a:rPr lang="en-US" dirty="0" smtClean="0"/>
-              <a:t>Shadow Maps</a:t>
-            </a:r>
-          </a:p>
-          <a:p>
-            <a:pPr lvl="2"/>
-            <a:r>
-              <a:rPr lang="en-US" dirty="0" smtClean="0"/>
-              <a:t>Perspective SM</a:t>
-            </a:r>
-          </a:p>
-          <a:p>
-            <a:pPr lvl="2"/>
-            <a:r>
-              <a:rPr lang="en-US" dirty="0" smtClean="0"/>
-              <a:t>Variance SM</a:t>
-            </a:r>
-          </a:p>
-          <a:p>
-            <a:pPr lvl="2"/>
-            <a:r>
-              <a:rPr lang="en-US" dirty="0" smtClean="0"/>
-              <a:t>PSSM</a:t>
-            </a:r>
-          </a:p>
-          <a:p>
-            <a:pPr lvl="1"/>
-            <a:r>
-              <a:rPr lang="en-US" dirty="0" smtClean="0"/>
-              <a:t>Shadow Volumes</a:t>
-            </a:r>
-          </a:p>
-          <a:p>
-            <a:r>
-              <a:rPr lang="ru-RU" dirty="0" smtClean="0"/>
-              <a:t>Методы анимации</a:t>
-            </a:r>
-          </a:p>
-          <a:p>
-            <a:pPr lvl="1"/>
-            <a:r>
-              <a:rPr lang="en-US" dirty="0" smtClean="0"/>
-              <a:t>Blend shapes</a:t>
-            </a:r>
-          </a:p>
-          <a:p>
-            <a:pPr lvl="1"/>
-            <a:r>
-              <a:rPr lang="en-US" dirty="0" smtClean="0"/>
-              <a:t>Skinning</a:t>
-            </a:r>
-          </a:p>
-          <a:p>
-            <a:r>
-              <a:rPr lang="ru-RU" dirty="0" smtClean="0"/>
-              <a:t>Моделирование природных явлений</a:t>
-            </a:r>
-          </a:p>
-          <a:p>
-            <a:pPr lvl="1"/>
-            <a:r>
-              <a:rPr lang="ru-RU" dirty="0" smtClean="0"/>
-              <a:t>Туман</a:t>
-            </a:r>
-          </a:p>
-          <a:p>
-            <a:pPr lvl="1"/>
-            <a:r>
-              <a:rPr lang="ru-RU" dirty="0" smtClean="0"/>
-              <a:t>Растительность</a:t>
-            </a:r>
-          </a:p>
-          <a:p>
-            <a:pPr lvl="1"/>
-            <a:r>
-              <a:rPr lang="ru-RU" dirty="0" smtClean="0"/>
-              <a:t>Системы частиц</a:t>
-            </a:r>
-          </a:p>
-          <a:p>
-            <a:endParaRPr lang="en-US" dirty="0" smtClean="0"/>
-          </a:p>
-          <a:p>
-            <a:endParaRPr lang="ru-RU" dirty="0"/>
-          </a:p>
-        </p:txBody>
-      </p:sp>
+      <p:pic>
+        <p:nvPicPr>
+          <p:cNvPr id="11" name="Рисунок 10" descr="f16_egypt_utd_485.jpg"/>
+          <p:cNvPicPr>
+            <a:picLocks noChangeAspect="1"/>
+          </p:cNvPicPr>
+          <p:nvPr/>
+        </p:nvPicPr>
+        <p:blipFill>
+          <a:blip r:embed="rId2" cstate="print"/>
+          <a:stretch>
+            <a:fillRect/>
+          </a:stretch>
+        </p:blipFill>
+        <p:spPr>
+          <a:xfrm>
+            <a:off x="971600" y="1484784"/>
+            <a:ext cx="3816423" cy="2592287"/>
+          </a:xfrm>
+          <a:prstGeom prst="rect">
+            <a:avLst/>
+          </a:prstGeom>
+          <a:ln>
+            <a:solidFill>
+              <a:schemeClr val="tx2"/>
+            </a:solidFill>
+          </a:ln>
+        </p:spPr>
+      </p:pic>
+      <p:pic>
+        <p:nvPicPr>
+          <p:cNvPr id="12" name="Рисунок 11" descr="insidesim.jpg"/>
+          <p:cNvPicPr>
+            <a:picLocks noChangeAspect="1"/>
+          </p:cNvPicPr>
+          <p:nvPr/>
+        </p:nvPicPr>
+        <p:blipFill>
+          <a:blip r:embed="rId3" cstate="print"/>
+          <a:stretch>
+            <a:fillRect/>
+          </a:stretch>
+        </p:blipFill>
+        <p:spPr>
+          <a:xfrm>
+            <a:off x="6732240" y="1484784"/>
+            <a:ext cx="2135411" cy="1728191"/>
+          </a:xfrm>
+          <a:prstGeom prst="rect">
+            <a:avLst/>
+          </a:prstGeom>
+          <a:ln>
+            <a:solidFill>
+              <a:schemeClr val="tx2"/>
+            </a:solidFill>
+          </a:ln>
+        </p:spPr>
+      </p:pic>
+      <p:pic>
+        <p:nvPicPr>
+          <p:cNvPr id="15" name="Рисунок 14" descr="Simulator-flight-compartment.jpeg"/>
+          <p:cNvPicPr>
+            <a:picLocks noChangeAspect="1"/>
+          </p:cNvPicPr>
+          <p:nvPr/>
+        </p:nvPicPr>
+        <p:blipFill>
+          <a:blip r:embed="rId4" cstate="print"/>
+          <a:stretch>
+            <a:fillRect/>
+          </a:stretch>
+        </p:blipFill>
+        <p:spPr>
+          <a:xfrm>
+            <a:off x="4860032" y="3284984"/>
+            <a:ext cx="4032448" cy="2952328"/>
+          </a:xfrm>
+          <a:prstGeom prst="rect">
+            <a:avLst/>
+          </a:prstGeom>
+          <a:ln>
+            <a:solidFill>
+              <a:schemeClr val="tx2"/>
+            </a:solidFill>
+          </a:ln>
+        </p:spPr>
+      </p:pic>
+      <p:pic>
+        <p:nvPicPr>
+          <p:cNvPr id="16" name="Рисунок 15" descr="AC97-0295-13_a.jpeg"/>
+          <p:cNvPicPr>
+            <a:picLocks noChangeAspect="1"/>
+          </p:cNvPicPr>
+          <p:nvPr/>
+        </p:nvPicPr>
+        <p:blipFill>
+          <a:blip r:embed="rId5" cstate="print"/>
+          <a:stretch>
+            <a:fillRect/>
+          </a:stretch>
+        </p:blipFill>
+        <p:spPr>
+          <a:xfrm>
+            <a:off x="4860032" y="1484784"/>
+            <a:ext cx="1800200" cy="1728192"/>
+          </a:xfrm>
+          <a:prstGeom prst="rect">
+            <a:avLst/>
+          </a:prstGeom>
+          <a:ln>
+            <a:solidFill>
+              <a:schemeClr val="tx2"/>
+            </a:solidFill>
+          </a:ln>
+        </p:spPr>
+      </p:pic>
+      <p:pic>
+        <p:nvPicPr>
+          <p:cNvPr id="17" name="Рисунок 16" descr="P1150632.JPG"/>
+          <p:cNvPicPr>
+            <a:picLocks noChangeAspect="1"/>
+          </p:cNvPicPr>
+          <p:nvPr/>
+        </p:nvPicPr>
+        <p:blipFill>
+          <a:blip r:embed="rId6" cstate="print"/>
+          <a:srcRect t="2566" b="25578"/>
+          <a:stretch>
+            <a:fillRect/>
+          </a:stretch>
+        </p:blipFill>
+        <p:spPr>
+          <a:xfrm>
+            <a:off x="971600" y="4149080"/>
+            <a:ext cx="3816424" cy="2088232"/>
+          </a:xfrm>
+          <a:prstGeom prst="rect">
+            <a:avLst/>
+          </a:prstGeom>
+          <a:ln>
+            <a:solidFill>
+              <a:schemeClr val="tx2"/>
+            </a:solidFill>
+          </a:ln>
+        </p:spPr>
+      </p:pic>
     </p:spTree>
   </p:cSld>
   <p:clrMapOvr>
@@ -7159,66 +7293,387 @@
             <a:spLocks noGrp="1"/>
           </p:cNvSpPr>
           <p:nvPr>
-            <p:ph type="ctrTitle"/>
+            <p:ph type="title"/>
           </p:nvPr>
         </p:nvSpPr>
         <p:spPr/>
         <p:txBody>
+          <a:bodyPr/>
+          <a:lstStyle/>
+          <a:p>
+            <a:r>
+              <a:rPr lang="ru-RU" dirty="0" smtClean="0"/>
+              <a:t>Основные объекты и методы</a:t>
+            </a:r>
+            <a:endParaRPr lang="ru-RU" dirty="0"/>
+          </a:p>
+        </p:txBody>
+      </p:sp>
+      <p:sp>
+        <p:nvSpPr>
+          <p:cNvPr id="3" name="Содержимое 2"/>
+          <p:cNvSpPr>
+            <a:spLocks noGrp="1"/>
+          </p:cNvSpPr>
+          <p:nvPr>
+            <p:ph sz="half" idx="1"/>
+          </p:nvPr>
+        </p:nvSpPr>
+        <p:spPr/>
+        <p:txBody>
           <a:bodyPr>
-            <a:normAutofit fontScale="90000"/>
+            <a:normAutofit fontScale="55000" lnSpcReduction="20000"/>
           </a:bodyPr>
           <a:lstStyle/>
           <a:p>
             <a:r>
-              <a:rPr lang="ru-RU" sz="3200" dirty="0" smtClean="0"/>
-              <a:t>Программирование систем виртуальной реальности с использованием </a:t>
-            </a:r>
-            <a:r>
-              <a:rPr lang="en-US" sz="3200" dirty="0" smtClean="0"/>
-              <a:t/>
-            </a:r>
-            <a:br>
-              <a:rPr lang="en-US" sz="3200" dirty="0" smtClean="0"/>
-            </a:br>
-            <a:r>
-              <a:rPr lang="en-US" sz="3200" dirty="0" smtClean="0"/>
-              <a:t>Microsoft XNA Framework</a:t>
-            </a:r>
-            <a:endParaRPr lang="ru-RU" sz="3200" dirty="0"/>
-          </a:p>
-        </p:txBody>
-      </p:sp>
-      <p:sp>
-        <p:nvSpPr>
-          <p:cNvPr id="3" name="Подзаголовок 2"/>
+              <a:rPr lang="ru-RU" dirty="0" smtClean="0"/>
+              <a:t>Буфер кадра, глубины и трафарета</a:t>
+            </a:r>
+          </a:p>
+          <a:p>
+            <a:r>
+              <a:rPr lang="ru-RU" dirty="0" smtClean="0"/>
+              <a:t>Массивы вершин</a:t>
+            </a:r>
+            <a:r>
+              <a:rPr lang="en-US" dirty="0" smtClean="0"/>
+              <a:t> </a:t>
+            </a:r>
+            <a:r>
+              <a:rPr lang="ru-RU" dirty="0" smtClean="0"/>
+              <a:t>и массивы индексов</a:t>
+            </a:r>
+          </a:p>
+          <a:p>
+            <a:r>
+              <a:rPr lang="ru-RU" dirty="0" smtClean="0"/>
+              <a:t>Примитивы и методы растеризации</a:t>
+            </a:r>
+          </a:p>
+          <a:p>
+            <a:pPr lvl="1"/>
+            <a:r>
+              <a:rPr lang="ru-RU" dirty="0" smtClean="0"/>
+              <a:t>Точки, линии, треугольники, «</a:t>
+            </a:r>
+            <a:r>
+              <a:rPr lang="ru-RU" dirty="0" err="1" smtClean="0"/>
+              <a:t>стрипы</a:t>
+            </a:r>
+            <a:r>
+              <a:rPr lang="ru-RU" dirty="0" smtClean="0"/>
+              <a:t>»</a:t>
+            </a:r>
+            <a:endParaRPr lang="en-US" dirty="0" smtClean="0"/>
+          </a:p>
+          <a:p>
+            <a:pPr lvl="1"/>
+            <a:r>
+              <a:rPr lang="ru-RU" dirty="0" smtClean="0"/>
+              <a:t>Смешивание</a:t>
+            </a:r>
+          </a:p>
+          <a:p>
+            <a:pPr lvl="1"/>
+            <a:r>
+              <a:rPr lang="ru-RU" dirty="0" smtClean="0"/>
+              <a:t>Сглаживание краев</a:t>
+            </a:r>
+          </a:p>
+          <a:p>
+            <a:pPr lvl="1"/>
+            <a:r>
+              <a:rPr lang="ru-RU" dirty="0" smtClean="0"/>
+              <a:t>Тест глубины и тест трафарета</a:t>
+            </a:r>
+          </a:p>
+          <a:p>
+            <a:r>
+              <a:rPr lang="ru-RU" dirty="0" smtClean="0"/>
+              <a:t>Текстуры</a:t>
+            </a:r>
+          </a:p>
+          <a:p>
+            <a:pPr lvl="1"/>
+            <a:r>
+              <a:rPr lang="en-US" dirty="0" smtClean="0"/>
+              <a:t>1D, 2D, 3D, Cube</a:t>
+            </a:r>
+            <a:r>
+              <a:rPr lang="ru-RU" dirty="0" smtClean="0"/>
+              <a:t> + форматы</a:t>
+            </a:r>
+          </a:p>
+          <a:p>
+            <a:pPr lvl="1"/>
+            <a:r>
+              <a:rPr lang="ru-RU" dirty="0" smtClean="0"/>
+              <a:t>Режимы фильтрации и </a:t>
+            </a:r>
+            <a:r>
+              <a:rPr lang="ru-RU" dirty="0" err="1" smtClean="0"/>
+              <a:t>клампинга</a:t>
+            </a:r>
+            <a:endParaRPr lang="ru-RU" dirty="0" smtClean="0"/>
+          </a:p>
+          <a:p>
+            <a:pPr lvl="1"/>
+            <a:r>
+              <a:rPr lang="ru-RU" dirty="0" err="1" smtClean="0"/>
+              <a:t>Внеэкранные</a:t>
+            </a:r>
+            <a:r>
+              <a:rPr lang="ru-RU" dirty="0" smtClean="0"/>
+              <a:t> поверхности</a:t>
+            </a:r>
+          </a:p>
+          <a:p>
+            <a:r>
+              <a:rPr lang="ru-RU" dirty="0" err="1" smtClean="0"/>
+              <a:t>Шейдеры</a:t>
+            </a:r>
+            <a:endParaRPr lang="ru-RU" dirty="0" smtClean="0"/>
+          </a:p>
+          <a:p>
+            <a:pPr lvl="1"/>
+            <a:r>
+              <a:rPr lang="en-US" dirty="0" smtClean="0"/>
+              <a:t>VS, PS, GS, </a:t>
+            </a:r>
+            <a:r>
+              <a:rPr lang="ru-RU" dirty="0" smtClean="0"/>
+              <a:t>С</a:t>
+            </a:r>
+            <a:r>
+              <a:rPr lang="en-US" dirty="0" smtClean="0"/>
+              <a:t>S</a:t>
+            </a:r>
+            <a:endParaRPr lang="ru-RU" dirty="0" smtClean="0"/>
+          </a:p>
+          <a:p>
+            <a:pPr lvl="1"/>
+            <a:r>
+              <a:rPr lang="ru-RU" dirty="0" smtClean="0"/>
+              <a:t>Константы и текстуры</a:t>
+            </a:r>
+          </a:p>
+          <a:p>
+            <a:r>
+              <a:rPr lang="ru-RU" dirty="0" smtClean="0"/>
+              <a:t>Запрос на перекрытие и условный </a:t>
+            </a:r>
+            <a:r>
+              <a:rPr lang="ru-RU" dirty="0" err="1" smtClean="0"/>
+              <a:t>рендеринг</a:t>
+            </a:r>
+            <a:endParaRPr lang="ru-RU" dirty="0"/>
+          </a:p>
+        </p:txBody>
+      </p:sp>
+      <p:sp>
+        <p:nvSpPr>
+          <p:cNvPr id="4" name="Содержимое 3"/>
           <p:cNvSpPr>
             <a:spLocks noGrp="1"/>
           </p:cNvSpPr>
           <p:nvPr>
-            <p:ph type="subTitle" idx="1"/>
+            <p:ph sz="half" idx="2"/>
           </p:nvPr>
         </p:nvSpPr>
         <p:spPr/>
         <p:txBody>
-          <a:bodyPr/>
+          <a:bodyPr>
+            <a:normAutofit fontScale="55000" lnSpcReduction="20000"/>
+          </a:bodyPr>
           <a:lstStyle/>
           <a:p>
             <a:r>
-              <a:rPr lang="ru-RU" dirty="0" err="1" smtClean="0"/>
-              <a:t>Безгодов</a:t>
-            </a:r>
-            <a:r>
               <a:rPr lang="ru-RU" dirty="0" smtClean="0"/>
+              <a:t>Методы построения освещенности</a:t>
+            </a:r>
+          </a:p>
+          <a:p>
+            <a:pPr lvl="1"/>
+            <a:r>
+              <a:rPr lang="ru-RU" dirty="0" smtClean="0"/>
+              <a:t>Модели освещения (</a:t>
+            </a:r>
+            <a:r>
+              <a:rPr lang="en-US" dirty="0" smtClean="0"/>
+              <a:t>BRDF</a:t>
+            </a:r>
+            <a:r>
+              <a:rPr lang="ru-RU" dirty="0" smtClean="0"/>
+              <a:t>)</a:t>
+            </a:r>
+          </a:p>
+          <a:p>
+            <a:pPr lvl="1"/>
+            <a:r>
+              <a:rPr lang="en-US" dirty="0" smtClean="0"/>
+              <a:t>Direct Lighting</a:t>
+            </a:r>
+            <a:endParaRPr lang="ru-RU" dirty="0" smtClean="0"/>
+          </a:p>
+          <a:p>
+            <a:pPr lvl="1"/>
+            <a:r>
+              <a:rPr lang="en-US" dirty="0" smtClean="0"/>
+              <a:t>Image bases Lighting (IBL)</a:t>
+            </a:r>
+            <a:endParaRPr lang="ru-RU" dirty="0" smtClean="0"/>
+          </a:p>
+          <a:p>
+            <a:pPr lvl="1"/>
+            <a:r>
+              <a:rPr lang="en-US" dirty="0" smtClean="0"/>
+              <a:t>Global Illumination (GI)</a:t>
+            </a:r>
+          </a:p>
+          <a:p>
+            <a:pPr lvl="1"/>
+            <a:r>
+              <a:rPr lang="en-US" dirty="0" err="1" smtClean="0"/>
+              <a:t>Realtime</a:t>
+            </a:r>
+            <a:r>
+              <a:rPr lang="en-US" dirty="0" smtClean="0"/>
               <a:t> </a:t>
             </a:r>
             <a:r>
+              <a:rPr lang="en-US" dirty="0" err="1" smtClean="0"/>
+              <a:t>vs</a:t>
+            </a:r>
+            <a:r>
+              <a:rPr lang="en-US" dirty="0" smtClean="0"/>
+              <a:t> Baked lighting (</a:t>
+            </a:r>
+            <a:r>
+              <a:rPr lang="en-US" dirty="0" err="1" smtClean="0"/>
+              <a:t>Lightmaps</a:t>
+            </a:r>
+            <a:r>
+              <a:rPr lang="en-US" dirty="0" smtClean="0"/>
+              <a:t>)</a:t>
+            </a:r>
+          </a:p>
+          <a:p>
+            <a:pPr lvl="2"/>
+            <a:r>
+              <a:rPr lang="en-US" dirty="0" smtClean="0"/>
+              <a:t>Spherical Harmonics</a:t>
+            </a:r>
+            <a:endParaRPr lang="ru-RU" dirty="0" smtClean="0"/>
+          </a:p>
+          <a:p>
+            <a:r>
               <a:rPr lang="ru-RU" dirty="0" smtClean="0"/>
-              <a:t>Алексей Алексеевич, к.т.н., НИУ </a:t>
-            </a:r>
-            <a:r>
-              <a:rPr lang="ru-RU" dirty="0" err="1" smtClean="0"/>
-              <a:t>итмо</a:t>
-            </a:r>
+              <a:t>Методы построения</a:t>
+            </a:r>
+            <a:r>
+              <a:rPr lang="en-US" dirty="0" smtClean="0"/>
+              <a:t> </a:t>
+            </a:r>
+            <a:r>
+              <a:rPr lang="ru-RU" dirty="0" smtClean="0"/>
+              <a:t>теней</a:t>
+            </a:r>
+          </a:p>
+          <a:p>
+            <a:pPr lvl="1"/>
+            <a:r>
+              <a:rPr lang="en-US" dirty="0" smtClean="0"/>
+              <a:t>Ray tracing (baked)</a:t>
+            </a:r>
+            <a:endParaRPr lang="ru-RU" dirty="0" smtClean="0"/>
+          </a:p>
+          <a:p>
+            <a:pPr lvl="1"/>
+            <a:r>
+              <a:rPr lang="en-US" dirty="0" smtClean="0"/>
+              <a:t>Shadow Maps</a:t>
+            </a:r>
+          </a:p>
+          <a:p>
+            <a:pPr lvl="2"/>
+            <a:r>
+              <a:rPr lang="en-US" dirty="0" smtClean="0"/>
+              <a:t>Perspective SM</a:t>
+            </a:r>
+          </a:p>
+          <a:p>
+            <a:pPr lvl="2"/>
+            <a:r>
+              <a:rPr lang="en-US" dirty="0" smtClean="0"/>
+              <a:t>Variance SM</a:t>
+            </a:r>
+          </a:p>
+          <a:p>
+            <a:pPr lvl="2"/>
+            <a:r>
+              <a:rPr lang="en-US" dirty="0" smtClean="0"/>
+              <a:t>PSSM</a:t>
+            </a:r>
+          </a:p>
+          <a:p>
+            <a:pPr lvl="1"/>
+            <a:r>
+              <a:rPr lang="en-US" dirty="0" smtClean="0"/>
+              <a:t>Shadow Volumes</a:t>
+            </a:r>
+          </a:p>
+          <a:p>
+            <a:r>
+              <a:rPr lang="ru-RU" dirty="0" smtClean="0"/>
+              <a:t>Методы анимации</a:t>
+            </a:r>
+          </a:p>
+          <a:p>
+            <a:pPr lvl="1"/>
+            <a:r>
+              <a:rPr lang="en-US" dirty="0" smtClean="0"/>
+              <a:t>Blend shapes</a:t>
+            </a:r>
+          </a:p>
+          <a:p>
+            <a:pPr lvl="1"/>
+            <a:r>
+              <a:rPr lang="en-US" dirty="0" smtClean="0"/>
+              <a:t>Skinning</a:t>
+            </a:r>
+          </a:p>
+          <a:p>
+            <a:r>
+              <a:rPr lang="ru-RU" dirty="0" smtClean="0"/>
+              <a:t>Моделирование природных явлений</a:t>
+            </a:r>
+          </a:p>
+          <a:p>
+            <a:pPr lvl="1"/>
+            <a:r>
+              <a:rPr lang="ru-RU" dirty="0" smtClean="0"/>
+              <a:t>Туман</a:t>
+            </a:r>
+          </a:p>
+          <a:p>
+            <a:pPr lvl="1"/>
+            <a:r>
+              <a:rPr lang="ru-RU" dirty="0" smtClean="0"/>
+              <a:t>Растительность</a:t>
+            </a:r>
+          </a:p>
+          <a:p>
+            <a:pPr lvl="1"/>
+            <a:r>
+              <a:rPr lang="ru-RU" dirty="0" smtClean="0"/>
+              <a:t>Системы частиц</a:t>
+            </a:r>
+          </a:p>
+          <a:p>
+            <a:endParaRPr lang="en-US" dirty="0" smtClean="0"/>
+          </a:p>
+          <a:p>
             <a:endParaRPr lang="ru-RU" dirty="0"/>
           </a:p>
         </p:txBody>
@@ -7271,131 +7726,253 @@
           <a:lstStyle/>
           <a:p>
             <a:r>
-              <a:rPr lang="ru-RU" dirty="0" smtClean="0"/>
-              <a:t>План</a:t>
-            </a:r>
-            <a:endParaRPr lang="ru-RU" dirty="0"/>
-          </a:p>
-        </p:txBody>
-      </p:sp>
-      <p:sp>
-        <p:nvSpPr>
-          <p:cNvPr id="3" name="Содержимое 2"/>
-          <p:cNvSpPr>
-            <a:spLocks noGrp="1"/>
-          </p:cNvSpPr>
+              <a:rPr lang="ru-RU" sz="3200" dirty="0" smtClean="0"/>
+              <a:t>Буфер кадра, глубины и трафарета</a:t>
+            </a:r>
+            <a:br>
+              <a:rPr lang="ru-RU" sz="3200" dirty="0" smtClean="0"/>
+            </a:br>
+            <a:endParaRPr lang="ru-RU" sz="3200" dirty="0"/>
+          </a:p>
+        </p:txBody>
+      </p:sp>
+      <p:pic>
+        <p:nvPicPr>
+          <p:cNvPr id="6" name="Содержимое 5" descr="color.bmp"/>
+          <p:cNvPicPr>
+            <a:picLocks noGrp="1" noChangeAspect="1"/>
+          </p:cNvPicPr>
           <p:nvPr>
-            <p:ph sz="half" idx="1"/>
+            <p:ph idx="1"/>
           </p:nvPr>
-        </p:nvSpPr>
-        <p:spPr/>
-        <p:txBody>
-          <a:bodyPr>
-            <a:normAutofit fontScale="85000" lnSpcReduction="20000"/>
+        </p:nvPicPr>
+        <p:blipFill>
+          <a:blip r:embed="rId2" cstate="print"/>
+          <a:stretch>
+            <a:fillRect/>
+          </a:stretch>
+        </p:blipFill>
+        <p:spPr>
+          <a:xfrm>
+            <a:off x="611560" y="1412776"/>
+            <a:ext cx="4906830" cy="3816424"/>
+          </a:xfrm>
+          <a:ln>
+            <a:solidFill>
+              <a:schemeClr val="tx2"/>
+            </a:solidFill>
+          </a:ln>
+        </p:spPr>
+      </p:pic>
+      <p:pic>
+        <p:nvPicPr>
+          <p:cNvPr id="7" name="Рисунок 6" descr="depth.bmp"/>
+          <p:cNvPicPr>
+            <a:picLocks noChangeAspect="1"/>
+          </p:cNvPicPr>
+          <p:nvPr/>
+        </p:nvPicPr>
+        <p:blipFill>
+          <a:blip r:embed="rId3" cstate="print"/>
+          <a:stretch>
+            <a:fillRect/>
+          </a:stretch>
+        </p:blipFill>
+        <p:spPr>
+          <a:xfrm>
+            <a:off x="5580112" y="1412776"/>
+            <a:ext cx="3332942" cy="2592288"/>
+          </a:xfrm>
+          <a:prstGeom prst="rect">
+            <a:avLst/>
+          </a:prstGeom>
+          <a:ln>
+            <a:solidFill>
+              <a:schemeClr val="tx2"/>
+            </a:solidFill>
+          </a:ln>
+        </p:spPr>
+      </p:pic>
+      <p:pic>
+        <p:nvPicPr>
+          <p:cNvPr id="8" name="Рисунок 7" descr="stencil.bmp"/>
+          <p:cNvPicPr>
+            <a:picLocks noChangeAspect="1"/>
+          </p:cNvPicPr>
+          <p:nvPr/>
+        </p:nvPicPr>
+        <p:blipFill>
+          <a:blip r:embed="rId4" cstate="print"/>
+          <a:stretch>
+            <a:fillRect/>
+          </a:stretch>
+        </p:blipFill>
+        <p:spPr>
+          <a:xfrm>
+            <a:off x="5580112" y="4077072"/>
+            <a:ext cx="3332942" cy="2592288"/>
+          </a:xfrm>
+          <a:prstGeom prst="rect">
+            <a:avLst/>
+          </a:prstGeom>
+          <a:ln>
+            <a:solidFill>
+              <a:schemeClr val="tx2"/>
+            </a:solidFill>
+          </a:ln>
+        </p:spPr>
+      </p:pic>
+      <p:sp>
+        <p:nvSpPr>
+          <p:cNvPr id="9" name="TextBox 8"/>
+          <p:cNvSpPr txBox="1"/>
+          <p:nvPr/>
+        </p:nvSpPr>
+        <p:spPr>
+          <a:xfrm>
+            <a:off x="683568" y="1484784"/>
+            <a:ext cx="1296144" cy="369332"/>
+          </a:xfrm>
+          <a:prstGeom prst="rect">
+            <a:avLst/>
+          </a:prstGeom>
+          <a:noFill/>
+        </p:spPr>
+        <p:txBody>
+          <a:bodyPr wrap="square" rtlCol="0">
+            <a:spAutoFit/>
           </a:bodyPr>
           <a:lstStyle/>
           <a:p>
             <a:r>
               <a:rPr lang="en-US" dirty="0" smtClean="0"/>
-              <a:t>XNA Framework</a:t>
-            </a:r>
-          </a:p>
-          <a:p>
-            <a:pPr lvl="1"/>
-            <a:r>
-              <a:rPr lang="ru-RU" dirty="0" smtClean="0"/>
-              <a:t>Общие возможности</a:t>
-            </a:r>
-          </a:p>
-          <a:p>
-            <a:pPr lvl="1"/>
-            <a:r>
-              <a:rPr lang="ru-RU" dirty="0" smtClean="0"/>
-              <a:t>Графика</a:t>
-            </a:r>
-          </a:p>
-          <a:p>
-            <a:pPr lvl="1"/>
-            <a:r>
-              <a:rPr lang="ru-RU" dirty="0" smtClean="0"/>
-              <a:t>Звук</a:t>
-            </a:r>
-          </a:p>
-          <a:p>
-            <a:pPr lvl="1"/>
-            <a:r>
-              <a:rPr lang="ru-RU" dirty="0" smtClean="0"/>
-              <a:t>Устройства ввода</a:t>
-            </a:r>
-          </a:p>
-          <a:p>
-            <a:pPr lvl="1"/>
-            <a:r>
-              <a:rPr lang="ru-RU" dirty="0" err="1" smtClean="0"/>
-              <a:t>Контент</a:t>
-            </a:r>
-            <a:endParaRPr lang="en-US" dirty="0" smtClean="0"/>
-          </a:p>
+              <a:t>Color</a:t>
+            </a:r>
+            <a:endParaRPr lang="ru-RU" dirty="0"/>
+          </a:p>
+        </p:txBody>
+      </p:sp>
+      <p:sp>
+        <p:nvSpPr>
+          <p:cNvPr id="10" name="TextBox 9"/>
+          <p:cNvSpPr txBox="1"/>
+          <p:nvPr/>
+        </p:nvSpPr>
+        <p:spPr>
+          <a:xfrm>
+            <a:off x="5652120" y="1484784"/>
+            <a:ext cx="1296144" cy="369332"/>
+          </a:xfrm>
+          <a:prstGeom prst="rect">
+            <a:avLst/>
+          </a:prstGeom>
+          <a:noFill/>
+        </p:spPr>
+        <p:txBody>
+          <a:bodyPr wrap="square" rtlCol="0">
+            <a:spAutoFit/>
+          </a:bodyPr>
+          <a:lstStyle/>
           <a:p>
             <a:r>
               <a:rPr lang="en-US" dirty="0" smtClean="0"/>
-              <a:t>XNA Pipeline</a:t>
-            </a:r>
-            <a:endParaRPr lang="ru-RU" dirty="0" smtClean="0"/>
-          </a:p>
-          <a:p>
-            <a:pPr lvl="1"/>
-            <a:r>
-              <a:rPr lang="en-US" dirty="0" err="1" smtClean="0"/>
-              <a:t>ContentImporter</a:t>
-            </a:r>
-            <a:endParaRPr lang="en-US" dirty="0" smtClean="0"/>
-          </a:p>
-          <a:p>
-            <a:pPr lvl="1"/>
-            <a:r>
-              <a:rPr lang="en-US" dirty="0" err="1" smtClean="0"/>
-              <a:t>ContentProcessor</a:t>
-            </a:r>
-            <a:endParaRPr lang="en-US" dirty="0" smtClean="0"/>
-          </a:p>
-          <a:p>
-            <a:pPr lvl="1"/>
-            <a:r>
-              <a:rPr lang="en-US" dirty="0" err="1" smtClean="0"/>
-              <a:t>ContentWriter</a:t>
-            </a:r>
-            <a:endParaRPr lang="en-US" dirty="0" smtClean="0"/>
-          </a:p>
-          <a:p>
-            <a:pPr lvl="1"/>
-            <a:r>
-              <a:rPr lang="en-US" dirty="0" err="1" smtClean="0"/>
-              <a:t>ContentReader</a:t>
-            </a:r>
+              <a:t>Depth</a:t>
+            </a:r>
+            <a:endParaRPr lang="ru-RU" dirty="0"/>
+          </a:p>
+        </p:txBody>
+      </p:sp>
+      <p:sp>
+        <p:nvSpPr>
+          <p:cNvPr id="11" name="TextBox 10"/>
+          <p:cNvSpPr txBox="1"/>
+          <p:nvPr/>
+        </p:nvSpPr>
+        <p:spPr>
+          <a:xfrm>
+            <a:off x="5652120" y="4149080"/>
+            <a:ext cx="1296144" cy="369332"/>
+          </a:xfrm>
+          <a:prstGeom prst="rect">
+            <a:avLst/>
+          </a:prstGeom>
+          <a:noFill/>
+        </p:spPr>
+        <p:txBody>
+          <a:bodyPr wrap="square" rtlCol="0">
+            <a:spAutoFit/>
+          </a:bodyPr>
+          <a:lstStyle/>
+          <a:p>
             <a:r>
               <a:rPr lang="en-US" dirty="0" smtClean="0"/>
-              <a:t>*</a:t>
-            </a:r>
-          </a:p>
-          <a:p>
-            <a:pPr lvl="1"/>
-            <a:r>
-              <a:rPr lang="ru-RU" dirty="0" smtClean="0"/>
-              <a:t>Рефлексия</a:t>
-            </a:r>
-          </a:p>
-          <a:p>
-            <a:r>
-              <a:rPr lang="ru-RU" dirty="0" smtClean="0"/>
-              <a:t>Разбор примеров</a:t>
-            </a:r>
-          </a:p>
-        </p:txBody>
-      </p:sp>
-      <p:sp>
-        <p:nvSpPr>
-          <p:cNvPr id="4" name="Содержимое 3"/>
+              <a:t>Stencil</a:t>
+            </a:r>
+            <a:endParaRPr lang="ru-RU" dirty="0"/>
+          </a:p>
+        </p:txBody>
+      </p:sp>
+    </p:spTree>
+  </p:cSld>
+  <p:clrMapOvr>
+    <a:masterClrMapping/>
+  </p:clrMapOvr>
+  <p:timing>
+    <p:tnLst>
+      <p:par>
+        <p:cTn id="1" dur="indefinite" restart="never" nodeType="tmRoot"/>
+      </p:par>
+    </p:tnLst>
+  </p:timing>
+</p:sld>
+</file>
+
+<file path=ppt/slides/slide7.xml><?xml version="1.0" encoding="utf-8"?>
+<p:sld xmlns:a="http://schemas.openxmlformats.org/drawingml/2006/main" xmlns:r="http://schemas.openxmlformats.org/officeDocument/2006/relationships" xmlns:p="http://schemas.openxmlformats.org/presentationml/2006/main">
+  <p:cSld>
+    <p:spTree>
+      <p:nvGrpSpPr>
+        <p:cNvPr id="1" name=""/>
+        <p:cNvGrpSpPr/>
+        <p:nvPr/>
+      </p:nvGrpSpPr>
+      <p:grpSpPr>
+        <a:xfrm>
+          <a:off x="0" y="0"/>
+          <a:ext cx="0" cy="0"/>
+          <a:chOff x="0" y="0"/>
+          <a:chExt cx="0" cy="0"/>
+        </a:xfrm>
+      </p:grpSpPr>
+      <p:sp>
+        <p:nvSpPr>
+          <p:cNvPr id="4" name="Заголовок 3"/>
+          <p:cNvSpPr>
+            <a:spLocks noGrp="1"/>
+          </p:cNvSpPr>
+          <p:nvPr>
+            <p:ph type="title"/>
+          </p:nvPr>
+        </p:nvSpPr>
+        <p:spPr/>
+        <p:txBody>
+          <a:bodyPr/>
+          <a:lstStyle/>
+          <a:p>
+            <a:r>
+              <a:rPr lang="ru-RU" sz="3600" dirty="0" smtClean="0"/>
+              <a:t>Буфер кадра, глубины и трафарета</a:t>
+            </a:r>
+            <a:br>
+              <a:rPr lang="ru-RU" sz="3600" dirty="0" smtClean="0"/>
+            </a:br>
+            <a:endParaRPr lang="ru-RU" sz="3600" dirty="0"/>
+          </a:p>
+        </p:txBody>
+      </p:sp>
+      <p:sp>
+        <p:nvSpPr>
+          <p:cNvPr id="6" name="Содержимое 5"/>
           <p:cNvSpPr>
             <a:spLocks noGrp="1"/>
           </p:cNvSpPr>
@@ -7403,13 +7980,625 @@
             <p:ph sz="half" idx="2"/>
           </p:nvPr>
         </p:nvSpPr>
-        <p:spPr/>
+        <p:spPr>
+          <a:xfrm>
+            <a:off x="2483768" y="1770501"/>
+            <a:ext cx="6210176" cy="4466811"/>
+          </a:xfrm>
+        </p:spPr>
         <p:txBody>
           <a:bodyPr>
-            <a:normAutofit fontScale="85000" lnSpcReduction="20000"/>
+            <a:normAutofit/>
           </a:bodyPr>
           <a:lstStyle/>
           <a:p>
+            <a:r>
+              <a:rPr lang="ru-RU" sz="3600" dirty="0" smtClean="0"/>
+              <a:t>Буфер цвета:</a:t>
+            </a:r>
+          </a:p>
+          <a:p>
+            <a:pPr lvl="1"/>
+            <a:r>
+              <a:rPr lang="en-US" dirty="0" smtClean="0">
+                <a:solidFill>
+                  <a:srgbClr val="FF0000"/>
+                </a:solidFill>
+              </a:rPr>
+              <a:t>R</a:t>
+            </a:r>
+            <a:r>
+              <a:rPr lang="en-US" dirty="0" smtClean="0">
+                <a:solidFill>
+                  <a:srgbClr val="92D050"/>
+                </a:solidFill>
+              </a:rPr>
+              <a:t>G</a:t>
+            </a:r>
+            <a:r>
+              <a:rPr lang="en-US" dirty="0" smtClean="0">
+                <a:solidFill>
+                  <a:srgbClr val="0070C0"/>
+                </a:solidFill>
+              </a:rPr>
+              <a:t>B</a:t>
+            </a:r>
+            <a:r>
+              <a:rPr lang="en-US" dirty="0" smtClean="0"/>
+              <a:t>, </a:t>
+            </a:r>
+            <a:r>
+              <a:rPr lang="en-US" dirty="0" smtClean="0">
+                <a:solidFill>
+                  <a:srgbClr val="FF0000"/>
+                </a:solidFill>
+              </a:rPr>
+              <a:t>R</a:t>
+            </a:r>
+            <a:r>
+              <a:rPr lang="en-US" dirty="0" smtClean="0">
+                <a:solidFill>
+                  <a:srgbClr val="92D050"/>
+                </a:solidFill>
+              </a:rPr>
+              <a:t>G</a:t>
+            </a:r>
+            <a:r>
+              <a:rPr lang="en-US" dirty="0" smtClean="0">
+                <a:solidFill>
+                  <a:srgbClr val="0070C0"/>
+                </a:solidFill>
+              </a:rPr>
+              <a:t>B</a:t>
+            </a:r>
+            <a:r>
+              <a:rPr lang="en-US" dirty="0" smtClean="0"/>
+              <a:t>A, </a:t>
+            </a:r>
+            <a:r>
+              <a:rPr lang="en-US" dirty="0" smtClean="0">
+                <a:solidFill>
+                  <a:srgbClr val="FF0000"/>
+                </a:solidFill>
+              </a:rPr>
+              <a:t>R</a:t>
+            </a:r>
+            <a:r>
+              <a:rPr lang="en-US" dirty="0" smtClean="0">
+                <a:solidFill>
+                  <a:srgbClr val="92D050"/>
+                </a:solidFill>
+              </a:rPr>
+              <a:t>G</a:t>
+            </a:r>
+            <a:r>
+              <a:rPr lang="en-US" dirty="0" smtClean="0"/>
+              <a:t>, </a:t>
+            </a:r>
+            <a:r>
+              <a:rPr lang="en-US" dirty="0" smtClean="0">
+                <a:solidFill>
+                  <a:srgbClr val="FF0000"/>
+                </a:solidFill>
+              </a:rPr>
+              <a:t>R</a:t>
+            </a:r>
+          </a:p>
+          <a:p>
+            <a:pPr lvl="1"/>
+            <a:r>
+              <a:rPr lang="en-US" dirty="0" smtClean="0"/>
+              <a:t>Fixed Point: 	1, 5, 8, 10, 16, 32</a:t>
+            </a:r>
+          </a:p>
+          <a:p>
+            <a:pPr lvl="1"/>
+            <a:r>
+              <a:rPr lang="en-US" dirty="0" smtClean="0"/>
+              <a:t>Floating Point:	7.3, 16, 32</a:t>
+            </a:r>
+          </a:p>
+          <a:p>
+            <a:pPr lvl="1"/>
+            <a:r>
+              <a:rPr lang="en-US" dirty="0" smtClean="0">
+                <a:solidFill>
+                  <a:srgbClr val="FF0000"/>
+                </a:solidFill>
+              </a:rPr>
+              <a:t>8</a:t>
+            </a:r>
+            <a:r>
+              <a:rPr lang="en-US" dirty="0" smtClean="0">
+                <a:solidFill>
+                  <a:srgbClr val="92D050"/>
+                </a:solidFill>
+              </a:rPr>
+              <a:t>8</a:t>
+            </a:r>
+            <a:r>
+              <a:rPr lang="en-US" dirty="0" smtClean="0">
+                <a:solidFill>
+                  <a:srgbClr val="0070C0"/>
+                </a:solidFill>
+              </a:rPr>
+              <a:t>8</a:t>
+            </a:r>
+            <a:r>
+              <a:rPr lang="en-US" dirty="0" smtClean="0">
+                <a:solidFill>
+                  <a:srgbClr val="FF0000"/>
+                </a:solidFill>
+              </a:rPr>
+              <a:t>, 8</a:t>
+            </a:r>
+            <a:r>
+              <a:rPr lang="en-US" dirty="0" smtClean="0">
+                <a:solidFill>
+                  <a:srgbClr val="92D050"/>
+                </a:solidFill>
+              </a:rPr>
+              <a:t>8</a:t>
+            </a:r>
+            <a:r>
+              <a:rPr lang="en-US" dirty="0" smtClean="0">
+                <a:solidFill>
+                  <a:srgbClr val="0070C0"/>
+                </a:solidFill>
+              </a:rPr>
+              <a:t>8</a:t>
+            </a:r>
+            <a:r>
+              <a:rPr lang="en-US" dirty="0" smtClean="0"/>
+              <a:t>8</a:t>
+            </a:r>
+            <a:r>
+              <a:rPr lang="en-US" dirty="0" smtClean="0">
+                <a:solidFill>
+                  <a:srgbClr val="FF0000"/>
+                </a:solidFill>
+              </a:rPr>
+              <a:t>, 5</a:t>
+            </a:r>
+            <a:r>
+              <a:rPr lang="en-US" dirty="0" smtClean="0">
+                <a:solidFill>
+                  <a:srgbClr val="92D050"/>
+                </a:solidFill>
+              </a:rPr>
+              <a:t>6</a:t>
+            </a:r>
+            <a:r>
+              <a:rPr lang="en-US" dirty="0" smtClean="0">
+                <a:solidFill>
+                  <a:srgbClr val="00B0F0"/>
+                </a:solidFill>
+              </a:rPr>
+              <a:t>5</a:t>
+            </a:r>
+            <a:r>
+              <a:rPr lang="en-US" dirty="0" smtClean="0">
+                <a:solidFill>
+                  <a:srgbClr val="FF0000"/>
+                </a:solidFill>
+              </a:rPr>
+              <a:t>, 5</a:t>
+            </a:r>
+            <a:r>
+              <a:rPr lang="en-US" dirty="0" smtClean="0">
+                <a:solidFill>
+                  <a:srgbClr val="92D050"/>
+                </a:solidFill>
+              </a:rPr>
+              <a:t>5</a:t>
+            </a:r>
+            <a:r>
+              <a:rPr lang="en-US" dirty="0" smtClean="0">
+                <a:solidFill>
+                  <a:srgbClr val="00B0F0"/>
+                </a:solidFill>
+              </a:rPr>
+              <a:t>5</a:t>
+            </a:r>
+            <a:r>
+              <a:rPr lang="en-US" dirty="0" smtClean="0"/>
+              <a:t>1</a:t>
+            </a:r>
+          </a:p>
+          <a:p>
+            <a:pPr lvl="1"/>
+            <a:r>
+              <a:rPr lang="en-US" dirty="0" smtClean="0">
+                <a:solidFill>
+                  <a:srgbClr val="FF0000"/>
+                </a:solidFill>
+              </a:rPr>
+              <a:t>16</a:t>
+            </a:r>
+            <a:r>
+              <a:rPr lang="en-US" dirty="0" smtClean="0"/>
+              <a:t> </a:t>
+            </a:r>
+            <a:r>
+              <a:rPr lang="en-US" dirty="0" smtClean="0">
+                <a:solidFill>
+                  <a:srgbClr val="92D050"/>
+                </a:solidFill>
+              </a:rPr>
+              <a:t>16</a:t>
+            </a:r>
+            <a:r>
+              <a:rPr lang="en-US" dirty="0" smtClean="0"/>
+              <a:t> </a:t>
+            </a:r>
+            <a:r>
+              <a:rPr lang="en-US" dirty="0" smtClean="0">
+                <a:solidFill>
+                  <a:srgbClr val="0070C0"/>
+                </a:solidFill>
+              </a:rPr>
+              <a:t>16</a:t>
+            </a:r>
+            <a:r>
+              <a:rPr lang="en-US" dirty="0" smtClean="0"/>
+              <a:t> 16, </a:t>
+            </a:r>
+            <a:r>
+              <a:rPr lang="en-US" dirty="0" smtClean="0">
+                <a:solidFill>
+                  <a:srgbClr val="FF0000"/>
+                </a:solidFill>
+              </a:rPr>
+              <a:t>32</a:t>
+            </a:r>
+            <a:r>
+              <a:rPr lang="en-US" dirty="0" smtClean="0"/>
+              <a:t> </a:t>
+            </a:r>
+            <a:r>
+              <a:rPr lang="en-US" dirty="0" smtClean="0">
+                <a:solidFill>
+                  <a:srgbClr val="92D050"/>
+                </a:solidFill>
+              </a:rPr>
+              <a:t>32</a:t>
+            </a:r>
+            <a:r>
+              <a:rPr lang="en-US" dirty="0" smtClean="0">
+                <a:solidFill>
+                  <a:srgbClr val="0070C0"/>
+                </a:solidFill>
+              </a:rPr>
+              <a:t> 32 </a:t>
+            </a:r>
+            <a:r>
+              <a:rPr lang="en-US" dirty="0" smtClean="0"/>
+              <a:t>32, </a:t>
+            </a:r>
+            <a:r>
+              <a:rPr lang="en-US" dirty="0" smtClean="0">
+                <a:solidFill>
+                  <a:srgbClr val="FF0000"/>
+                </a:solidFill>
+              </a:rPr>
+              <a:t>10</a:t>
+            </a:r>
+            <a:r>
+              <a:rPr lang="en-US" dirty="0" smtClean="0"/>
+              <a:t> </a:t>
+            </a:r>
+            <a:r>
+              <a:rPr lang="en-US" dirty="0" smtClean="0">
+                <a:solidFill>
+                  <a:srgbClr val="92D050"/>
+                </a:solidFill>
+              </a:rPr>
+              <a:t>10</a:t>
+            </a:r>
+            <a:r>
+              <a:rPr lang="en-US" dirty="0" smtClean="0"/>
+              <a:t> </a:t>
+            </a:r>
+            <a:r>
+              <a:rPr lang="en-US" dirty="0" smtClean="0">
+                <a:solidFill>
+                  <a:srgbClr val="0070C0"/>
+                </a:solidFill>
+              </a:rPr>
+              <a:t>10</a:t>
+            </a:r>
+            <a:r>
+              <a:rPr lang="en-US" dirty="0" smtClean="0"/>
+              <a:t> 2</a:t>
+            </a:r>
+          </a:p>
+          <a:p>
+            <a:r>
+              <a:rPr lang="ru-RU" dirty="0" smtClean="0"/>
+              <a:t>Буфер глубины и трафарета</a:t>
+            </a:r>
+          </a:p>
+          <a:p>
+            <a:pPr lvl="1"/>
+            <a:r>
+              <a:rPr lang="en-US" dirty="0" smtClean="0"/>
+              <a:t>D16</a:t>
+            </a:r>
+          </a:p>
+          <a:p>
+            <a:pPr lvl="1"/>
+            <a:r>
+              <a:rPr lang="en-US" dirty="0" smtClean="0"/>
+              <a:t>D24S8</a:t>
+            </a:r>
+            <a:endParaRPr lang="ru-RU" dirty="0"/>
+          </a:p>
+        </p:txBody>
+      </p:sp>
+      <p:pic>
+        <p:nvPicPr>
+          <p:cNvPr id="7" name="Содержимое 5" descr="color.bmp"/>
+          <p:cNvPicPr>
+            <a:picLocks noChangeAspect="1"/>
+          </p:cNvPicPr>
+          <p:nvPr/>
+        </p:nvPicPr>
+        <p:blipFill>
+          <a:blip r:embed="rId2" cstate="print"/>
+          <a:stretch>
+            <a:fillRect/>
+          </a:stretch>
+        </p:blipFill>
+        <p:spPr>
+          <a:xfrm>
+            <a:off x="467545" y="1772817"/>
+            <a:ext cx="1944215" cy="1399836"/>
+          </a:xfrm>
+          <a:prstGeom prst="rect">
+            <a:avLst/>
+          </a:prstGeom>
+          <a:ln>
+            <a:solidFill>
+              <a:schemeClr val="tx2"/>
+            </a:solidFill>
+          </a:ln>
+        </p:spPr>
+      </p:pic>
+      <p:pic>
+        <p:nvPicPr>
+          <p:cNvPr id="8" name="Рисунок 7" descr="depth.bmp"/>
+          <p:cNvPicPr>
+            <a:picLocks noChangeAspect="1"/>
+          </p:cNvPicPr>
+          <p:nvPr/>
+        </p:nvPicPr>
+        <p:blipFill>
+          <a:blip r:embed="rId3" cstate="print"/>
+          <a:stretch>
+            <a:fillRect/>
+          </a:stretch>
+        </p:blipFill>
+        <p:spPr>
+          <a:xfrm>
+            <a:off x="467544" y="3284984"/>
+            <a:ext cx="1935255" cy="1399835"/>
+          </a:xfrm>
+          <a:prstGeom prst="rect">
+            <a:avLst/>
+          </a:prstGeom>
+          <a:ln>
+            <a:solidFill>
+              <a:schemeClr val="tx2"/>
+            </a:solidFill>
+          </a:ln>
+        </p:spPr>
+      </p:pic>
+      <p:pic>
+        <p:nvPicPr>
+          <p:cNvPr id="9" name="Рисунок 8" descr="stencil.bmp"/>
+          <p:cNvPicPr>
+            <a:picLocks noChangeAspect="1"/>
+          </p:cNvPicPr>
+          <p:nvPr/>
+        </p:nvPicPr>
+        <p:blipFill>
+          <a:blip r:embed="rId4" cstate="print"/>
+          <a:stretch>
+            <a:fillRect/>
+          </a:stretch>
+        </p:blipFill>
+        <p:spPr>
+          <a:xfrm>
+            <a:off x="467544" y="4797152"/>
+            <a:ext cx="1944216" cy="1399836"/>
+          </a:xfrm>
+          <a:prstGeom prst="rect">
+            <a:avLst/>
+          </a:prstGeom>
+          <a:ln>
+            <a:solidFill>
+              <a:schemeClr val="tx2"/>
+            </a:solidFill>
+          </a:ln>
+        </p:spPr>
+      </p:pic>
+    </p:spTree>
+  </p:cSld>
+  <p:clrMapOvr>
+    <a:masterClrMapping/>
+  </p:clrMapOvr>
+  <p:timing>
+    <p:tnLst>
+      <p:par>
+        <p:cTn id="1" dur="indefinite" restart="never" nodeType="tmRoot"/>
+      </p:par>
+    </p:tnLst>
+  </p:timing>
+</p:sld>
+</file>
+
+<file path=ppt/slides/slide8.xml><?xml version="1.0" encoding="utf-8"?>
+<p:sld xmlns:a="http://schemas.openxmlformats.org/drawingml/2006/main" xmlns:r="http://schemas.openxmlformats.org/officeDocument/2006/relationships" xmlns:p="http://schemas.openxmlformats.org/presentationml/2006/main">
+  <p:cSld>
+    <p:spTree>
+      <p:nvGrpSpPr>
+        <p:cNvPr id="1" name=""/>
+        <p:cNvGrpSpPr/>
+        <p:nvPr/>
+      </p:nvGrpSpPr>
+      <p:grpSpPr>
+        <a:xfrm>
+          <a:off x="0" y="0"/>
+          <a:ext cx="0" cy="0"/>
+          <a:chOff x="0" y="0"/>
+          <a:chExt cx="0" cy="0"/>
+        </a:xfrm>
+      </p:grpSpPr>
+      <p:sp>
+        <p:nvSpPr>
+          <p:cNvPr id="2" name="Заголовок 1"/>
+          <p:cNvSpPr>
+            <a:spLocks noGrp="1"/>
+          </p:cNvSpPr>
+          <p:nvPr>
+            <p:ph type="title"/>
+          </p:nvPr>
+        </p:nvSpPr>
+        <p:spPr/>
+        <p:txBody>
+          <a:bodyPr/>
+          <a:lstStyle/>
+          <a:p>
+            <a:r>
+              <a:rPr lang="ru-RU" sz="3200" dirty="0" smtClean="0"/>
+              <a:t>Массивы вершин</a:t>
+            </a:r>
+            <a:r>
+              <a:rPr lang="en-US" sz="3200" dirty="0" smtClean="0"/>
+              <a:t> </a:t>
+            </a:r>
+            <a:r>
+              <a:rPr lang="ru-RU" sz="3200" dirty="0" smtClean="0"/>
+              <a:t>и массивы </a:t>
+            </a:r>
+            <a:r>
+              <a:rPr lang="ru-RU" sz="3200" dirty="0" smtClean="0"/>
+              <a:t>индексов, декларации вершин</a:t>
+            </a:r>
+            <a:r>
+              <a:rPr lang="ru-RU" sz="3200" dirty="0" smtClean="0"/>
+              <a:t/>
+            </a:r>
+            <a:br>
+              <a:rPr lang="ru-RU" sz="3200" dirty="0" smtClean="0"/>
+            </a:br>
+            <a:endParaRPr lang="ru-RU" sz="3200" dirty="0"/>
+          </a:p>
+        </p:txBody>
+      </p:sp>
+      <p:sp>
+        <p:nvSpPr>
+          <p:cNvPr id="5" name="Содержимое 4"/>
+          <p:cNvSpPr>
+            <a:spLocks noGrp="1"/>
+          </p:cNvSpPr>
+          <p:nvPr>
+            <p:ph idx="1"/>
+          </p:nvPr>
+        </p:nvSpPr>
+        <p:spPr/>
+        <p:txBody>
+          <a:bodyPr/>
+          <a:lstStyle/>
+          <a:p>
+            <a:endParaRPr lang="ru-RU" dirty="0"/>
+          </a:p>
+        </p:txBody>
+      </p:sp>
+    </p:spTree>
+  </p:cSld>
+  <p:clrMapOvr>
+    <a:masterClrMapping/>
+  </p:clrMapOvr>
+</p:sld>
+</file>
+
+<file path=ppt/slides/slide9.xml><?xml version="1.0" encoding="utf-8"?>
+<p:sld xmlns:a="http://schemas.openxmlformats.org/drawingml/2006/main" xmlns:r="http://schemas.openxmlformats.org/officeDocument/2006/relationships" xmlns:p="http://schemas.openxmlformats.org/presentationml/2006/main">
+  <p:cSld>
+    <p:spTree>
+      <p:nvGrpSpPr>
+        <p:cNvPr id="1" name=""/>
+        <p:cNvGrpSpPr/>
+        <p:nvPr/>
+      </p:nvGrpSpPr>
+      <p:grpSpPr>
+        <a:xfrm>
+          <a:off x="0" y="0"/>
+          <a:ext cx="0" cy="0"/>
+          <a:chOff x="0" y="0"/>
+          <a:chExt cx="0" cy="0"/>
+        </a:xfrm>
+      </p:grpSpPr>
+      <p:sp>
+        <p:nvSpPr>
+          <p:cNvPr id="2" name="Заголовок 1"/>
+          <p:cNvSpPr>
+            <a:spLocks noGrp="1"/>
+          </p:cNvSpPr>
+          <p:nvPr>
+            <p:ph type="ctrTitle"/>
+          </p:nvPr>
+        </p:nvSpPr>
+        <p:spPr/>
+        <p:txBody>
+          <a:bodyPr>
+            <a:normAutofit fontScale="90000"/>
+          </a:bodyPr>
+          <a:lstStyle/>
+          <a:p>
+            <a:r>
+              <a:rPr lang="ru-RU" sz="3200" dirty="0" smtClean="0"/>
+              <a:t>Программирование систем виртуальной реальности с использованием </a:t>
+            </a:r>
+            <a:r>
+              <a:rPr lang="en-US" sz="3200" dirty="0" smtClean="0"/>
+              <a:t/>
+            </a:r>
+            <a:br>
+              <a:rPr lang="en-US" sz="3200" dirty="0" smtClean="0"/>
+            </a:br>
+            <a:r>
+              <a:rPr lang="en-US" sz="3200" dirty="0" smtClean="0"/>
+              <a:t>Microsoft XNA Framework</a:t>
+            </a:r>
+            <a:endParaRPr lang="ru-RU" sz="3200" dirty="0"/>
+          </a:p>
+        </p:txBody>
+      </p:sp>
+      <p:sp>
+        <p:nvSpPr>
+          <p:cNvPr id="3" name="Подзаголовок 2"/>
+          <p:cNvSpPr>
+            <a:spLocks noGrp="1"/>
+          </p:cNvSpPr>
+          <p:nvPr>
+            <p:ph type="subTitle" idx="1"/>
+          </p:nvPr>
+        </p:nvSpPr>
+        <p:spPr/>
+        <p:txBody>
+          <a:bodyPr/>
+          <a:lstStyle/>
+          <a:p>
+            <a:r>
+              <a:rPr lang="ru-RU" dirty="0" smtClean="0"/>
+              <a:t>Безгодов Алексей Алексеевич, к.т.н., НИУ </a:t>
+            </a:r>
+            <a:r>
+              <a:rPr lang="ru-RU" dirty="0" smtClean="0"/>
+              <a:t>ИТМО</a:t>
+            </a:r>
             <a:endParaRPr lang="ru-RU" dirty="0"/>
           </a:p>
         </p:txBody>

--- a/trunk/Docs/MasterClass.pptx
+++ b/trunk/Docs/MasterClass.pptx
@@ -10,11 +10,12 @@
     <p:sldId id="259" r:id="rId4"/>
     <p:sldId id="262" r:id="rId5"/>
     <p:sldId id="260" r:id="rId6"/>
-    <p:sldId id="263" r:id="rId7"/>
-    <p:sldId id="264" r:id="rId8"/>
-    <p:sldId id="265" r:id="rId9"/>
-    <p:sldId id="258" r:id="rId10"/>
-    <p:sldId id="261" r:id="rId11"/>
+    <p:sldId id="266" r:id="rId7"/>
+    <p:sldId id="263" r:id="rId8"/>
+    <p:sldId id="264" r:id="rId9"/>
+    <p:sldId id="265" r:id="rId10"/>
+    <p:sldId id="258" r:id="rId11"/>
+    <p:sldId id="261" r:id="rId12"/>
   </p:sldIdLst>
   <p:sldSz cx="9144000" cy="6858000" type="screen4x3"/>
   <p:notesSz cx="6858000" cy="9144000"/>
@@ -6536,11 +6537,7 @@
           <a:p>
             <a:r>
               <a:rPr lang="ru-RU" dirty="0" smtClean="0"/>
-              <a:t>Безгодов Алексей Алексеевич, к.т.н., НИУ </a:t>
-            </a:r>
-            <a:r>
-              <a:rPr lang="ru-RU" dirty="0" smtClean="0"/>
-              <a:t>ИТМО</a:t>
+              <a:t>Безгодов Алексей Алексеевич, к.т.н., НИУ ИТМО</a:t>
             </a:r>
             <a:endParaRPr lang="ru-RU" dirty="0"/>
           </a:p>
@@ -6585,6 +6582,97 @@
             <a:spLocks noGrp="1"/>
           </p:cNvSpPr>
           <p:nvPr>
+            <p:ph type="ctrTitle"/>
+          </p:nvPr>
+        </p:nvSpPr>
+        <p:spPr/>
+        <p:txBody>
+          <a:bodyPr>
+            <a:normAutofit fontScale="90000"/>
+          </a:bodyPr>
+          <a:lstStyle/>
+          <a:p>
+            <a:r>
+              <a:rPr lang="ru-RU" sz="3200" dirty="0" smtClean="0"/>
+              <a:t>Программирование систем виртуальной реальности с использованием </a:t>
+            </a:r>
+            <a:r>
+              <a:rPr lang="en-US" sz="3200" dirty="0" smtClean="0"/>
+              <a:t/>
+            </a:r>
+            <a:br>
+              <a:rPr lang="en-US" sz="3200" dirty="0" smtClean="0"/>
+            </a:br>
+            <a:r>
+              <a:rPr lang="en-US" sz="3200" dirty="0" smtClean="0"/>
+              <a:t>Microsoft XNA Framework</a:t>
+            </a:r>
+            <a:endParaRPr lang="ru-RU" sz="3200" dirty="0"/>
+          </a:p>
+        </p:txBody>
+      </p:sp>
+      <p:sp>
+        <p:nvSpPr>
+          <p:cNvPr id="3" name="Подзаголовок 2"/>
+          <p:cNvSpPr>
+            <a:spLocks noGrp="1"/>
+          </p:cNvSpPr>
+          <p:nvPr>
+            <p:ph type="subTitle" idx="1"/>
+          </p:nvPr>
+        </p:nvSpPr>
+        <p:spPr/>
+        <p:txBody>
+          <a:bodyPr/>
+          <a:lstStyle/>
+          <a:p>
+            <a:r>
+              <a:rPr lang="ru-RU" dirty="0" smtClean="0"/>
+              <a:t>Безгодов Алексей Алексеевич, к.т.н., НИУ ИТМО</a:t>
+            </a:r>
+            <a:endParaRPr lang="ru-RU" dirty="0"/>
+          </a:p>
+        </p:txBody>
+      </p:sp>
+    </p:spTree>
+  </p:cSld>
+  <p:clrMapOvr>
+    <a:masterClrMapping/>
+  </p:clrMapOvr>
+  <p:timing>
+    <p:tnLst>
+      <p:par>
+        <p:cTn id="1" dur="indefinite" restart="never" nodeType="tmRoot"/>
+      </p:par>
+    </p:tnLst>
+  </p:timing>
+</p:sld>
+</file>
+
+<file path=ppt/slides/slide11.xml><?xml version="1.0" encoding="utf-8"?>
+<p:sld xmlns:a="http://schemas.openxmlformats.org/drawingml/2006/main" xmlns:r="http://schemas.openxmlformats.org/officeDocument/2006/relationships" xmlns:p="http://schemas.openxmlformats.org/presentationml/2006/main">
+  <p:cSld>
+    <p:spTree>
+      <p:nvGrpSpPr>
+        <p:cNvPr id="1" name=""/>
+        <p:cNvGrpSpPr/>
+        <p:nvPr/>
+      </p:nvGrpSpPr>
+      <p:grpSpPr>
+        <a:xfrm>
+          <a:off x="0" y="0"/>
+          <a:ext cx="0" cy="0"/>
+          <a:chOff x="0" y="0"/>
+          <a:chExt cx="0" cy="0"/>
+        </a:xfrm>
+      </p:grpSpPr>
+      <p:sp>
+        <p:nvSpPr>
+          <p:cNvPr id="2" name="Заголовок 1"/>
+          <p:cNvSpPr>
+            <a:spLocks noGrp="1"/>
+          </p:cNvSpPr>
+          <p:nvPr>
             <p:ph type="title"/>
           </p:nvPr>
         </p:nvSpPr>
@@ -6821,33 +6909,16 @@
           <a:p>
             <a:r>
               <a:rPr lang="ru-RU" dirty="0" smtClean="0"/>
-              <a:t>Созданный </a:t>
-            </a:r>
+              <a:t>Созданный техническими средствами мир, передаваемый человеку через его ощущения: зрение, слух, обоняние, осязание и другие. </a:t>
+            </a:r>
+          </a:p>
+          <a:p>
+            <a:endParaRPr lang="ru-RU" dirty="0" smtClean="0"/>
+          </a:p>
+          <a:p>
             <a:r>
               <a:rPr lang="ru-RU" dirty="0" smtClean="0"/>
-              <a:t>техническими средствами </a:t>
-            </a:r>
-            <a:r>
-              <a:rPr lang="ru-RU" dirty="0" smtClean="0"/>
-              <a:t>мир, </a:t>
-            </a:r>
-            <a:r>
-              <a:rPr lang="ru-RU" dirty="0" smtClean="0"/>
-              <a:t>передаваемый человеку через его ощущения: зрение, слух, обоняние, осязание и другие. </a:t>
-            </a:r>
-            <a:endParaRPr lang="ru-RU" dirty="0" smtClean="0"/>
-          </a:p>
-          <a:p>
-            <a:endParaRPr lang="ru-RU" dirty="0" smtClean="0"/>
-          </a:p>
-          <a:p>
-            <a:r>
-              <a:rPr lang="ru-RU" dirty="0" smtClean="0"/>
-              <a:t>Виртуальная </a:t>
-            </a:r>
-            <a:r>
-              <a:rPr lang="ru-RU" dirty="0" smtClean="0"/>
-              <a:t>реальность имитирует как воздействие, так и реакции на воздействие. Для создания убедительного комплекса ощущений реальности компьютерный синтез свойств и реакций виртуальной реальности производится в реальном времени.</a:t>
+              <a:t>Виртуальная реальность имитирует как воздействие, так и реакции на воздействие. Для создания убедительного комплекса ощущений реальности компьютерный синтез свойств и реакций виртуальной реальности производится в реальном времени.</a:t>
             </a:r>
             <a:endParaRPr lang="ru-RU" dirty="0"/>
           </a:p>
@@ -7712,6 +7783,56 @@
       </p:grpSpPr>
       <p:sp>
         <p:nvSpPr>
+          <p:cNvPr id="62" name="Прямоугольник 61"/>
+          <p:cNvSpPr/>
+          <p:nvPr/>
+        </p:nvSpPr>
+        <p:spPr>
+          <a:xfrm>
+            <a:off x="2987824" y="1556792"/>
+            <a:ext cx="3240360" cy="4248472"/>
+          </a:xfrm>
+          <a:prstGeom prst="rect">
+            <a:avLst/>
+          </a:prstGeom>
+          <a:solidFill>
+            <a:srgbClr val="00576E">
+              <a:alpha val="40000"/>
+            </a:srgbClr>
+          </a:solidFill>
+          <a:ln w="12700">
+            <a:solidFill>
+              <a:srgbClr val="FFFFFF"/>
+            </a:solidFill>
+          </a:ln>
+        </p:spPr>
+        <p:style>
+          <a:lnRef idx="2">
+            <a:schemeClr val="accent1">
+              <a:shade val="50000"/>
+            </a:schemeClr>
+          </a:lnRef>
+          <a:fillRef idx="1">
+            <a:schemeClr val="accent1"/>
+          </a:fillRef>
+          <a:effectRef idx="0">
+            <a:schemeClr val="accent1"/>
+          </a:effectRef>
+          <a:fontRef idx="minor">
+            <a:schemeClr val="lt1"/>
+          </a:fontRef>
+        </p:style>
+        <p:txBody>
+          <a:bodyPr rtlCol="0" anchor="ctr"/>
+          <a:lstStyle/>
+          <a:p>
+            <a:pPr algn="ctr"/>
+            <a:endParaRPr lang="ru-RU" sz="3200" dirty="0"/>
+          </a:p>
+        </p:txBody>
+      </p:sp>
+      <p:sp>
+        <p:nvSpPr>
           <p:cNvPr id="2" name="Заголовок 1"/>
           <p:cNvSpPr>
             <a:spLocks noGrp="1"/>
@@ -7726,189 +7847,1912 @@
           <a:lstStyle/>
           <a:p>
             <a:r>
-              <a:rPr lang="ru-RU" sz="3200" dirty="0" smtClean="0"/>
-              <a:t>Буфер кадра, глубины и трафарета</a:t>
-            </a:r>
-            <a:br>
-              <a:rPr lang="ru-RU" sz="3200" dirty="0" smtClean="0"/>
-            </a:br>
-            <a:endParaRPr lang="ru-RU" sz="3200" dirty="0"/>
-          </a:p>
-        </p:txBody>
-      </p:sp>
-      <p:pic>
-        <p:nvPicPr>
-          <p:cNvPr id="6" name="Содержимое 5" descr="color.bmp"/>
-          <p:cNvPicPr>
-            <a:picLocks noGrp="1" noChangeAspect="1"/>
-          </p:cNvPicPr>
-          <p:nvPr>
-            <p:ph idx="1"/>
-          </p:nvPr>
-        </p:nvPicPr>
-        <p:blipFill>
-          <a:blip r:embed="rId2" cstate="print"/>
-          <a:stretch>
-            <a:fillRect/>
-          </a:stretch>
-        </p:blipFill>
+              <a:rPr lang="ru-RU" dirty="0" smtClean="0"/>
+              <a:t>Схема работы </a:t>
+            </a:r>
+            <a:r>
+              <a:rPr lang="en-US" dirty="0" smtClean="0"/>
+              <a:t>3D-</a:t>
+            </a:r>
+            <a:r>
+              <a:rPr lang="ru-RU" dirty="0" smtClean="0"/>
+              <a:t>приложений</a:t>
+            </a:r>
+            <a:endParaRPr lang="ru-RU" dirty="0"/>
+          </a:p>
+        </p:txBody>
+      </p:sp>
+      <p:sp>
+        <p:nvSpPr>
+          <p:cNvPr id="6" name="Прямоугольник 5"/>
+          <p:cNvSpPr/>
+          <p:nvPr/>
+        </p:nvSpPr>
         <p:spPr>
           <a:xfrm>
-            <a:off x="611560" y="1412776"/>
-            <a:ext cx="4906830" cy="3816424"/>
-          </a:xfrm>
+            <a:off x="899592" y="1916832"/>
+            <a:ext cx="1440160" cy="432048"/>
+          </a:xfrm>
+          <a:prstGeom prst="rect">
+            <a:avLst/>
+          </a:prstGeom>
+          <a:solidFill>
+            <a:srgbClr val="00576E"/>
+          </a:solidFill>
+          <a:ln w="12700">
+            <a:solidFill>
+              <a:schemeClr val="tx1">
+                <a:alpha val="50196"/>
+              </a:schemeClr>
+            </a:solidFill>
+          </a:ln>
+        </p:spPr>
+        <p:style>
+          <a:lnRef idx="2">
+            <a:schemeClr val="accent1">
+              <a:shade val="50000"/>
+            </a:schemeClr>
+          </a:lnRef>
+          <a:fillRef idx="1">
+            <a:schemeClr val="accent1"/>
+          </a:fillRef>
+          <a:effectRef idx="0">
+            <a:schemeClr val="accent1"/>
+          </a:effectRef>
+          <a:fontRef idx="minor">
+            <a:schemeClr val="lt1"/>
+          </a:fontRef>
+        </p:style>
+        <p:txBody>
+          <a:bodyPr rtlCol="0" anchor="ctr"/>
+          <a:lstStyle/>
+          <a:p>
+            <a:pPr algn="ctr"/>
+            <a:r>
+              <a:rPr lang="en-US" dirty="0" smtClean="0"/>
+              <a:t>Set State</a:t>
+            </a:r>
+            <a:endParaRPr lang="ru-RU" dirty="0"/>
+          </a:p>
+        </p:txBody>
+      </p:sp>
+      <p:sp>
+        <p:nvSpPr>
+          <p:cNvPr id="8" name="Прямоугольник 7"/>
+          <p:cNvSpPr/>
+          <p:nvPr/>
+        </p:nvSpPr>
+        <p:spPr>
+          <a:xfrm>
+            <a:off x="899592" y="2420888"/>
+            <a:ext cx="1440160" cy="432048"/>
+          </a:xfrm>
+          <a:prstGeom prst="rect">
+            <a:avLst/>
+          </a:prstGeom>
+          <a:solidFill>
+            <a:srgbClr val="00192F">
+              <a:alpha val="80000"/>
+            </a:srgbClr>
+          </a:solidFill>
+          <a:ln w="12700">
+            <a:solidFill>
+              <a:schemeClr val="tx1">
+                <a:alpha val="50196"/>
+              </a:schemeClr>
+            </a:solidFill>
+          </a:ln>
+        </p:spPr>
+        <p:style>
+          <a:lnRef idx="2">
+            <a:schemeClr val="accent1">
+              <a:shade val="50000"/>
+            </a:schemeClr>
+          </a:lnRef>
+          <a:fillRef idx="1">
+            <a:schemeClr val="accent1"/>
+          </a:fillRef>
+          <a:effectRef idx="0">
+            <a:schemeClr val="accent1"/>
+          </a:effectRef>
+          <a:fontRef idx="minor">
+            <a:schemeClr val="lt1"/>
+          </a:fontRef>
+        </p:style>
+        <p:txBody>
+          <a:bodyPr rtlCol="0" anchor="ctr"/>
+          <a:lstStyle/>
+          <a:p>
+            <a:pPr algn="ctr"/>
+            <a:r>
+              <a:rPr lang="en-US" dirty="0" smtClean="0"/>
+              <a:t>Draw Call</a:t>
+            </a:r>
+            <a:endParaRPr lang="ru-RU" dirty="0"/>
+          </a:p>
+        </p:txBody>
+      </p:sp>
+      <p:sp>
+        <p:nvSpPr>
+          <p:cNvPr id="10" name="Прямоугольник 9"/>
+          <p:cNvSpPr/>
+          <p:nvPr/>
+        </p:nvSpPr>
+        <p:spPr>
+          <a:xfrm>
+            <a:off x="899592" y="2924944"/>
+            <a:ext cx="1440160" cy="432048"/>
+          </a:xfrm>
+          <a:prstGeom prst="rect">
+            <a:avLst/>
+          </a:prstGeom>
+          <a:solidFill>
+            <a:srgbClr val="00576E"/>
+          </a:solidFill>
+          <a:ln w="12700">
+            <a:solidFill>
+              <a:schemeClr val="tx1">
+                <a:alpha val="50196"/>
+              </a:schemeClr>
+            </a:solidFill>
+          </a:ln>
+        </p:spPr>
+        <p:style>
+          <a:lnRef idx="2">
+            <a:schemeClr val="accent1">
+              <a:shade val="50000"/>
+            </a:schemeClr>
+          </a:lnRef>
+          <a:fillRef idx="1">
+            <a:schemeClr val="accent1"/>
+          </a:fillRef>
+          <a:effectRef idx="0">
+            <a:schemeClr val="accent1"/>
+          </a:effectRef>
+          <a:fontRef idx="minor">
+            <a:schemeClr val="lt1"/>
+          </a:fontRef>
+        </p:style>
+        <p:txBody>
+          <a:bodyPr rtlCol="0" anchor="ctr"/>
+          <a:lstStyle/>
+          <a:p>
+            <a:pPr algn="ctr"/>
+            <a:r>
+              <a:rPr lang="en-US" dirty="0" smtClean="0"/>
+              <a:t>Set State</a:t>
+            </a:r>
+            <a:endParaRPr lang="ru-RU" dirty="0"/>
+          </a:p>
+        </p:txBody>
+      </p:sp>
+      <p:sp>
+        <p:nvSpPr>
+          <p:cNvPr id="11" name="Прямоугольник 10"/>
+          <p:cNvSpPr/>
+          <p:nvPr/>
+        </p:nvSpPr>
+        <p:spPr>
+          <a:xfrm>
+            <a:off x="899592" y="3429000"/>
+            <a:ext cx="1440160" cy="432048"/>
+          </a:xfrm>
+          <a:prstGeom prst="rect">
+            <a:avLst/>
+          </a:prstGeom>
+          <a:solidFill>
+            <a:srgbClr val="00192F">
+              <a:alpha val="80000"/>
+            </a:srgbClr>
+          </a:solidFill>
+          <a:ln w="12700">
+            <a:solidFill>
+              <a:schemeClr val="tx1">
+                <a:alpha val="50196"/>
+              </a:schemeClr>
+            </a:solidFill>
+          </a:ln>
+        </p:spPr>
+        <p:style>
+          <a:lnRef idx="2">
+            <a:schemeClr val="accent1">
+              <a:shade val="50000"/>
+            </a:schemeClr>
+          </a:lnRef>
+          <a:fillRef idx="1">
+            <a:schemeClr val="accent1"/>
+          </a:fillRef>
+          <a:effectRef idx="0">
+            <a:schemeClr val="accent1"/>
+          </a:effectRef>
+          <a:fontRef idx="minor">
+            <a:schemeClr val="lt1"/>
+          </a:fontRef>
+        </p:style>
+        <p:txBody>
+          <a:bodyPr rtlCol="0" anchor="ctr"/>
+          <a:lstStyle/>
+          <a:p>
+            <a:pPr algn="ctr"/>
+            <a:r>
+              <a:rPr lang="en-US" dirty="0" smtClean="0"/>
+              <a:t>Draw Call</a:t>
+            </a:r>
+            <a:endParaRPr lang="ru-RU" dirty="0"/>
+          </a:p>
+        </p:txBody>
+      </p:sp>
+      <p:sp>
+        <p:nvSpPr>
+          <p:cNvPr id="12" name="Прямоугольник 11"/>
+          <p:cNvSpPr/>
+          <p:nvPr/>
+        </p:nvSpPr>
+        <p:spPr>
+          <a:xfrm>
+            <a:off x="899592" y="3933056"/>
+            <a:ext cx="1440160" cy="432048"/>
+          </a:xfrm>
+          <a:prstGeom prst="rect">
+            <a:avLst/>
+          </a:prstGeom>
+          <a:solidFill>
+            <a:srgbClr val="00576E"/>
+          </a:solidFill>
+          <a:ln w="12700">
+            <a:solidFill>
+              <a:schemeClr val="tx1">
+                <a:alpha val="50196"/>
+              </a:schemeClr>
+            </a:solidFill>
+          </a:ln>
+        </p:spPr>
+        <p:style>
+          <a:lnRef idx="2">
+            <a:schemeClr val="accent1">
+              <a:shade val="50000"/>
+            </a:schemeClr>
+          </a:lnRef>
+          <a:fillRef idx="1">
+            <a:schemeClr val="accent1"/>
+          </a:fillRef>
+          <a:effectRef idx="0">
+            <a:schemeClr val="accent1"/>
+          </a:effectRef>
+          <a:fontRef idx="minor">
+            <a:schemeClr val="lt1"/>
+          </a:fontRef>
+        </p:style>
+        <p:txBody>
+          <a:bodyPr rtlCol="0" anchor="ctr"/>
+          <a:lstStyle/>
+          <a:p>
+            <a:pPr algn="ctr"/>
+            <a:r>
+              <a:rPr lang="en-US" dirty="0" smtClean="0"/>
+              <a:t>Set State</a:t>
+            </a:r>
+            <a:endParaRPr lang="ru-RU" dirty="0"/>
+          </a:p>
+        </p:txBody>
+      </p:sp>
+      <p:sp>
+        <p:nvSpPr>
+          <p:cNvPr id="13" name="Прямоугольник 12"/>
+          <p:cNvSpPr/>
+          <p:nvPr/>
+        </p:nvSpPr>
+        <p:spPr>
+          <a:xfrm>
+            <a:off x="899592" y="4437112"/>
+            <a:ext cx="1440160" cy="432048"/>
+          </a:xfrm>
+          <a:prstGeom prst="rect">
+            <a:avLst/>
+          </a:prstGeom>
+          <a:solidFill>
+            <a:srgbClr val="00192F">
+              <a:alpha val="80000"/>
+            </a:srgbClr>
+          </a:solidFill>
+          <a:ln w="12700">
+            <a:solidFill>
+              <a:schemeClr val="tx1">
+                <a:alpha val="50196"/>
+              </a:schemeClr>
+            </a:solidFill>
+          </a:ln>
+        </p:spPr>
+        <p:style>
+          <a:lnRef idx="2">
+            <a:schemeClr val="accent1">
+              <a:shade val="50000"/>
+            </a:schemeClr>
+          </a:lnRef>
+          <a:fillRef idx="1">
+            <a:schemeClr val="accent1"/>
+          </a:fillRef>
+          <a:effectRef idx="0">
+            <a:schemeClr val="accent1"/>
+          </a:effectRef>
+          <a:fontRef idx="minor">
+            <a:schemeClr val="lt1"/>
+          </a:fontRef>
+        </p:style>
+        <p:txBody>
+          <a:bodyPr rtlCol="0" anchor="ctr"/>
+          <a:lstStyle/>
+          <a:p>
+            <a:pPr algn="ctr"/>
+            <a:r>
+              <a:rPr lang="en-US" dirty="0" smtClean="0"/>
+              <a:t>Draw Call</a:t>
+            </a:r>
+            <a:endParaRPr lang="ru-RU" dirty="0"/>
+          </a:p>
+        </p:txBody>
+      </p:sp>
+      <p:sp>
+        <p:nvSpPr>
+          <p:cNvPr id="14" name="Прямоугольник 13"/>
+          <p:cNvSpPr/>
+          <p:nvPr/>
+        </p:nvSpPr>
+        <p:spPr>
+          <a:xfrm>
+            <a:off x="899592" y="4941168"/>
+            <a:ext cx="1440160" cy="432048"/>
+          </a:xfrm>
+          <a:prstGeom prst="rect">
+            <a:avLst/>
+          </a:prstGeom>
+          <a:solidFill>
+            <a:srgbClr val="C00000">
+              <a:alpha val="50196"/>
+            </a:srgbClr>
+          </a:solidFill>
+          <a:ln w="12700">
+            <a:solidFill>
+              <a:schemeClr val="tx1">
+                <a:alpha val="50196"/>
+              </a:schemeClr>
+            </a:solidFill>
+          </a:ln>
+        </p:spPr>
+        <p:style>
+          <a:lnRef idx="2">
+            <a:schemeClr val="accent1">
+              <a:shade val="50000"/>
+            </a:schemeClr>
+          </a:lnRef>
+          <a:fillRef idx="1">
+            <a:schemeClr val="accent1"/>
+          </a:fillRef>
+          <a:effectRef idx="0">
+            <a:schemeClr val="accent1"/>
+          </a:effectRef>
+          <a:fontRef idx="minor">
+            <a:schemeClr val="lt1"/>
+          </a:fontRef>
+        </p:style>
+        <p:txBody>
+          <a:bodyPr rtlCol="0" anchor="ctr"/>
+          <a:lstStyle/>
+          <a:p>
+            <a:pPr algn="ctr"/>
+            <a:r>
+              <a:rPr lang="en-US" dirty="0" smtClean="0"/>
+              <a:t>Swap Buffers</a:t>
+            </a:r>
+            <a:endParaRPr lang="ru-RU" dirty="0"/>
+          </a:p>
+        </p:txBody>
+      </p:sp>
+      <p:cxnSp>
+        <p:nvCxnSpPr>
+          <p:cNvPr id="17" name="Соединительная линия уступом 16"/>
+          <p:cNvCxnSpPr>
+            <a:stCxn id="14" idx="1"/>
+            <a:endCxn id="6" idx="1"/>
+          </p:cNvCxnSpPr>
+          <p:nvPr/>
+        </p:nvCxnSpPr>
+        <p:spPr>
+          <a:xfrm rot="10800000">
+            <a:off x="899592" y="2132856"/>
+            <a:ext cx="12700" cy="3024336"/>
+          </a:xfrm>
+          <a:prstGeom prst="bentConnector3">
+            <a:avLst>
+              <a:gd name="adj1" fmla="val 1800000"/>
+            </a:avLst>
+          </a:prstGeom>
           <a:ln>
             <a:solidFill>
-              <a:schemeClr val="tx2"/>
+              <a:schemeClr val="tx1"/>
+            </a:solidFill>
+            <a:tailEnd type="arrow"/>
+          </a:ln>
+        </p:spPr>
+        <p:style>
+          <a:lnRef idx="1">
+            <a:schemeClr val="accent1"/>
+          </a:lnRef>
+          <a:fillRef idx="0">
+            <a:schemeClr val="accent1"/>
+          </a:fillRef>
+          <a:effectRef idx="0">
+            <a:schemeClr val="accent1"/>
+          </a:effectRef>
+          <a:fontRef idx="minor">
+            <a:schemeClr val="tx1"/>
+          </a:fontRef>
+        </p:style>
+      </p:cxnSp>
+      <p:sp>
+        <p:nvSpPr>
+          <p:cNvPr id="20" name="Прямоугольник 19"/>
+          <p:cNvSpPr/>
+          <p:nvPr/>
+        </p:nvSpPr>
+        <p:spPr>
+          <a:xfrm>
+            <a:off x="3131840" y="1988840"/>
+            <a:ext cx="1296144" cy="2232248"/>
+          </a:xfrm>
+          <a:prstGeom prst="rect">
+            <a:avLst/>
+          </a:prstGeom>
+          <a:solidFill>
+            <a:srgbClr val="00576E"/>
+          </a:solidFill>
+          <a:ln w="12700">
+            <a:solidFill>
+              <a:srgbClr val="FFFFFF"/>
             </a:solidFill>
           </a:ln>
         </p:spPr>
-      </p:pic>
-      <p:pic>
-        <p:nvPicPr>
-          <p:cNvPr id="7" name="Рисунок 6" descr="depth.bmp"/>
-          <p:cNvPicPr>
-            <a:picLocks noChangeAspect="1"/>
-          </p:cNvPicPr>
-          <p:nvPr/>
-        </p:nvPicPr>
-        <p:blipFill>
-          <a:blip r:embed="rId3" cstate="print"/>
-          <a:stretch>
-            <a:fillRect/>
-          </a:stretch>
-        </p:blipFill>
+        <p:style>
+          <a:lnRef idx="2">
+            <a:schemeClr val="accent1">
+              <a:shade val="50000"/>
+            </a:schemeClr>
+          </a:lnRef>
+          <a:fillRef idx="1">
+            <a:schemeClr val="accent1"/>
+          </a:fillRef>
+          <a:effectRef idx="0">
+            <a:schemeClr val="accent1"/>
+          </a:effectRef>
+          <a:fontRef idx="minor">
+            <a:schemeClr val="lt1"/>
+          </a:fontRef>
+        </p:style>
+        <p:txBody>
+          <a:bodyPr rtlCol="0" anchor="ctr"/>
+          <a:lstStyle/>
+          <a:p>
+            <a:r>
+              <a:rPr lang="en-US" dirty="0" smtClean="0"/>
+              <a:t>Command</a:t>
+            </a:r>
+          </a:p>
+          <a:p>
+            <a:r>
+              <a:rPr lang="en-US" dirty="0" smtClean="0"/>
+              <a:t>Buffer:</a:t>
+            </a:r>
+          </a:p>
+          <a:p>
+            <a:pPr>
+              <a:buFont typeface="Arial" pitchFamily="34" charset="0"/>
+              <a:buChar char="•"/>
+            </a:pPr>
+            <a:r>
+              <a:rPr lang="en-US" sz="1400" dirty="0" smtClean="0"/>
+              <a:t> Commands</a:t>
+            </a:r>
+          </a:p>
+          <a:p>
+            <a:pPr>
+              <a:buFont typeface="Arial" pitchFamily="34" charset="0"/>
+              <a:buChar char="•"/>
+            </a:pPr>
+            <a:r>
+              <a:rPr lang="en-US" sz="1400" dirty="0" smtClean="0"/>
+              <a:t> Data </a:t>
+            </a:r>
+            <a:r>
+              <a:rPr lang="en-US" sz="1400" dirty="0" err="1" smtClean="0"/>
+              <a:t>ptrs</a:t>
+            </a:r>
+            <a:endParaRPr lang="en-US" sz="1400" dirty="0" smtClean="0"/>
+          </a:p>
+          <a:p>
+            <a:pPr>
+              <a:buFont typeface="Arial" pitchFamily="34" charset="0"/>
+              <a:buChar char="•"/>
+            </a:pPr>
+            <a:r>
+              <a:rPr lang="en-US" sz="1400" dirty="0" smtClean="0"/>
+              <a:t> </a:t>
+            </a:r>
+            <a:r>
+              <a:rPr lang="en-US" sz="1400" dirty="0" err="1" smtClean="0"/>
+              <a:t>Inlined</a:t>
+            </a:r>
+            <a:r>
+              <a:rPr lang="en-US" sz="1400" dirty="0" smtClean="0"/>
+              <a:t> Data</a:t>
+            </a:r>
+            <a:endParaRPr lang="en-US" sz="1400" dirty="0" smtClean="0"/>
+          </a:p>
+          <a:p>
+            <a:pPr algn="ctr"/>
+            <a:endParaRPr lang="ru-RU" dirty="0"/>
+          </a:p>
+        </p:txBody>
+      </p:sp>
+      <p:sp>
+        <p:nvSpPr>
+          <p:cNvPr id="21" name="Прямоугольник 20"/>
+          <p:cNvSpPr/>
+          <p:nvPr/>
+        </p:nvSpPr>
         <p:spPr>
           <a:xfrm>
-            <a:off x="5580112" y="1412776"/>
-            <a:ext cx="3332942" cy="2592288"/>
+            <a:off x="3131840" y="1700808"/>
+            <a:ext cx="1296144" cy="216024"/>
           </a:xfrm>
           <a:prstGeom prst="rect">
+            <a:avLst/>
+          </a:prstGeom>
+          <a:solidFill>
+            <a:srgbClr val="00576E"/>
+          </a:solidFill>
+          <a:ln w="12700">
+            <a:solidFill>
+              <a:srgbClr val="FFFFFF"/>
+            </a:solidFill>
+          </a:ln>
+        </p:spPr>
+        <p:style>
+          <a:lnRef idx="2">
+            <a:schemeClr val="accent1">
+              <a:shade val="50000"/>
+            </a:schemeClr>
+          </a:lnRef>
+          <a:fillRef idx="1">
+            <a:schemeClr val="accent1"/>
+          </a:fillRef>
+          <a:effectRef idx="0">
+            <a:schemeClr val="accent1"/>
+          </a:effectRef>
+          <a:fontRef idx="minor">
+            <a:schemeClr val="lt1"/>
+          </a:fontRef>
+        </p:style>
+        <p:txBody>
+          <a:bodyPr rtlCol="0" anchor="ctr"/>
+          <a:lstStyle/>
+          <a:p>
+            <a:pPr algn="ctr"/>
+            <a:endParaRPr lang="ru-RU"/>
+          </a:p>
+        </p:txBody>
+      </p:sp>
+      <p:sp>
+        <p:nvSpPr>
+          <p:cNvPr id="22" name="Прямоугольник 21"/>
+          <p:cNvSpPr/>
+          <p:nvPr/>
+        </p:nvSpPr>
+        <p:spPr>
+          <a:xfrm>
+            <a:off x="3131840" y="4293096"/>
+            <a:ext cx="1296144" cy="216024"/>
+          </a:xfrm>
+          <a:prstGeom prst="rect">
+            <a:avLst/>
+          </a:prstGeom>
+          <a:solidFill>
+            <a:srgbClr val="00576E"/>
+          </a:solidFill>
+          <a:ln w="12700">
+            <a:solidFill>
+              <a:srgbClr val="FFFFFF"/>
+            </a:solidFill>
+          </a:ln>
+        </p:spPr>
+        <p:style>
+          <a:lnRef idx="2">
+            <a:schemeClr val="accent1">
+              <a:shade val="50000"/>
+            </a:schemeClr>
+          </a:lnRef>
+          <a:fillRef idx="1">
+            <a:schemeClr val="accent1"/>
+          </a:fillRef>
+          <a:effectRef idx="0">
+            <a:schemeClr val="accent1"/>
+          </a:effectRef>
+          <a:fontRef idx="minor">
+            <a:schemeClr val="lt1"/>
+          </a:fontRef>
+        </p:style>
+        <p:txBody>
+          <a:bodyPr rtlCol="0" anchor="ctr"/>
+          <a:lstStyle/>
+          <a:p>
+            <a:pPr algn="ctr"/>
+            <a:endParaRPr lang="ru-RU"/>
+          </a:p>
+        </p:txBody>
+      </p:sp>
+      <p:cxnSp>
+        <p:nvCxnSpPr>
+          <p:cNvPr id="24" name="Соединительная линия уступом 23"/>
+          <p:cNvCxnSpPr>
+            <a:stCxn id="13" idx="3"/>
+            <a:endCxn id="21" idx="1"/>
+          </p:cNvCxnSpPr>
+          <p:nvPr/>
+        </p:nvCxnSpPr>
+        <p:spPr>
+          <a:xfrm flipV="1">
+            <a:off x="2339752" y="1808820"/>
+            <a:ext cx="792088" cy="2844316"/>
+          </a:xfrm>
+          <a:prstGeom prst="bentConnector3">
+            <a:avLst>
+              <a:gd name="adj1" fmla="val 50000"/>
+            </a:avLst>
+          </a:prstGeom>
+          <a:ln>
+            <a:solidFill>
+              <a:srgbClr val="FFFFFF"/>
+            </a:solidFill>
+            <a:tailEnd type="arrow"/>
+          </a:ln>
+        </p:spPr>
+        <p:style>
+          <a:lnRef idx="1">
+            <a:schemeClr val="accent1"/>
+          </a:lnRef>
+          <a:fillRef idx="0">
+            <a:schemeClr val="accent1"/>
+          </a:fillRef>
+          <a:effectRef idx="0">
+            <a:schemeClr val="accent1"/>
+          </a:effectRef>
+          <a:fontRef idx="minor">
+            <a:schemeClr val="tx1"/>
+          </a:fontRef>
+        </p:style>
+      </p:cxnSp>
+      <p:cxnSp>
+        <p:nvCxnSpPr>
+          <p:cNvPr id="26" name="Соединительная линия уступом 25"/>
+          <p:cNvCxnSpPr>
+            <a:stCxn id="12" idx="3"/>
+            <a:endCxn id="21" idx="1"/>
+          </p:cNvCxnSpPr>
+          <p:nvPr/>
+        </p:nvCxnSpPr>
+        <p:spPr>
+          <a:xfrm flipV="1">
+            <a:off x="2339752" y="1808820"/>
+            <a:ext cx="792088" cy="2340260"/>
+          </a:xfrm>
+          <a:prstGeom prst="bentConnector3">
+            <a:avLst>
+              <a:gd name="adj1" fmla="val 50000"/>
+            </a:avLst>
+          </a:prstGeom>
+          <a:ln>
+            <a:solidFill>
+              <a:srgbClr val="FFFFFF"/>
+            </a:solidFill>
+            <a:tailEnd type="arrow"/>
+          </a:ln>
+        </p:spPr>
+        <p:style>
+          <a:lnRef idx="1">
+            <a:schemeClr val="accent1"/>
+          </a:lnRef>
+          <a:fillRef idx="0">
+            <a:schemeClr val="accent1"/>
+          </a:fillRef>
+          <a:effectRef idx="0">
+            <a:schemeClr val="accent1"/>
+          </a:effectRef>
+          <a:fontRef idx="minor">
+            <a:schemeClr val="tx1"/>
+          </a:fontRef>
+        </p:style>
+      </p:cxnSp>
+      <p:cxnSp>
+        <p:nvCxnSpPr>
+          <p:cNvPr id="27" name="Соединительная линия уступом 26"/>
+          <p:cNvCxnSpPr>
+            <a:stCxn id="11" idx="3"/>
+            <a:endCxn id="21" idx="1"/>
+          </p:cNvCxnSpPr>
+          <p:nvPr/>
+        </p:nvCxnSpPr>
+        <p:spPr>
+          <a:xfrm flipV="1">
+            <a:off x="2339752" y="1808820"/>
+            <a:ext cx="792088" cy="1836204"/>
+          </a:xfrm>
+          <a:prstGeom prst="bentConnector3">
+            <a:avLst>
+              <a:gd name="adj1" fmla="val 50000"/>
+            </a:avLst>
+          </a:prstGeom>
+          <a:ln>
+            <a:solidFill>
+              <a:srgbClr val="FFFFFF"/>
+            </a:solidFill>
+            <a:tailEnd type="arrow"/>
+          </a:ln>
+        </p:spPr>
+        <p:style>
+          <a:lnRef idx="1">
+            <a:schemeClr val="accent1"/>
+          </a:lnRef>
+          <a:fillRef idx="0">
+            <a:schemeClr val="accent1"/>
+          </a:fillRef>
+          <a:effectRef idx="0">
+            <a:schemeClr val="accent1"/>
+          </a:effectRef>
+          <a:fontRef idx="minor">
+            <a:schemeClr val="tx1"/>
+          </a:fontRef>
+        </p:style>
+      </p:cxnSp>
+      <p:cxnSp>
+        <p:nvCxnSpPr>
+          <p:cNvPr id="30" name="Соединительная линия уступом 29"/>
+          <p:cNvCxnSpPr>
+            <a:stCxn id="10" idx="3"/>
+            <a:endCxn id="21" idx="1"/>
+          </p:cNvCxnSpPr>
+          <p:nvPr/>
+        </p:nvCxnSpPr>
+        <p:spPr>
+          <a:xfrm flipV="1">
+            <a:off x="2339752" y="1808820"/>
+            <a:ext cx="792088" cy="1332148"/>
+          </a:xfrm>
+          <a:prstGeom prst="bentConnector3">
+            <a:avLst>
+              <a:gd name="adj1" fmla="val 50000"/>
+            </a:avLst>
+          </a:prstGeom>
+          <a:ln>
+            <a:solidFill>
+              <a:srgbClr val="FFFFFF"/>
+            </a:solidFill>
+            <a:tailEnd type="arrow"/>
+          </a:ln>
+        </p:spPr>
+        <p:style>
+          <a:lnRef idx="1">
+            <a:schemeClr val="accent1"/>
+          </a:lnRef>
+          <a:fillRef idx="0">
+            <a:schemeClr val="accent1"/>
+          </a:fillRef>
+          <a:effectRef idx="0">
+            <a:schemeClr val="accent1"/>
+          </a:effectRef>
+          <a:fontRef idx="minor">
+            <a:schemeClr val="tx1"/>
+          </a:fontRef>
+        </p:style>
+      </p:cxnSp>
+      <p:cxnSp>
+        <p:nvCxnSpPr>
+          <p:cNvPr id="33" name="Соединительная линия уступом 32"/>
+          <p:cNvCxnSpPr>
+            <a:stCxn id="8" idx="3"/>
+            <a:endCxn id="21" idx="1"/>
+          </p:cNvCxnSpPr>
+          <p:nvPr/>
+        </p:nvCxnSpPr>
+        <p:spPr>
+          <a:xfrm flipV="1">
+            <a:off x="2339752" y="1808820"/>
+            <a:ext cx="792088" cy="828092"/>
+          </a:xfrm>
+          <a:prstGeom prst="bentConnector3">
+            <a:avLst>
+              <a:gd name="adj1" fmla="val 50000"/>
+            </a:avLst>
+          </a:prstGeom>
+          <a:ln>
+            <a:solidFill>
+              <a:srgbClr val="FFFFFF"/>
+            </a:solidFill>
+            <a:tailEnd type="arrow"/>
+          </a:ln>
+        </p:spPr>
+        <p:style>
+          <a:lnRef idx="1">
+            <a:schemeClr val="accent1"/>
+          </a:lnRef>
+          <a:fillRef idx="0">
+            <a:schemeClr val="accent1"/>
+          </a:fillRef>
+          <a:effectRef idx="0">
+            <a:schemeClr val="accent1"/>
+          </a:effectRef>
+          <a:fontRef idx="minor">
+            <a:schemeClr val="tx1"/>
+          </a:fontRef>
+        </p:style>
+      </p:cxnSp>
+      <p:cxnSp>
+        <p:nvCxnSpPr>
+          <p:cNvPr id="36" name="Соединительная линия уступом 35"/>
+          <p:cNvCxnSpPr>
+            <a:stCxn id="6" idx="3"/>
+            <a:endCxn id="21" idx="1"/>
+          </p:cNvCxnSpPr>
+          <p:nvPr/>
+        </p:nvCxnSpPr>
+        <p:spPr>
+          <a:xfrm flipV="1">
+            <a:off x="2339752" y="1808820"/>
+            <a:ext cx="792088" cy="324036"/>
+          </a:xfrm>
+          <a:prstGeom prst="bentConnector3">
+            <a:avLst>
+              <a:gd name="adj1" fmla="val 50000"/>
+            </a:avLst>
+          </a:prstGeom>
+          <a:ln>
+            <a:solidFill>
+              <a:srgbClr val="FFFFFF"/>
+            </a:solidFill>
+            <a:tailEnd type="arrow"/>
+          </a:ln>
+        </p:spPr>
+        <p:style>
+          <a:lnRef idx="1">
+            <a:schemeClr val="accent1"/>
+          </a:lnRef>
+          <a:fillRef idx="0">
+            <a:schemeClr val="accent1"/>
+          </a:fillRef>
+          <a:effectRef idx="0">
+            <a:schemeClr val="accent1"/>
+          </a:effectRef>
+          <a:fontRef idx="minor">
+            <a:schemeClr val="tx1"/>
+          </a:fontRef>
+        </p:style>
+      </p:cxnSp>
+      <p:sp>
+        <p:nvSpPr>
+          <p:cNvPr id="53" name="Прямоугольник 52"/>
+          <p:cNvSpPr/>
+          <p:nvPr/>
+        </p:nvSpPr>
+        <p:spPr>
+          <a:xfrm>
+            <a:off x="4572000" y="4149080"/>
+            <a:ext cx="1512168" cy="1512168"/>
+          </a:xfrm>
+          <a:prstGeom prst="rect">
+            <a:avLst/>
+          </a:prstGeom>
+          <a:solidFill>
+            <a:srgbClr val="C00000">
+              <a:alpha val="52000"/>
+            </a:srgbClr>
+          </a:solidFill>
+          <a:ln w="12700">
+            <a:solidFill>
+              <a:srgbClr val="FFFFFF"/>
+            </a:solidFill>
+          </a:ln>
+        </p:spPr>
+        <p:style>
+          <a:lnRef idx="2">
+            <a:schemeClr val="accent1">
+              <a:shade val="50000"/>
+            </a:schemeClr>
+          </a:lnRef>
+          <a:fillRef idx="1">
+            <a:schemeClr val="accent1"/>
+          </a:fillRef>
+          <a:effectRef idx="0">
+            <a:schemeClr val="accent1"/>
+          </a:effectRef>
+          <a:fontRef idx="minor">
+            <a:schemeClr val="lt1"/>
+          </a:fontRef>
+        </p:style>
+        <p:txBody>
+          <a:bodyPr rtlCol="0" anchor="ctr"/>
+          <a:lstStyle/>
+          <a:p>
+            <a:pPr algn="ctr"/>
+            <a:r>
+              <a:rPr lang="en-US" sz="3200" dirty="0" smtClean="0"/>
+              <a:t>GPU</a:t>
+            </a:r>
+          </a:p>
+          <a:p>
+            <a:pPr algn="ctr"/>
+            <a:r>
+              <a:rPr lang="en-US" dirty="0" smtClean="0"/>
+              <a:t>Process</a:t>
+            </a:r>
+            <a:endParaRPr lang="ru-RU" dirty="0"/>
+          </a:p>
+        </p:txBody>
+      </p:sp>
+      <p:cxnSp>
+        <p:nvCxnSpPr>
+          <p:cNvPr id="54" name="Соединительная линия уступом 53"/>
+          <p:cNvCxnSpPr>
+            <a:stCxn id="22" idx="2"/>
+            <a:endCxn id="53" idx="1"/>
+          </p:cNvCxnSpPr>
+          <p:nvPr/>
+        </p:nvCxnSpPr>
+        <p:spPr>
+          <a:xfrm rot="16200000" flipH="1">
+            <a:off x="3977934" y="4311098"/>
+            <a:ext cx="396044" cy="792088"/>
+          </a:xfrm>
+          <a:prstGeom prst="bentConnector2">
             <a:avLst/>
           </a:prstGeom>
           <a:ln>
             <a:solidFill>
-              <a:schemeClr val="tx2"/>
+              <a:srgbClr val="FFFFFF"/>
+            </a:solidFill>
+            <a:tailEnd type="arrow"/>
+          </a:ln>
+        </p:spPr>
+        <p:style>
+          <a:lnRef idx="1">
+            <a:schemeClr val="accent1"/>
+          </a:lnRef>
+          <a:fillRef idx="0">
+            <a:schemeClr val="accent1"/>
+          </a:fillRef>
+          <a:effectRef idx="0">
+            <a:schemeClr val="accent1"/>
+          </a:effectRef>
+          <a:fontRef idx="minor">
+            <a:schemeClr val="tx1"/>
+          </a:fontRef>
+        </p:style>
+      </p:cxnSp>
+      <p:cxnSp>
+        <p:nvCxnSpPr>
+          <p:cNvPr id="59" name="Соединительная линия уступом 58"/>
+          <p:cNvCxnSpPr>
+            <a:stCxn id="14" idx="3"/>
+            <a:endCxn id="21" idx="1"/>
+          </p:cNvCxnSpPr>
+          <p:nvPr/>
+        </p:nvCxnSpPr>
+        <p:spPr>
+          <a:xfrm flipV="1">
+            <a:off x="2339752" y="1808820"/>
+            <a:ext cx="792088" cy="3348372"/>
+          </a:xfrm>
+          <a:prstGeom prst="bentConnector3">
+            <a:avLst>
+              <a:gd name="adj1" fmla="val 50000"/>
+            </a:avLst>
+          </a:prstGeom>
+          <a:ln>
+            <a:solidFill>
+              <a:srgbClr val="FFFFFF"/>
+            </a:solidFill>
+            <a:tailEnd type="arrow"/>
+          </a:ln>
+        </p:spPr>
+        <p:style>
+          <a:lnRef idx="1">
+            <a:schemeClr val="accent1"/>
+          </a:lnRef>
+          <a:fillRef idx="0">
+            <a:schemeClr val="accent1"/>
+          </a:fillRef>
+          <a:effectRef idx="0">
+            <a:schemeClr val="accent1"/>
+          </a:effectRef>
+          <a:fontRef idx="minor">
+            <a:schemeClr val="tx1"/>
+          </a:fontRef>
+        </p:style>
+      </p:cxnSp>
+      <p:sp>
+        <p:nvSpPr>
+          <p:cNvPr id="63" name="Блок-схема: внутренняя память 62"/>
+          <p:cNvSpPr/>
+          <p:nvPr/>
+        </p:nvSpPr>
+        <p:spPr>
+          <a:xfrm>
+            <a:off x="4572000" y="1700808"/>
+            <a:ext cx="1512168" cy="1584176"/>
+          </a:xfrm>
+          <a:prstGeom prst="flowChartInternalStorage">
+            <a:avLst/>
+          </a:prstGeom>
+          <a:solidFill>
+            <a:schemeClr val="accent4">
+              <a:lumMod val="50000"/>
+            </a:schemeClr>
+          </a:solidFill>
+          <a:ln w="12700">
+            <a:solidFill>
+              <a:srgbClr val="FFFFFF"/>
             </a:solidFill>
           </a:ln>
         </p:spPr>
-      </p:pic>
-      <p:pic>
-        <p:nvPicPr>
-          <p:cNvPr id="8" name="Рисунок 7" descr="stencil.bmp"/>
-          <p:cNvPicPr>
-            <a:picLocks noChangeAspect="1"/>
-          </p:cNvPicPr>
-          <p:nvPr/>
-        </p:nvPicPr>
-        <p:blipFill>
-          <a:blip r:embed="rId4" cstate="print"/>
-          <a:stretch>
-            <a:fillRect/>
-          </a:stretch>
-        </p:blipFill>
+        <p:style>
+          <a:lnRef idx="2">
+            <a:schemeClr val="accent1">
+              <a:shade val="50000"/>
+            </a:schemeClr>
+          </a:lnRef>
+          <a:fillRef idx="1">
+            <a:schemeClr val="accent1"/>
+          </a:fillRef>
+          <a:effectRef idx="0">
+            <a:schemeClr val="accent1"/>
+          </a:effectRef>
+          <a:fontRef idx="minor">
+            <a:schemeClr val="lt1"/>
+          </a:fontRef>
+        </p:style>
+        <p:txBody>
+          <a:bodyPr vert="vert270" rtlCol="0" anchor="ctr"/>
+          <a:lstStyle/>
+          <a:p>
+            <a:r>
+              <a:rPr lang="en-US" dirty="0" smtClean="0"/>
+              <a:t> Memory</a:t>
+            </a:r>
+          </a:p>
+          <a:p>
+            <a:endParaRPr lang="en-US" dirty="0" smtClean="0"/>
+          </a:p>
+          <a:p>
+            <a:endParaRPr lang="en-US" dirty="0" smtClean="0"/>
+          </a:p>
+          <a:p>
+            <a:endParaRPr lang="en-US" dirty="0" smtClean="0"/>
+          </a:p>
+          <a:p>
+            <a:endParaRPr lang="ru-RU" dirty="0"/>
+          </a:p>
+        </p:txBody>
+      </p:sp>
+      <p:sp>
+        <p:nvSpPr>
+          <p:cNvPr id="65" name="Двойная стрелка вверх/вниз 64"/>
+          <p:cNvSpPr/>
+          <p:nvPr/>
+        </p:nvSpPr>
         <p:spPr>
           <a:xfrm>
-            <a:off x="5580112" y="4077072"/>
-            <a:ext cx="3332942" cy="2592288"/>
+            <a:off x="5220072" y="3356992"/>
+            <a:ext cx="216024" cy="648072"/>
+          </a:xfrm>
+          <a:prstGeom prst="upDownArrow">
+            <a:avLst/>
+          </a:prstGeom>
+          <a:solidFill>
+            <a:schemeClr val="accent4">
+              <a:lumMod val="50000"/>
+            </a:schemeClr>
+          </a:solidFill>
+          <a:ln w="12700">
+            <a:solidFill>
+              <a:srgbClr val="FFFFFF"/>
+            </a:solidFill>
+          </a:ln>
+        </p:spPr>
+        <p:style>
+          <a:lnRef idx="2">
+            <a:schemeClr val="accent1">
+              <a:shade val="50000"/>
+            </a:schemeClr>
+          </a:lnRef>
+          <a:fillRef idx="1">
+            <a:schemeClr val="accent1"/>
+          </a:fillRef>
+          <a:effectRef idx="0">
+            <a:schemeClr val="accent1"/>
+          </a:effectRef>
+          <a:fontRef idx="minor">
+            <a:schemeClr val="lt1"/>
+          </a:fontRef>
+        </p:style>
+        <p:txBody>
+          <a:bodyPr rtlCol="0" anchor="ctr"/>
+          <a:lstStyle/>
+          <a:p>
+            <a:pPr algn="ctr"/>
+            <a:endParaRPr lang="ru-RU"/>
+          </a:p>
+        </p:txBody>
+      </p:sp>
+      <p:sp>
+        <p:nvSpPr>
+          <p:cNvPr id="47" name="Прямоугольник 46"/>
+          <p:cNvSpPr/>
+          <p:nvPr/>
+        </p:nvSpPr>
+        <p:spPr>
+          <a:xfrm>
+            <a:off x="7164288" y="1556792"/>
+            <a:ext cx="1440160" cy="936104"/>
           </a:xfrm>
           <a:prstGeom prst="rect">
             <a:avLst/>
           </a:prstGeom>
-          <a:ln>
+          <a:solidFill>
+            <a:srgbClr val="00576E"/>
+          </a:solidFill>
+          <a:ln w="12700">
             <a:solidFill>
-              <a:schemeClr val="tx2"/>
+              <a:schemeClr val="tx1">
+                <a:alpha val="50196"/>
+              </a:schemeClr>
             </a:solidFill>
           </a:ln>
         </p:spPr>
-      </p:pic>
-      <p:sp>
-        <p:nvSpPr>
-          <p:cNvPr id="9" name="TextBox 8"/>
-          <p:cNvSpPr txBox="1"/>
+        <p:style>
+          <a:lnRef idx="2">
+            <a:schemeClr val="accent1">
+              <a:shade val="50000"/>
+            </a:schemeClr>
+          </a:lnRef>
+          <a:fillRef idx="1">
+            <a:schemeClr val="accent1"/>
+          </a:fillRef>
+          <a:effectRef idx="0">
+            <a:schemeClr val="accent1"/>
+          </a:effectRef>
+          <a:fontRef idx="minor">
+            <a:schemeClr val="lt1"/>
+          </a:fontRef>
+        </p:style>
+        <p:txBody>
+          <a:bodyPr rtlCol="0" anchor="ctr"/>
+          <a:lstStyle/>
+          <a:p>
+            <a:r>
+              <a:rPr lang="en-US" sz="1400" dirty="0" smtClean="0"/>
+              <a:t>Vertex processing (VS)</a:t>
+            </a:r>
+          </a:p>
+          <a:p>
+            <a:pPr>
+              <a:buFont typeface="Arial" pitchFamily="34" charset="0"/>
+              <a:buChar char="•"/>
+            </a:pPr>
+            <a:r>
+              <a:rPr lang="en-US" sz="1200" dirty="0" smtClean="0"/>
+              <a:t> vertex data </a:t>
+            </a:r>
+          </a:p>
+          <a:p>
+            <a:pPr>
+              <a:buFont typeface="Arial" pitchFamily="34" charset="0"/>
+              <a:buChar char="•"/>
+            </a:pPr>
+            <a:r>
+              <a:rPr lang="en-US" sz="1200" dirty="0" smtClean="0"/>
+              <a:t> texture data</a:t>
+            </a:r>
+            <a:endParaRPr lang="ru-RU" sz="1200" dirty="0"/>
+          </a:p>
+        </p:txBody>
+      </p:sp>
+      <p:sp>
+        <p:nvSpPr>
+          <p:cNvPr id="48" name="Прямоугольник 47"/>
+          <p:cNvSpPr/>
           <p:nvPr/>
         </p:nvSpPr>
         <p:spPr>
           <a:xfrm>
-            <a:off x="683568" y="1484784"/>
-            <a:ext cx="1296144" cy="369332"/>
+            <a:off x="7164288" y="2636912"/>
+            <a:ext cx="1440160" cy="648072"/>
           </a:xfrm>
           <a:prstGeom prst="rect">
             <a:avLst/>
           </a:prstGeom>
-          <a:noFill/>
-        </p:spPr>
-        <p:txBody>
-          <a:bodyPr wrap="square" rtlCol="0">
-            <a:spAutoFit/>
-          </a:bodyPr>
+          <a:solidFill>
+            <a:srgbClr val="00576E"/>
+          </a:solidFill>
+          <a:ln w="12700">
+            <a:solidFill>
+              <a:schemeClr val="tx1">
+                <a:alpha val="50196"/>
+              </a:schemeClr>
+            </a:solidFill>
+          </a:ln>
+        </p:spPr>
+        <p:style>
+          <a:lnRef idx="2">
+            <a:schemeClr val="accent1">
+              <a:shade val="50000"/>
+            </a:schemeClr>
+          </a:lnRef>
+          <a:fillRef idx="1">
+            <a:schemeClr val="accent1"/>
+          </a:fillRef>
+          <a:effectRef idx="0">
+            <a:schemeClr val="accent1"/>
+          </a:effectRef>
+          <a:fontRef idx="minor">
+            <a:schemeClr val="lt1"/>
+          </a:fontRef>
+        </p:style>
+        <p:txBody>
+          <a:bodyPr rtlCol="0" anchor="ctr"/>
           <a:lstStyle/>
           <a:p>
             <a:r>
-              <a:rPr lang="en-US" dirty="0" smtClean="0"/>
-              <a:t>Color</a:t>
-            </a:r>
-            <a:endParaRPr lang="ru-RU" dirty="0"/>
-          </a:p>
-        </p:txBody>
-      </p:sp>
-      <p:sp>
-        <p:nvSpPr>
-          <p:cNvPr id="10" name="TextBox 9"/>
-          <p:cNvSpPr txBox="1"/>
+              <a:rPr lang="en-US" sz="1400" dirty="0" smtClean="0"/>
+              <a:t>Geometry</a:t>
+            </a:r>
+          </a:p>
+          <a:p>
+            <a:r>
+              <a:rPr lang="en-US" sz="1400" dirty="0" smtClean="0"/>
+              <a:t>Processing (GS)</a:t>
+            </a:r>
+            <a:endParaRPr lang="ru-RU" sz="1400" dirty="0"/>
+          </a:p>
+        </p:txBody>
+      </p:sp>
+      <p:sp>
+        <p:nvSpPr>
+          <p:cNvPr id="49" name="Прямоугольник 48"/>
+          <p:cNvSpPr/>
           <p:nvPr/>
         </p:nvSpPr>
         <p:spPr>
           <a:xfrm>
-            <a:off x="5652120" y="1484784"/>
-            <a:ext cx="1296144" cy="369332"/>
+            <a:off x="7164288" y="3429000"/>
+            <a:ext cx="1440160" cy="648072"/>
           </a:xfrm>
           <a:prstGeom prst="rect">
             <a:avLst/>
           </a:prstGeom>
-          <a:noFill/>
-        </p:spPr>
-        <p:txBody>
-          <a:bodyPr wrap="square" rtlCol="0">
-            <a:spAutoFit/>
-          </a:bodyPr>
+          <a:solidFill>
+            <a:srgbClr val="00576E"/>
+          </a:solidFill>
+          <a:ln w="12700">
+            <a:solidFill>
+              <a:schemeClr val="tx1">
+                <a:alpha val="50196"/>
+              </a:schemeClr>
+            </a:solidFill>
+          </a:ln>
+        </p:spPr>
+        <p:style>
+          <a:lnRef idx="2">
+            <a:schemeClr val="accent1">
+              <a:shade val="50000"/>
+            </a:schemeClr>
+          </a:lnRef>
+          <a:fillRef idx="1">
+            <a:schemeClr val="accent1"/>
+          </a:fillRef>
+          <a:effectRef idx="0">
+            <a:schemeClr val="accent1"/>
+          </a:effectRef>
+          <a:fontRef idx="minor">
+            <a:schemeClr val="lt1"/>
+          </a:fontRef>
+        </p:style>
+        <p:txBody>
+          <a:bodyPr rtlCol="0" anchor="ctr"/>
           <a:lstStyle/>
           <a:p>
             <a:r>
-              <a:rPr lang="en-US" dirty="0" smtClean="0"/>
-              <a:t>Depth</a:t>
-            </a:r>
-            <a:endParaRPr lang="ru-RU" dirty="0"/>
-          </a:p>
-        </p:txBody>
-      </p:sp>
-      <p:sp>
-        <p:nvSpPr>
-          <p:cNvPr id="11" name="TextBox 10"/>
-          <p:cNvSpPr txBox="1"/>
+              <a:rPr lang="en-US" sz="1400" dirty="0" smtClean="0"/>
+              <a:t>Pixel</a:t>
+            </a:r>
+          </a:p>
+          <a:p>
+            <a:r>
+              <a:rPr lang="en-US" sz="1400" dirty="0" smtClean="0"/>
+              <a:t>Processing (PS)</a:t>
+            </a:r>
+          </a:p>
+          <a:p>
+            <a:pPr>
+              <a:buFont typeface="Arial" pitchFamily="34" charset="0"/>
+              <a:buChar char="•"/>
+            </a:pPr>
+            <a:r>
+              <a:rPr lang="en-US" sz="1200" dirty="0" smtClean="0">
+                <a:solidFill>
+                  <a:prstClr val="white"/>
+                </a:solidFill>
+              </a:rPr>
+              <a:t> texture </a:t>
+            </a:r>
+            <a:r>
+              <a:rPr lang="en-US" sz="1200" dirty="0" smtClean="0">
+                <a:solidFill>
+                  <a:prstClr val="white"/>
+                </a:solidFill>
+              </a:rPr>
+              <a:t>data</a:t>
+            </a:r>
+            <a:endParaRPr lang="ru-RU" sz="1400" dirty="0"/>
+          </a:p>
+        </p:txBody>
+      </p:sp>
+      <p:sp>
+        <p:nvSpPr>
+          <p:cNvPr id="50" name="Прямоугольник 49"/>
+          <p:cNvSpPr/>
           <p:nvPr/>
         </p:nvSpPr>
         <p:spPr>
           <a:xfrm>
-            <a:off x="5652120" y="4149080"/>
-            <a:ext cx="1296144" cy="369332"/>
+            <a:off x="7164288" y="4221088"/>
+            <a:ext cx="1440160" cy="648072"/>
           </a:xfrm>
           <a:prstGeom prst="rect">
             <a:avLst/>
           </a:prstGeom>
-          <a:noFill/>
-        </p:spPr>
-        <p:txBody>
-          <a:bodyPr wrap="square" rtlCol="0">
-            <a:spAutoFit/>
-          </a:bodyPr>
+          <a:solidFill>
+            <a:srgbClr val="00576E"/>
+          </a:solidFill>
+          <a:ln w="12700">
+            <a:solidFill>
+              <a:schemeClr val="tx1">
+                <a:alpha val="50196"/>
+              </a:schemeClr>
+            </a:solidFill>
+          </a:ln>
+        </p:spPr>
+        <p:style>
+          <a:lnRef idx="2">
+            <a:schemeClr val="accent1">
+              <a:shade val="50000"/>
+            </a:schemeClr>
+          </a:lnRef>
+          <a:fillRef idx="1">
+            <a:schemeClr val="accent1"/>
+          </a:fillRef>
+          <a:effectRef idx="0">
+            <a:schemeClr val="accent1"/>
+          </a:effectRef>
+          <a:fontRef idx="minor">
+            <a:schemeClr val="lt1"/>
+          </a:fontRef>
+        </p:style>
+        <p:txBody>
+          <a:bodyPr rtlCol="0" anchor="ctr"/>
           <a:lstStyle/>
           <a:p>
             <a:r>
-              <a:rPr lang="en-US" dirty="0" smtClean="0"/>
-              <a:t>Stencil</a:t>
-            </a:r>
+              <a:rPr lang="en-US" sz="1400" dirty="0" smtClean="0"/>
+              <a:t>Pixel</a:t>
+            </a:r>
+          </a:p>
+          <a:p>
+            <a:r>
+              <a:rPr lang="en-US" sz="1400" dirty="0" smtClean="0"/>
+              <a:t>Rendering</a:t>
+            </a:r>
+            <a:endParaRPr lang="ru-RU" sz="1400" dirty="0"/>
+          </a:p>
+        </p:txBody>
+      </p:sp>
+      <p:sp>
+        <p:nvSpPr>
+          <p:cNvPr id="80" name="Прямоугольник 79"/>
+          <p:cNvSpPr/>
+          <p:nvPr/>
+        </p:nvSpPr>
+        <p:spPr>
+          <a:xfrm>
+            <a:off x="5076056" y="1988840"/>
+            <a:ext cx="936104" cy="360040"/>
+          </a:xfrm>
+          <a:prstGeom prst="rect">
+            <a:avLst/>
+          </a:prstGeom>
+          <a:solidFill>
+            <a:srgbClr val="00192F">
+              <a:alpha val="80000"/>
+            </a:srgbClr>
+          </a:solidFill>
+          <a:ln w="12700">
+            <a:solidFill>
+              <a:schemeClr val="tx1">
+                <a:alpha val="50196"/>
+              </a:schemeClr>
+            </a:solidFill>
+          </a:ln>
+        </p:spPr>
+        <p:style>
+          <a:lnRef idx="2">
+            <a:schemeClr val="accent1">
+              <a:shade val="50000"/>
+            </a:schemeClr>
+          </a:lnRef>
+          <a:fillRef idx="1">
+            <a:schemeClr val="accent1"/>
+          </a:fillRef>
+          <a:effectRef idx="0">
+            <a:schemeClr val="accent1"/>
+          </a:effectRef>
+          <a:fontRef idx="minor">
+            <a:schemeClr val="lt1"/>
+          </a:fontRef>
+        </p:style>
+        <p:txBody>
+          <a:bodyPr rtlCol="0" anchor="ctr"/>
+          <a:lstStyle/>
+          <a:p>
+            <a:pPr algn="ctr"/>
             <a:endParaRPr lang="ru-RU" dirty="0"/>
+          </a:p>
+        </p:txBody>
+      </p:sp>
+      <p:sp>
+        <p:nvSpPr>
+          <p:cNvPr id="81" name="Прямоугольник 80"/>
+          <p:cNvSpPr/>
+          <p:nvPr/>
+        </p:nvSpPr>
+        <p:spPr>
+          <a:xfrm>
+            <a:off x="5076056" y="2420888"/>
+            <a:ext cx="936104" cy="360040"/>
+          </a:xfrm>
+          <a:prstGeom prst="rect">
+            <a:avLst/>
+          </a:prstGeom>
+          <a:solidFill>
+            <a:srgbClr val="00192F">
+              <a:alpha val="80000"/>
+            </a:srgbClr>
+          </a:solidFill>
+          <a:ln w="12700">
+            <a:solidFill>
+              <a:schemeClr val="tx1">
+                <a:alpha val="50196"/>
+              </a:schemeClr>
+            </a:solidFill>
+          </a:ln>
+        </p:spPr>
+        <p:style>
+          <a:lnRef idx="2">
+            <a:schemeClr val="accent1">
+              <a:shade val="50000"/>
+            </a:schemeClr>
+          </a:lnRef>
+          <a:fillRef idx="1">
+            <a:schemeClr val="accent1"/>
+          </a:fillRef>
+          <a:effectRef idx="0">
+            <a:schemeClr val="accent1"/>
+          </a:effectRef>
+          <a:fontRef idx="minor">
+            <a:schemeClr val="lt1"/>
+          </a:fontRef>
+        </p:style>
+        <p:txBody>
+          <a:bodyPr rtlCol="0" anchor="ctr"/>
+          <a:lstStyle/>
+          <a:p>
+            <a:pPr algn="ctr"/>
+            <a:endParaRPr lang="ru-RU" dirty="0"/>
+          </a:p>
+        </p:txBody>
+      </p:sp>
+      <p:sp>
+        <p:nvSpPr>
+          <p:cNvPr id="82" name="Прямоугольник 81"/>
+          <p:cNvSpPr/>
+          <p:nvPr/>
+        </p:nvSpPr>
+        <p:spPr>
+          <a:xfrm>
+            <a:off x="5076056" y="2852936"/>
+            <a:ext cx="936104" cy="360040"/>
+          </a:xfrm>
+          <a:prstGeom prst="rect">
+            <a:avLst/>
+          </a:prstGeom>
+          <a:solidFill>
+            <a:srgbClr val="00192F">
+              <a:alpha val="80000"/>
+            </a:srgbClr>
+          </a:solidFill>
+          <a:ln w="12700">
+            <a:solidFill>
+              <a:schemeClr val="tx1">
+                <a:alpha val="50196"/>
+              </a:schemeClr>
+            </a:solidFill>
+          </a:ln>
+        </p:spPr>
+        <p:style>
+          <a:lnRef idx="2">
+            <a:schemeClr val="accent1">
+              <a:shade val="50000"/>
+            </a:schemeClr>
+          </a:lnRef>
+          <a:fillRef idx="1">
+            <a:schemeClr val="accent1"/>
+          </a:fillRef>
+          <a:effectRef idx="0">
+            <a:schemeClr val="accent1"/>
+          </a:effectRef>
+          <a:fontRef idx="minor">
+            <a:schemeClr val="lt1"/>
+          </a:fontRef>
+        </p:style>
+        <p:txBody>
+          <a:bodyPr rtlCol="0" anchor="ctr"/>
+          <a:lstStyle/>
+          <a:p>
+            <a:pPr algn="ctr"/>
+            <a:endParaRPr lang="ru-RU" dirty="0"/>
+          </a:p>
+        </p:txBody>
+      </p:sp>
+      <p:cxnSp>
+        <p:nvCxnSpPr>
+          <p:cNvPr id="84" name="Соединительная линия уступом 83"/>
+          <p:cNvCxnSpPr>
+            <a:stCxn id="80" idx="3"/>
+            <a:endCxn id="47" idx="1"/>
+          </p:cNvCxnSpPr>
+          <p:nvPr/>
+        </p:nvCxnSpPr>
+        <p:spPr>
+          <a:xfrm flipV="1">
+            <a:off x="6012160" y="2024844"/>
+            <a:ext cx="1152128" cy="144016"/>
+          </a:xfrm>
+          <a:prstGeom prst="bentConnector3">
+            <a:avLst>
+              <a:gd name="adj1" fmla="val 50000"/>
+            </a:avLst>
+          </a:prstGeom>
+          <a:ln>
+            <a:solidFill>
+              <a:schemeClr val="tx1"/>
+            </a:solidFill>
+            <a:headEnd type="none" w="med" len="med"/>
+            <a:tailEnd type="triangle" w="lg" len="lg"/>
+          </a:ln>
+        </p:spPr>
+        <p:style>
+          <a:lnRef idx="1">
+            <a:schemeClr val="accent1"/>
+          </a:lnRef>
+          <a:fillRef idx="0">
+            <a:schemeClr val="accent1"/>
+          </a:fillRef>
+          <a:effectRef idx="0">
+            <a:schemeClr val="accent1"/>
+          </a:effectRef>
+          <a:fontRef idx="minor">
+            <a:schemeClr val="tx1"/>
+          </a:fontRef>
+        </p:style>
+      </p:cxnSp>
+      <p:cxnSp>
+        <p:nvCxnSpPr>
+          <p:cNvPr id="86" name="Соединительная линия уступом 85"/>
+          <p:cNvCxnSpPr>
+            <a:stCxn id="81" idx="3"/>
+            <a:endCxn id="49" idx="1"/>
+          </p:cNvCxnSpPr>
+          <p:nvPr/>
+        </p:nvCxnSpPr>
+        <p:spPr>
+          <a:xfrm>
+            <a:off x="6012160" y="2600908"/>
+            <a:ext cx="1152128" cy="1152128"/>
+          </a:xfrm>
+          <a:prstGeom prst="bentConnector3">
+            <a:avLst>
+              <a:gd name="adj1" fmla="val 63118"/>
+            </a:avLst>
+          </a:prstGeom>
+          <a:ln>
+            <a:solidFill>
+              <a:schemeClr val="tx1"/>
+            </a:solidFill>
+            <a:headEnd type="none" w="med" len="med"/>
+            <a:tailEnd type="triangle" w="lg" len="lg"/>
+          </a:ln>
+        </p:spPr>
+        <p:style>
+          <a:lnRef idx="1">
+            <a:schemeClr val="accent1"/>
+          </a:lnRef>
+          <a:fillRef idx="0">
+            <a:schemeClr val="accent1"/>
+          </a:fillRef>
+          <a:effectRef idx="0">
+            <a:schemeClr val="accent1"/>
+          </a:effectRef>
+          <a:fontRef idx="minor">
+            <a:schemeClr val="tx1"/>
+          </a:fontRef>
+        </p:style>
+      </p:cxnSp>
+      <p:cxnSp>
+        <p:nvCxnSpPr>
+          <p:cNvPr id="88" name="Соединительная линия уступом 87"/>
+          <p:cNvCxnSpPr>
+            <a:stCxn id="50" idx="1"/>
+            <a:endCxn id="82" idx="3"/>
+          </p:cNvCxnSpPr>
+          <p:nvPr/>
+        </p:nvCxnSpPr>
+        <p:spPr>
+          <a:xfrm rot="10800000">
+            <a:off x="6012160" y="3032956"/>
+            <a:ext cx="1152128" cy="1512168"/>
+          </a:xfrm>
+          <a:prstGeom prst="bentConnector3">
+            <a:avLst>
+              <a:gd name="adj1" fmla="val 59183"/>
+            </a:avLst>
+          </a:prstGeom>
+          <a:ln>
+            <a:solidFill>
+              <a:schemeClr val="tx1"/>
+            </a:solidFill>
+            <a:headEnd type="none" w="med" len="med"/>
+            <a:tailEnd type="triangle" w="lg" len="lg"/>
+          </a:ln>
+        </p:spPr>
+        <p:style>
+          <a:lnRef idx="1">
+            <a:schemeClr val="accent1"/>
+          </a:lnRef>
+          <a:fillRef idx="0">
+            <a:schemeClr val="accent1"/>
+          </a:fillRef>
+          <a:effectRef idx="0">
+            <a:schemeClr val="accent1"/>
+          </a:effectRef>
+          <a:fontRef idx="minor">
+            <a:schemeClr val="tx1"/>
+          </a:fontRef>
+        </p:style>
+      </p:cxnSp>
+      <p:sp>
+        <p:nvSpPr>
+          <p:cNvPr id="93" name="Полилиния 92"/>
+          <p:cNvSpPr/>
+          <p:nvPr/>
+        </p:nvSpPr>
+        <p:spPr>
+          <a:xfrm>
+            <a:off x="6156176" y="1916832"/>
+            <a:ext cx="936104" cy="3888432"/>
+          </a:xfrm>
+          <a:custGeom>
+            <a:avLst/>
+            <a:gdLst>
+              <a:gd name="connsiteX0" fmla="*/ 0 w 792088"/>
+              <a:gd name="connsiteY0" fmla="*/ 0 h 864096"/>
+              <a:gd name="connsiteX1" fmla="*/ 792088 w 792088"/>
+              <a:gd name="connsiteY1" fmla="*/ 0 h 864096"/>
+              <a:gd name="connsiteX2" fmla="*/ 792088 w 792088"/>
+              <a:gd name="connsiteY2" fmla="*/ 864096 h 864096"/>
+              <a:gd name="connsiteX3" fmla="*/ 0 w 792088"/>
+              <a:gd name="connsiteY3" fmla="*/ 864096 h 864096"/>
+              <a:gd name="connsiteX4" fmla="*/ 0 w 792088"/>
+              <a:gd name="connsiteY4" fmla="*/ 0 h 864096"/>
+              <a:gd name="connsiteX0" fmla="*/ 0 w 936104"/>
+              <a:gd name="connsiteY0" fmla="*/ 2448272 h 3312368"/>
+              <a:gd name="connsiteX1" fmla="*/ 936104 w 936104"/>
+              <a:gd name="connsiteY1" fmla="*/ 0 h 3312368"/>
+              <a:gd name="connsiteX2" fmla="*/ 792088 w 936104"/>
+              <a:gd name="connsiteY2" fmla="*/ 3312368 h 3312368"/>
+              <a:gd name="connsiteX3" fmla="*/ 0 w 936104"/>
+              <a:gd name="connsiteY3" fmla="*/ 3312368 h 3312368"/>
+              <a:gd name="connsiteX4" fmla="*/ 0 w 936104"/>
+              <a:gd name="connsiteY4" fmla="*/ 2448272 h 3312368"/>
+              <a:gd name="connsiteX0" fmla="*/ 0 w 936104"/>
+              <a:gd name="connsiteY0" fmla="*/ 2448272 h 3312368"/>
+              <a:gd name="connsiteX1" fmla="*/ 936104 w 936104"/>
+              <a:gd name="connsiteY1" fmla="*/ 0 h 3312368"/>
+              <a:gd name="connsiteX2" fmla="*/ 936104 w 936104"/>
+              <a:gd name="connsiteY2" fmla="*/ 2880320 h 3312368"/>
+              <a:gd name="connsiteX3" fmla="*/ 0 w 936104"/>
+              <a:gd name="connsiteY3" fmla="*/ 3312368 h 3312368"/>
+              <a:gd name="connsiteX4" fmla="*/ 0 w 936104"/>
+              <a:gd name="connsiteY4" fmla="*/ 2448272 h 3312368"/>
+              <a:gd name="connsiteX0" fmla="*/ 0 w 936104"/>
+              <a:gd name="connsiteY0" fmla="*/ 2304256 h 3312368"/>
+              <a:gd name="connsiteX1" fmla="*/ 936104 w 936104"/>
+              <a:gd name="connsiteY1" fmla="*/ 0 h 3312368"/>
+              <a:gd name="connsiteX2" fmla="*/ 936104 w 936104"/>
+              <a:gd name="connsiteY2" fmla="*/ 2880320 h 3312368"/>
+              <a:gd name="connsiteX3" fmla="*/ 0 w 936104"/>
+              <a:gd name="connsiteY3" fmla="*/ 3312368 h 3312368"/>
+              <a:gd name="connsiteX4" fmla="*/ 0 w 936104"/>
+              <a:gd name="connsiteY4" fmla="*/ 2304256 h 3312368"/>
+              <a:gd name="connsiteX0" fmla="*/ 0 w 936104"/>
+              <a:gd name="connsiteY0" fmla="*/ 2304256 h 3672408"/>
+              <a:gd name="connsiteX1" fmla="*/ 936104 w 936104"/>
+              <a:gd name="connsiteY1" fmla="*/ 0 h 3672408"/>
+              <a:gd name="connsiteX2" fmla="*/ 936104 w 936104"/>
+              <a:gd name="connsiteY2" fmla="*/ 2880320 h 3672408"/>
+              <a:gd name="connsiteX3" fmla="*/ 0 w 936104"/>
+              <a:gd name="connsiteY3" fmla="*/ 3672408 h 3672408"/>
+              <a:gd name="connsiteX4" fmla="*/ 0 w 936104"/>
+              <a:gd name="connsiteY4" fmla="*/ 2304256 h 3672408"/>
+              <a:gd name="connsiteX0" fmla="*/ 0 w 936104"/>
+              <a:gd name="connsiteY0" fmla="*/ 2304256 h 3888432"/>
+              <a:gd name="connsiteX1" fmla="*/ 936104 w 936104"/>
+              <a:gd name="connsiteY1" fmla="*/ 0 h 3888432"/>
+              <a:gd name="connsiteX2" fmla="*/ 936104 w 936104"/>
+              <a:gd name="connsiteY2" fmla="*/ 3888432 h 3888432"/>
+              <a:gd name="connsiteX3" fmla="*/ 0 w 936104"/>
+              <a:gd name="connsiteY3" fmla="*/ 3672408 h 3888432"/>
+              <a:gd name="connsiteX4" fmla="*/ 0 w 936104"/>
+              <a:gd name="connsiteY4" fmla="*/ 2304256 h 3888432"/>
+            </a:gdLst>
+            <a:ahLst/>
+            <a:cxnLst>
+              <a:cxn ang="0">
+                <a:pos x="connsiteX0" y="connsiteY0"/>
+              </a:cxn>
+              <a:cxn ang="0">
+                <a:pos x="connsiteX1" y="connsiteY1"/>
+              </a:cxn>
+              <a:cxn ang="0">
+                <a:pos x="connsiteX2" y="connsiteY2"/>
+              </a:cxn>
+              <a:cxn ang="0">
+                <a:pos x="connsiteX3" y="connsiteY3"/>
+              </a:cxn>
+              <a:cxn ang="0">
+                <a:pos x="connsiteX4" y="connsiteY4"/>
+              </a:cxn>
+            </a:cxnLst>
+            <a:rect l="l" t="t" r="r" b="b"/>
+            <a:pathLst>
+              <a:path w="936104" h="3888432">
+                <a:moveTo>
+                  <a:pt x="0" y="2304256"/>
+                </a:moveTo>
+                <a:lnTo>
+                  <a:pt x="936104" y="0"/>
+                </a:lnTo>
+                <a:lnTo>
+                  <a:pt x="936104" y="3888432"/>
+                </a:lnTo>
+                <a:lnTo>
+                  <a:pt x="0" y="3672408"/>
+                </a:lnTo>
+                <a:lnTo>
+                  <a:pt x="0" y="2304256"/>
+                </a:lnTo>
+                <a:close/>
+              </a:path>
+            </a:pathLst>
+          </a:custGeom>
+          <a:gradFill>
+            <a:gsLst>
+              <a:gs pos="8000">
+                <a:srgbClr val="99CCFF">
+                  <a:alpha val="72000"/>
+                </a:srgbClr>
+              </a:gs>
+              <a:gs pos="100000">
+                <a:schemeClr val="bg1">
+                  <a:alpha val="0"/>
+                </a:schemeClr>
+              </a:gs>
+            </a:gsLst>
+            <a:lin ang="0" scaled="0"/>
+          </a:gradFill>
+          <a:ln>
+            <a:noFill/>
+          </a:ln>
+        </p:spPr>
+        <p:style>
+          <a:lnRef idx="2">
+            <a:schemeClr val="accent1">
+              <a:shade val="50000"/>
+            </a:schemeClr>
+          </a:lnRef>
+          <a:fillRef idx="1">
+            <a:schemeClr val="accent1"/>
+          </a:fillRef>
+          <a:effectRef idx="0">
+            <a:schemeClr val="accent1"/>
+          </a:effectRef>
+          <a:fontRef idx="minor">
+            <a:schemeClr val="lt1"/>
+          </a:fontRef>
+        </p:style>
+        <p:txBody>
+          <a:bodyPr rtlCol="0" anchor="ctr"/>
+          <a:lstStyle/>
+          <a:p>
+            <a:pPr algn="ctr"/>
+            <a:endParaRPr lang="ru-RU"/>
+          </a:p>
+        </p:txBody>
+      </p:sp>
+      <p:sp>
+        <p:nvSpPr>
+          <p:cNvPr id="96" name="Прямоугольник 95"/>
+          <p:cNvSpPr/>
+          <p:nvPr/>
+        </p:nvSpPr>
+        <p:spPr>
+          <a:xfrm>
+            <a:off x="7164288" y="5229200"/>
+            <a:ext cx="1440160" cy="648072"/>
+          </a:xfrm>
+          <a:prstGeom prst="rect">
+            <a:avLst/>
+          </a:prstGeom>
+          <a:solidFill>
+            <a:srgbClr val="00576E"/>
+          </a:solidFill>
+          <a:ln w="12700">
+            <a:solidFill>
+              <a:schemeClr val="tx1">
+                <a:alpha val="50196"/>
+              </a:schemeClr>
+            </a:solidFill>
+          </a:ln>
+        </p:spPr>
+        <p:style>
+          <a:lnRef idx="2">
+            <a:schemeClr val="accent1">
+              <a:shade val="50000"/>
+            </a:schemeClr>
+          </a:lnRef>
+          <a:fillRef idx="1">
+            <a:schemeClr val="accent1"/>
+          </a:fillRef>
+          <a:effectRef idx="0">
+            <a:schemeClr val="accent1"/>
+          </a:effectRef>
+          <a:fontRef idx="minor">
+            <a:schemeClr val="lt1"/>
+          </a:fontRef>
+        </p:style>
+        <p:txBody>
+          <a:bodyPr rtlCol="0" anchor="ctr"/>
+          <a:lstStyle/>
+          <a:p>
+            <a:r>
+              <a:rPr lang="en-US" sz="1400" dirty="0" smtClean="0"/>
+              <a:t>Computing</a:t>
+            </a:r>
+            <a:endParaRPr lang="ru-RU" sz="1400" dirty="0"/>
           </a:p>
         </p:txBody>
       </p:sp>
@@ -7946,7 +9790,7 @@
       </p:grpSpPr>
       <p:sp>
         <p:nvSpPr>
-          <p:cNvPr id="4" name="Заголовок 3"/>
+          <p:cNvPr id="2" name="Заголовок 1"/>
           <p:cNvSpPr>
             <a:spLocks noGrp="1"/>
           </p:cNvSpPr>
@@ -7960,388 +9804,25 @@
           <a:lstStyle/>
           <a:p>
             <a:r>
-              <a:rPr lang="ru-RU" sz="3600" dirty="0" smtClean="0"/>
+              <a:rPr lang="ru-RU" sz="3200" dirty="0" smtClean="0"/>
               <a:t>Буфер кадра, глубины и трафарета</a:t>
             </a:r>
             <a:br>
-              <a:rPr lang="ru-RU" sz="3600" dirty="0" smtClean="0"/>
+              <a:rPr lang="ru-RU" sz="3200" dirty="0" smtClean="0"/>
             </a:br>
-            <a:endParaRPr lang="ru-RU" sz="3600" dirty="0"/>
-          </a:p>
-        </p:txBody>
-      </p:sp>
-      <p:sp>
-        <p:nvSpPr>
-          <p:cNvPr id="6" name="Содержимое 5"/>
-          <p:cNvSpPr>
-            <a:spLocks noGrp="1"/>
-          </p:cNvSpPr>
-          <p:nvPr>
-            <p:ph sz="half" idx="2"/>
-          </p:nvPr>
-        </p:nvSpPr>
-        <p:spPr>
-          <a:xfrm>
-            <a:off x="2483768" y="1770501"/>
-            <a:ext cx="6210176" cy="4466811"/>
-          </a:xfrm>
-        </p:spPr>
-        <p:txBody>
-          <a:bodyPr>
-            <a:normAutofit/>
-          </a:bodyPr>
-          <a:lstStyle/>
-          <a:p>
-            <a:r>
-              <a:rPr lang="ru-RU" sz="3600" dirty="0" smtClean="0"/>
-              <a:t>Буфер цвета:</a:t>
-            </a:r>
-          </a:p>
-          <a:p>
-            <a:pPr lvl="1"/>
-            <a:r>
-              <a:rPr lang="en-US" dirty="0" smtClean="0">
-                <a:solidFill>
-                  <a:srgbClr val="FF0000"/>
-                </a:solidFill>
-              </a:rPr>
-              <a:t>R</a:t>
-            </a:r>
-            <a:r>
-              <a:rPr lang="en-US" dirty="0" smtClean="0">
-                <a:solidFill>
-                  <a:srgbClr val="92D050"/>
-                </a:solidFill>
-              </a:rPr>
-              <a:t>G</a:t>
-            </a:r>
-            <a:r>
-              <a:rPr lang="en-US" dirty="0" smtClean="0">
-                <a:solidFill>
-                  <a:srgbClr val="0070C0"/>
-                </a:solidFill>
-              </a:rPr>
-              <a:t>B</a:t>
-            </a:r>
-            <a:r>
-              <a:rPr lang="en-US" dirty="0" smtClean="0"/>
-              <a:t>, </a:t>
-            </a:r>
-            <a:r>
-              <a:rPr lang="en-US" dirty="0" smtClean="0">
-                <a:solidFill>
-                  <a:srgbClr val="FF0000"/>
-                </a:solidFill>
-              </a:rPr>
-              <a:t>R</a:t>
-            </a:r>
-            <a:r>
-              <a:rPr lang="en-US" dirty="0" smtClean="0">
-                <a:solidFill>
-                  <a:srgbClr val="92D050"/>
-                </a:solidFill>
-              </a:rPr>
-              <a:t>G</a:t>
-            </a:r>
-            <a:r>
-              <a:rPr lang="en-US" dirty="0" smtClean="0">
-                <a:solidFill>
-                  <a:srgbClr val="0070C0"/>
-                </a:solidFill>
-              </a:rPr>
-              <a:t>B</a:t>
-            </a:r>
-            <a:r>
-              <a:rPr lang="en-US" dirty="0" smtClean="0"/>
-              <a:t>A, </a:t>
-            </a:r>
-            <a:r>
-              <a:rPr lang="en-US" dirty="0" smtClean="0">
-                <a:solidFill>
-                  <a:srgbClr val="FF0000"/>
-                </a:solidFill>
-              </a:rPr>
-              <a:t>R</a:t>
-            </a:r>
-            <a:r>
-              <a:rPr lang="en-US" dirty="0" smtClean="0">
-                <a:solidFill>
-                  <a:srgbClr val="92D050"/>
-                </a:solidFill>
-              </a:rPr>
-              <a:t>G</a:t>
-            </a:r>
-            <a:r>
-              <a:rPr lang="en-US" dirty="0" smtClean="0"/>
-              <a:t>, </a:t>
-            </a:r>
-            <a:r>
-              <a:rPr lang="en-US" dirty="0" smtClean="0">
-                <a:solidFill>
-                  <a:srgbClr val="FF0000"/>
-                </a:solidFill>
-              </a:rPr>
-              <a:t>R</a:t>
-            </a:r>
-          </a:p>
-          <a:p>
-            <a:pPr lvl="1"/>
-            <a:r>
-              <a:rPr lang="en-US" dirty="0" smtClean="0"/>
-              <a:t>Fixed Point: 	1, 5, 8, 10, 16, 32</a:t>
-            </a:r>
-          </a:p>
-          <a:p>
-            <a:pPr lvl="1"/>
-            <a:r>
-              <a:rPr lang="en-US" dirty="0" smtClean="0"/>
-              <a:t>Floating Point:	7.3, 16, 32</a:t>
-            </a:r>
-          </a:p>
-          <a:p>
-            <a:pPr lvl="1"/>
-            <a:r>
-              <a:rPr lang="en-US" dirty="0" smtClean="0">
-                <a:solidFill>
-                  <a:srgbClr val="FF0000"/>
-                </a:solidFill>
-              </a:rPr>
-              <a:t>8</a:t>
-            </a:r>
-            <a:r>
-              <a:rPr lang="en-US" dirty="0" smtClean="0">
-                <a:solidFill>
-                  <a:srgbClr val="92D050"/>
-                </a:solidFill>
-              </a:rPr>
-              <a:t>8</a:t>
-            </a:r>
-            <a:r>
-              <a:rPr lang="en-US" dirty="0" smtClean="0">
-                <a:solidFill>
-                  <a:srgbClr val="0070C0"/>
-                </a:solidFill>
-              </a:rPr>
-              <a:t>8</a:t>
-            </a:r>
-            <a:r>
-              <a:rPr lang="en-US" dirty="0" smtClean="0">
-                <a:solidFill>
-                  <a:srgbClr val="FF0000"/>
-                </a:solidFill>
-              </a:rPr>
-              <a:t>, 8</a:t>
-            </a:r>
-            <a:r>
-              <a:rPr lang="en-US" dirty="0" smtClean="0">
-                <a:solidFill>
-                  <a:srgbClr val="92D050"/>
-                </a:solidFill>
-              </a:rPr>
-              <a:t>8</a:t>
-            </a:r>
-            <a:r>
-              <a:rPr lang="en-US" dirty="0" smtClean="0">
-                <a:solidFill>
-                  <a:srgbClr val="0070C0"/>
-                </a:solidFill>
-              </a:rPr>
-              <a:t>8</a:t>
-            </a:r>
-            <a:r>
-              <a:rPr lang="en-US" dirty="0" smtClean="0"/>
-              <a:t>8</a:t>
-            </a:r>
-            <a:r>
-              <a:rPr lang="en-US" dirty="0" smtClean="0">
-                <a:solidFill>
-                  <a:srgbClr val="FF0000"/>
-                </a:solidFill>
-              </a:rPr>
-              <a:t>, 5</a:t>
-            </a:r>
-            <a:r>
-              <a:rPr lang="en-US" dirty="0" smtClean="0">
-                <a:solidFill>
-                  <a:srgbClr val="92D050"/>
-                </a:solidFill>
-              </a:rPr>
-              <a:t>6</a:t>
-            </a:r>
-            <a:r>
-              <a:rPr lang="en-US" dirty="0" smtClean="0">
-                <a:solidFill>
-                  <a:srgbClr val="00B0F0"/>
-                </a:solidFill>
-              </a:rPr>
-              <a:t>5</a:t>
-            </a:r>
-            <a:r>
-              <a:rPr lang="en-US" dirty="0" smtClean="0">
-                <a:solidFill>
-                  <a:srgbClr val="FF0000"/>
-                </a:solidFill>
-              </a:rPr>
-              <a:t>, 5</a:t>
-            </a:r>
-            <a:r>
-              <a:rPr lang="en-US" dirty="0" smtClean="0">
-                <a:solidFill>
-                  <a:srgbClr val="92D050"/>
-                </a:solidFill>
-              </a:rPr>
-              <a:t>5</a:t>
-            </a:r>
-            <a:r>
-              <a:rPr lang="en-US" dirty="0" smtClean="0">
-                <a:solidFill>
-                  <a:srgbClr val="00B0F0"/>
-                </a:solidFill>
-              </a:rPr>
-              <a:t>5</a:t>
-            </a:r>
-            <a:r>
-              <a:rPr lang="en-US" dirty="0" smtClean="0"/>
-              <a:t>1</a:t>
-            </a:r>
-          </a:p>
-          <a:p>
-            <a:pPr lvl="1"/>
-            <a:r>
-              <a:rPr lang="en-US" dirty="0" smtClean="0">
-                <a:solidFill>
-                  <a:srgbClr val="FF0000"/>
-                </a:solidFill>
-              </a:rPr>
-              <a:t>16</a:t>
-            </a:r>
-            <a:r>
-              <a:rPr lang="en-US" dirty="0" smtClean="0"/>
-              <a:t> </a:t>
-            </a:r>
-            <a:r>
-              <a:rPr lang="en-US" dirty="0" smtClean="0">
-                <a:solidFill>
-                  <a:srgbClr val="92D050"/>
-                </a:solidFill>
-              </a:rPr>
-              <a:t>16</a:t>
-            </a:r>
-            <a:r>
-              <a:rPr lang="en-US" dirty="0" smtClean="0"/>
-              <a:t> </a:t>
-            </a:r>
-            <a:r>
-              <a:rPr lang="en-US" dirty="0" smtClean="0">
-                <a:solidFill>
-                  <a:srgbClr val="0070C0"/>
-                </a:solidFill>
-              </a:rPr>
-              <a:t>16</a:t>
-            </a:r>
-            <a:r>
-              <a:rPr lang="en-US" dirty="0" smtClean="0"/>
-              <a:t> 16, </a:t>
-            </a:r>
-            <a:r>
-              <a:rPr lang="en-US" dirty="0" smtClean="0">
-                <a:solidFill>
-                  <a:srgbClr val="FF0000"/>
-                </a:solidFill>
-              </a:rPr>
-              <a:t>32</a:t>
-            </a:r>
-            <a:r>
-              <a:rPr lang="en-US" dirty="0" smtClean="0"/>
-              <a:t> </a:t>
-            </a:r>
-            <a:r>
-              <a:rPr lang="en-US" dirty="0" smtClean="0">
-                <a:solidFill>
-                  <a:srgbClr val="92D050"/>
-                </a:solidFill>
-              </a:rPr>
-              <a:t>32</a:t>
-            </a:r>
-            <a:r>
-              <a:rPr lang="en-US" dirty="0" smtClean="0">
-                <a:solidFill>
-                  <a:srgbClr val="0070C0"/>
-                </a:solidFill>
-              </a:rPr>
-              <a:t> 32 </a:t>
-            </a:r>
-            <a:r>
-              <a:rPr lang="en-US" dirty="0" smtClean="0"/>
-              <a:t>32, </a:t>
-            </a:r>
-            <a:r>
-              <a:rPr lang="en-US" dirty="0" smtClean="0">
-                <a:solidFill>
-                  <a:srgbClr val="FF0000"/>
-                </a:solidFill>
-              </a:rPr>
-              <a:t>10</a:t>
-            </a:r>
-            <a:r>
-              <a:rPr lang="en-US" dirty="0" smtClean="0"/>
-              <a:t> </a:t>
-            </a:r>
-            <a:r>
-              <a:rPr lang="en-US" dirty="0" smtClean="0">
-                <a:solidFill>
-                  <a:srgbClr val="92D050"/>
-                </a:solidFill>
-              </a:rPr>
-              <a:t>10</a:t>
-            </a:r>
-            <a:r>
-              <a:rPr lang="en-US" dirty="0" smtClean="0"/>
-              <a:t> </a:t>
-            </a:r>
-            <a:r>
-              <a:rPr lang="en-US" dirty="0" smtClean="0">
-                <a:solidFill>
-                  <a:srgbClr val="0070C0"/>
-                </a:solidFill>
-              </a:rPr>
-              <a:t>10</a:t>
-            </a:r>
-            <a:r>
-              <a:rPr lang="en-US" dirty="0" smtClean="0"/>
-              <a:t> 2</a:t>
-            </a:r>
-          </a:p>
-          <a:p>
-            <a:r>
-              <a:rPr lang="ru-RU" dirty="0" smtClean="0"/>
-              <a:t>Буфер глубины и трафарета</a:t>
-            </a:r>
-          </a:p>
-          <a:p>
-            <a:pPr lvl="1"/>
-            <a:r>
-              <a:rPr lang="en-US" dirty="0" smtClean="0"/>
-              <a:t>D16</a:t>
-            </a:r>
-          </a:p>
-          <a:p>
-            <a:pPr lvl="1"/>
-            <a:r>
-              <a:rPr lang="en-US" dirty="0" smtClean="0"/>
-              <a:t>D24S8</a:t>
-            </a:r>
-            <a:endParaRPr lang="ru-RU" dirty="0"/>
+            <a:endParaRPr lang="ru-RU" sz="3200" dirty="0"/>
           </a:p>
         </p:txBody>
       </p:sp>
       <p:pic>
         <p:nvPicPr>
-          <p:cNvPr id="7" name="Содержимое 5" descr="color.bmp"/>
+          <p:cNvPr id="6" name="Содержимое 5" descr="color.bmp"/>
           <p:cNvPicPr>
-            <a:picLocks noChangeAspect="1"/>
+            <a:picLocks noGrp="1" noChangeAspect="1"/>
           </p:cNvPicPr>
-          <p:nvPr/>
+          <p:nvPr>
+            <p:ph idx="1"/>
+          </p:nvPr>
         </p:nvPicPr>
         <p:blipFill>
           <a:blip r:embed="rId2" cstate="print"/>
@@ -8351,8 +9832,34 @@
         </p:blipFill>
         <p:spPr>
           <a:xfrm>
-            <a:off x="467545" y="1772817"/>
-            <a:ext cx="1944215" cy="1399836"/>
+            <a:off x="611560" y="1412776"/>
+            <a:ext cx="4906830" cy="3816424"/>
+          </a:xfrm>
+          <a:ln>
+            <a:solidFill>
+              <a:schemeClr val="tx2"/>
+            </a:solidFill>
+          </a:ln>
+        </p:spPr>
+      </p:pic>
+      <p:pic>
+        <p:nvPicPr>
+          <p:cNvPr id="7" name="Рисунок 6" descr="depth.bmp"/>
+          <p:cNvPicPr>
+            <a:picLocks noChangeAspect="1"/>
+          </p:cNvPicPr>
+          <p:nvPr/>
+        </p:nvPicPr>
+        <p:blipFill>
+          <a:blip r:embed="rId3" cstate="print"/>
+          <a:stretch>
+            <a:fillRect/>
+          </a:stretch>
+        </p:blipFill>
+        <p:spPr>
+          <a:xfrm>
+            <a:off x="5580112" y="1412776"/>
+            <a:ext cx="3332942" cy="2592288"/>
           </a:xfrm>
           <a:prstGeom prst="rect">
             <a:avLst/>
@@ -8366,22 +9873,22 @@
       </p:pic>
       <p:pic>
         <p:nvPicPr>
-          <p:cNvPr id="8" name="Рисунок 7" descr="depth.bmp"/>
+          <p:cNvPr id="8" name="Рисунок 7" descr="stencil.bmp"/>
           <p:cNvPicPr>
             <a:picLocks noChangeAspect="1"/>
           </p:cNvPicPr>
           <p:nvPr/>
         </p:nvPicPr>
         <p:blipFill>
-          <a:blip r:embed="rId3" cstate="print"/>
+          <a:blip r:embed="rId4" cstate="print"/>
           <a:stretch>
             <a:fillRect/>
           </a:stretch>
         </p:blipFill>
         <p:spPr>
           <a:xfrm>
-            <a:off x="467544" y="3284984"/>
-            <a:ext cx="1935255" cy="1399835"/>
+            <a:off x="5580112" y="4077072"/>
+            <a:ext cx="3332942" cy="2592288"/>
           </a:xfrm>
           <a:prstGeom prst="rect">
             <a:avLst/>
@@ -8393,35 +9900,96 @@
           </a:ln>
         </p:spPr>
       </p:pic>
-      <p:pic>
-        <p:nvPicPr>
-          <p:cNvPr id="9" name="Рисунок 8" descr="stencil.bmp"/>
-          <p:cNvPicPr>
-            <a:picLocks noChangeAspect="1"/>
-          </p:cNvPicPr>
-          <p:nvPr/>
-        </p:nvPicPr>
-        <p:blipFill>
-          <a:blip r:embed="rId4" cstate="print"/>
-          <a:stretch>
-            <a:fillRect/>
-          </a:stretch>
-        </p:blipFill>
+      <p:sp>
+        <p:nvSpPr>
+          <p:cNvPr id="9" name="TextBox 8"/>
+          <p:cNvSpPr txBox="1"/>
+          <p:nvPr/>
+        </p:nvSpPr>
         <p:spPr>
           <a:xfrm>
-            <a:off x="467544" y="4797152"/>
-            <a:ext cx="1944216" cy="1399836"/>
+            <a:off x="683568" y="1484784"/>
+            <a:ext cx="1296144" cy="369332"/>
           </a:xfrm>
           <a:prstGeom prst="rect">
             <a:avLst/>
           </a:prstGeom>
-          <a:ln>
-            <a:solidFill>
-              <a:schemeClr val="tx2"/>
-            </a:solidFill>
-          </a:ln>
-        </p:spPr>
-      </p:pic>
+          <a:noFill/>
+        </p:spPr>
+        <p:txBody>
+          <a:bodyPr wrap="square" rtlCol="0">
+            <a:spAutoFit/>
+          </a:bodyPr>
+          <a:lstStyle/>
+          <a:p>
+            <a:r>
+              <a:rPr lang="en-US" dirty="0" smtClean="0"/>
+              <a:t>Color</a:t>
+            </a:r>
+            <a:endParaRPr lang="ru-RU" dirty="0"/>
+          </a:p>
+        </p:txBody>
+      </p:sp>
+      <p:sp>
+        <p:nvSpPr>
+          <p:cNvPr id="10" name="TextBox 9"/>
+          <p:cNvSpPr txBox="1"/>
+          <p:nvPr/>
+        </p:nvSpPr>
+        <p:spPr>
+          <a:xfrm>
+            <a:off x="5652120" y="1484784"/>
+            <a:ext cx="1296144" cy="369332"/>
+          </a:xfrm>
+          <a:prstGeom prst="rect">
+            <a:avLst/>
+          </a:prstGeom>
+          <a:noFill/>
+        </p:spPr>
+        <p:txBody>
+          <a:bodyPr wrap="square" rtlCol="0">
+            <a:spAutoFit/>
+          </a:bodyPr>
+          <a:lstStyle/>
+          <a:p>
+            <a:r>
+              <a:rPr lang="en-US" dirty="0" smtClean="0"/>
+              <a:t>Depth</a:t>
+            </a:r>
+            <a:endParaRPr lang="ru-RU" dirty="0"/>
+          </a:p>
+        </p:txBody>
+      </p:sp>
+      <p:sp>
+        <p:nvSpPr>
+          <p:cNvPr id="11" name="TextBox 10"/>
+          <p:cNvSpPr txBox="1"/>
+          <p:nvPr/>
+        </p:nvSpPr>
+        <p:spPr>
+          <a:xfrm>
+            <a:off x="5652120" y="4149080"/>
+            <a:ext cx="1296144" cy="369332"/>
+          </a:xfrm>
+          <a:prstGeom prst="rect">
+            <a:avLst/>
+          </a:prstGeom>
+          <a:noFill/>
+        </p:spPr>
+        <p:txBody>
+          <a:bodyPr wrap="square" rtlCol="0">
+            <a:spAutoFit/>
+          </a:bodyPr>
+          <a:lstStyle/>
+          <a:p>
+            <a:r>
+              <a:rPr lang="en-US" dirty="0" smtClean="0"/>
+              <a:t>Stencil</a:t>
+            </a:r>
+            <a:endParaRPr lang="ru-RU" dirty="0"/>
+          </a:p>
+        </p:txBody>
+      </p:sp>
     </p:spTree>
   </p:cSld>
   <p:clrMapOvr>
@@ -8456,7 +10024,7 @@
       </p:grpSpPr>
       <p:sp>
         <p:nvSpPr>
-          <p:cNvPr id="2" name="Заголовок 1"/>
+          <p:cNvPr id="4" name="Заголовок 3"/>
           <p:cNvSpPr>
             <a:spLocks noGrp="1"/>
           </p:cNvSpPr>
@@ -8470,56 +10038,480 @@
           <a:lstStyle/>
           <a:p>
             <a:r>
-              <a:rPr lang="ru-RU" sz="3200" dirty="0" smtClean="0"/>
-              <a:t>Массивы вершин</a:t>
-            </a:r>
-            <a:r>
-              <a:rPr lang="en-US" sz="3200" dirty="0" smtClean="0"/>
-              <a:t> </a:t>
-            </a:r>
-            <a:r>
-              <a:rPr lang="ru-RU" sz="3200" dirty="0" smtClean="0"/>
-              <a:t>и массивы </a:t>
-            </a:r>
-            <a:r>
-              <a:rPr lang="ru-RU" sz="3200" dirty="0" smtClean="0"/>
-              <a:t>индексов, декларации вершин</a:t>
-            </a:r>
-            <a:r>
-              <a:rPr lang="ru-RU" sz="3200" dirty="0" smtClean="0"/>
-              <a:t/>
+              <a:rPr lang="ru-RU" sz="3600" dirty="0" smtClean="0"/>
+              <a:t>Буфер кадра, глубины и трафарета</a:t>
             </a:r>
             <a:br>
-              <a:rPr lang="ru-RU" sz="3200" dirty="0" smtClean="0"/>
+              <a:rPr lang="ru-RU" sz="3600" dirty="0" smtClean="0"/>
             </a:br>
-            <a:endParaRPr lang="ru-RU" sz="3200" dirty="0"/>
-          </a:p>
-        </p:txBody>
-      </p:sp>
-      <p:sp>
-        <p:nvSpPr>
-          <p:cNvPr id="5" name="Содержимое 4"/>
+            <a:endParaRPr lang="ru-RU" sz="3600" dirty="0"/>
+          </a:p>
+        </p:txBody>
+      </p:sp>
+      <p:sp>
+        <p:nvSpPr>
+          <p:cNvPr id="6" name="Содержимое 5"/>
           <p:cNvSpPr>
             <a:spLocks noGrp="1"/>
           </p:cNvSpPr>
           <p:nvPr>
-            <p:ph idx="1"/>
+            <p:ph sz="half" idx="2"/>
           </p:nvPr>
         </p:nvSpPr>
-        <p:spPr/>
-        <p:txBody>
-          <a:bodyPr/>
+        <p:spPr>
+          <a:xfrm>
+            <a:off x="2483768" y="1770501"/>
+            <a:ext cx="6210176" cy="4466811"/>
+          </a:xfrm>
+        </p:spPr>
+        <p:txBody>
+          <a:bodyPr>
+            <a:normAutofit/>
+          </a:bodyPr>
           <a:lstStyle/>
           <a:p>
+            <a:r>
+              <a:rPr lang="ru-RU" sz="3600" dirty="0" smtClean="0"/>
+              <a:t>Буфер цвета:</a:t>
+            </a:r>
+          </a:p>
+          <a:p>
+            <a:pPr lvl="1"/>
+            <a:r>
+              <a:rPr lang="en-US" dirty="0" smtClean="0">
+                <a:solidFill>
+                  <a:srgbClr val="FF0000"/>
+                </a:solidFill>
+              </a:rPr>
+              <a:t>R</a:t>
+            </a:r>
+            <a:r>
+              <a:rPr lang="en-US" dirty="0" smtClean="0">
+                <a:solidFill>
+                  <a:srgbClr val="92D050"/>
+                </a:solidFill>
+              </a:rPr>
+              <a:t>G</a:t>
+            </a:r>
+            <a:r>
+              <a:rPr lang="en-US" dirty="0" smtClean="0">
+                <a:solidFill>
+                  <a:srgbClr val="0070C0"/>
+                </a:solidFill>
+              </a:rPr>
+              <a:t>B</a:t>
+            </a:r>
+            <a:r>
+              <a:rPr lang="en-US" dirty="0" smtClean="0"/>
+              <a:t>, </a:t>
+            </a:r>
+            <a:r>
+              <a:rPr lang="en-US" dirty="0" smtClean="0">
+                <a:solidFill>
+                  <a:srgbClr val="FF0000"/>
+                </a:solidFill>
+              </a:rPr>
+              <a:t>R</a:t>
+            </a:r>
+            <a:r>
+              <a:rPr lang="en-US" dirty="0" smtClean="0">
+                <a:solidFill>
+                  <a:srgbClr val="92D050"/>
+                </a:solidFill>
+              </a:rPr>
+              <a:t>G</a:t>
+            </a:r>
+            <a:r>
+              <a:rPr lang="en-US" dirty="0" smtClean="0">
+                <a:solidFill>
+                  <a:srgbClr val="0070C0"/>
+                </a:solidFill>
+              </a:rPr>
+              <a:t>B</a:t>
+            </a:r>
+            <a:r>
+              <a:rPr lang="en-US" dirty="0" smtClean="0"/>
+              <a:t>A, </a:t>
+            </a:r>
+            <a:r>
+              <a:rPr lang="en-US" dirty="0" smtClean="0">
+                <a:solidFill>
+                  <a:srgbClr val="FF0000"/>
+                </a:solidFill>
+              </a:rPr>
+              <a:t>R</a:t>
+            </a:r>
+            <a:r>
+              <a:rPr lang="en-US" dirty="0" smtClean="0">
+                <a:solidFill>
+                  <a:srgbClr val="92D050"/>
+                </a:solidFill>
+              </a:rPr>
+              <a:t>G</a:t>
+            </a:r>
+            <a:r>
+              <a:rPr lang="en-US" dirty="0" smtClean="0"/>
+              <a:t>, </a:t>
+            </a:r>
+            <a:r>
+              <a:rPr lang="en-US" dirty="0" smtClean="0">
+                <a:solidFill>
+                  <a:srgbClr val="FF0000"/>
+                </a:solidFill>
+              </a:rPr>
+              <a:t>R</a:t>
+            </a:r>
+          </a:p>
+          <a:p>
+            <a:pPr lvl="1"/>
+            <a:r>
+              <a:rPr lang="en-US" dirty="0" smtClean="0"/>
+              <a:t>Fixed Point: 	1, 5, 8, 10, 16, 32</a:t>
+            </a:r>
+          </a:p>
+          <a:p>
+            <a:pPr lvl="1"/>
+            <a:r>
+              <a:rPr lang="en-US" dirty="0" smtClean="0"/>
+              <a:t>Floating Point:	7.3, 16, 32</a:t>
+            </a:r>
+          </a:p>
+          <a:p>
+            <a:pPr lvl="1"/>
+            <a:r>
+              <a:rPr lang="en-US" dirty="0" smtClean="0">
+                <a:solidFill>
+                  <a:srgbClr val="FF0000"/>
+                </a:solidFill>
+              </a:rPr>
+              <a:t>8</a:t>
+            </a:r>
+            <a:r>
+              <a:rPr lang="en-US" dirty="0" smtClean="0">
+                <a:solidFill>
+                  <a:srgbClr val="92D050"/>
+                </a:solidFill>
+              </a:rPr>
+              <a:t>8</a:t>
+            </a:r>
+            <a:r>
+              <a:rPr lang="en-US" dirty="0" smtClean="0">
+                <a:solidFill>
+                  <a:srgbClr val="0070C0"/>
+                </a:solidFill>
+              </a:rPr>
+              <a:t>8</a:t>
+            </a:r>
+            <a:r>
+              <a:rPr lang="en-US" dirty="0" smtClean="0">
+                <a:solidFill>
+                  <a:srgbClr val="FF0000"/>
+                </a:solidFill>
+              </a:rPr>
+              <a:t>, 8</a:t>
+            </a:r>
+            <a:r>
+              <a:rPr lang="en-US" dirty="0" smtClean="0">
+                <a:solidFill>
+                  <a:srgbClr val="92D050"/>
+                </a:solidFill>
+              </a:rPr>
+              <a:t>8</a:t>
+            </a:r>
+            <a:r>
+              <a:rPr lang="en-US" dirty="0" smtClean="0">
+                <a:solidFill>
+                  <a:srgbClr val="0070C0"/>
+                </a:solidFill>
+              </a:rPr>
+              <a:t>8</a:t>
+            </a:r>
+            <a:r>
+              <a:rPr lang="en-US" dirty="0" smtClean="0"/>
+              <a:t>8</a:t>
+            </a:r>
+            <a:r>
+              <a:rPr lang="en-US" dirty="0" smtClean="0">
+                <a:solidFill>
+                  <a:srgbClr val="FF0000"/>
+                </a:solidFill>
+              </a:rPr>
+              <a:t>, 5</a:t>
+            </a:r>
+            <a:r>
+              <a:rPr lang="en-US" dirty="0" smtClean="0">
+                <a:solidFill>
+                  <a:srgbClr val="92D050"/>
+                </a:solidFill>
+              </a:rPr>
+              <a:t>6</a:t>
+            </a:r>
+            <a:r>
+              <a:rPr lang="en-US" dirty="0" smtClean="0">
+                <a:solidFill>
+                  <a:srgbClr val="00B0F0"/>
+                </a:solidFill>
+              </a:rPr>
+              <a:t>5</a:t>
+            </a:r>
+            <a:r>
+              <a:rPr lang="en-US" dirty="0" smtClean="0">
+                <a:solidFill>
+                  <a:srgbClr val="FF0000"/>
+                </a:solidFill>
+              </a:rPr>
+              <a:t>, 5</a:t>
+            </a:r>
+            <a:r>
+              <a:rPr lang="en-US" dirty="0" smtClean="0">
+                <a:solidFill>
+                  <a:srgbClr val="92D050"/>
+                </a:solidFill>
+              </a:rPr>
+              <a:t>5</a:t>
+            </a:r>
+            <a:r>
+              <a:rPr lang="en-US" dirty="0" smtClean="0">
+                <a:solidFill>
+                  <a:srgbClr val="00B0F0"/>
+                </a:solidFill>
+              </a:rPr>
+              <a:t>5</a:t>
+            </a:r>
+            <a:r>
+              <a:rPr lang="en-US" dirty="0" smtClean="0"/>
+              <a:t>1</a:t>
+            </a:r>
+          </a:p>
+          <a:p>
+            <a:pPr lvl="1"/>
+            <a:r>
+              <a:rPr lang="en-US" dirty="0" smtClean="0">
+                <a:solidFill>
+                  <a:srgbClr val="FF0000"/>
+                </a:solidFill>
+              </a:rPr>
+              <a:t>16</a:t>
+            </a:r>
+            <a:r>
+              <a:rPr lang="en-US" dirty="0" smtClean="0"/>
+              <a:t> </a:t>
+            </a:r>
+            <a:r>
+              <a:rPr lang="en-US" dirty="0" smtClean="0">
+                <a:solidFill>
+                  <a:srgbClr val="92D050"/>
+                </a:solidFill>
+              </a:rPr>
+              <a:t>16</a:t>
+            </a:r>
+            <a:r>
+              <a:rPr lang="en-US" dirty="0" smtClean="0"/>
+              <a:t> </a:t>
+            </a:r>
+            <a:r>
+              <a:rPr lang="en-US" dirty="0" smtClean="0">
+                <a:solidFill>
+                  <a:srgbClr val="0070C0"/>
+                </a:solidFill>
+              </a:rPr>
+              <a:t>16</a:t>
+            </a:r>
+            <a:r>
+              <a:rPr lang="en-US" dirty="0" smtClean="0"/>
+              <a:t> 16, </a:t>
+            </a:r>
+            <a:r>
+              <a:rPr lang="en-US" dirty="0" smtClean="0">
+                <a:solidFill>
+                  <a:srgbClr val="FF0000"/>
+                </a:solidFill>
+              </a:rPr>
+              <a:t>32</a:t>
+            </a:r>
+            <a:r>
+              <a:rPr lang="en-US" dirty="0" smtClean="0"/>
+              <a:t> </a:t>
+            </a:r>
+            <a:r>
+              <a:rPr lang="en-US" dirty="0" smtClean="0">
+                <a:solidFill>
+                  <a:srgbClr val="92D050"/>
+                </a:solidFill>
+              </a:rPr>
+              <a:t>32</a:t>
+            </a:r>
+            <a:r>
+              <a:rPr lang="en-US" dirty="0" smtClean="0">
+                <a:solidFill>
+                  <a:srgbClr val="0070C0"/>
+                </a:solidFill>
+              </a:rPr>
+              <a:t> 32 </a:t>
+            </a:r>
+            <a:r>
+              <a:rPr lang="en-US" dirty="0" smtClean="0"/>
+              <a:t>32, </a:t>
+            </a:r>
+            <a:r>
+              <a:rPr lang="en-US" dirty="0" smtClean="0">
+                <a:solidFill>
+                  <a:srgbClr val="FF0000"/>
+                </a:solidFill>
+              </a:rPr>
+              <a:t>10</a:t>
+            </a:r>
+            <a:r>
+              <a:rPr lang="en-US" dirty="0" smtClean="0"/>
+              <a:t> </a:t>
+            </a:r>
+            <a:r>
+              <a:rPr lang="en-US" dirty="0" smtClean="0">
+                <a:solidFill>
+                  <a:srgbClr val="92D050"/>
+                </a:solidFill>
+              </a:rPr>
+              <a:t>10</a:t>
+            </a:r>
+            <a:r>
+              <a:rPr lang="en-US" dirty="0" smtClean="0"/>
+              <a:t> </a:t>
+            </a:r>
+            <a:r>
+              <a:rPr lang="en-US" dirty="0" smtClean="0">
+                <a:solidFill>
+                  <a:srgbClr val="0070C0"/>
+                </a:solidFill>
+              </a:rPr>
+              <a:t>10</a:t>
+            </a:r>
+            <a:r>
+              <a:rPr lang="en-US" dirty="0" smtClean="0"/>
+              <a:t> 2</a:t>
+            </a:r>
+          </a:p>
+          <a:p>
+            <a:r>
+              <a:rPr lang="ru-RU" dirty="0" smtClean="0"/>
+              <a:t>Буфер глубины и трафарета</a:t>
+            </a:r>
+          </a:p>
+          <a:p>
+            <a:pPr lvl="1"/>
+            <a:r>
+              <a:rPr lang="en-US" dirty="0" smtClean="0"/>
+              <a:t>D16</a:t>
+            </a:r>
+          </a:p>
+          <a:p>
+            <a:pPr lvl="1"/>
+            <a:r>
+              <a:rPr lang="en-US" dirty="0" smtClean="0"/>
+              <a:t>D24S8</a:t>
+            </a:r>
             <a:endParaRPr lang="ru-RU" dirty="0"/>
           </a:p>
         </p:txBody>
       </p:sp>
+      <p:pic>
+        <p:nvPicPr>
+          <p:cNvPr id="7" name="Содержимое 5" descr="color.bmp"/>
+          <p:cNvPicPr>
+            <a:picLocks noChangeAspect="1"/>
+          </p:cNvPicPr>
+          <p:nvPr/>
+        </p:nvPicPr>
+        <p:blipFill>
+          <a:blip r:embed="rId2" cstate="print"/>
+          <a:stretch>
+            <a:fillRect/>
+          </a:stretch>
+        </p:blipFill>
+        <p:spPr>
+          <a:xfrm>
+            <a:off x="467545" y="1772817"/>
+            <a:ext cx="1944215" cy="1399836"/>
+          </a:xfrm>
+          <a:prstGeom prst="rect">
+            <a:avLst/>
+          </a:prstGeom>
+          <a:ln>
+            <a:solidFill>
+              <a:schemeClr val="tx2"/>
+            </a:solidFill>
+          </a:ln>
+        </p:spPr>
+      </p:pic>
+      <p:pic>
+        <p:nvPicPr>
+          <p:cNvPr id="8" name="Рисунок 7" descr="depth.bmp"/>
+          <p:cNvPicPr>
+            <a:picLocks noChangeAspect="1"/>
+          </p:cNvPicPr>
+          <p:nvPr/>
+        </p:nvPicPr>
+        <p:blipFill>
+          <a:blip r:embed="rId3" cstate="print"/>
+          <a:stretch>
+            <a:fillRect/>
+          </a:stretch>
+        </p:blipFill>
+        <p:spPr>
+          <a:xfrm>
+            <a:off x="467544" y="3284984"/>
+            <a:ext cx="1935255" cy="1399835"/>
+          </a:xfrm>
+          <a:prstGeom prst="rect">
+            <a:avLst/>
+          </a:prstGeom>
+          <a:ln>
+            <a:solidFill>
+              <a:schemeClr val="tx2"/>
+            </a:solidFill>
+          </a:ln>
+        </p:spPr>
+      </p:pic>
+      <p:pic>
+        <p:nvPicPr>
+          <p:cNvPr id="9" name="Рисунок 8" descr="stencil.bmp"/>
+          <p:cNvPicPr>
+            <a:picLocks noChangeAspect="1"/>
+          </p:cNvPicPr>
+          <p:nvPr/>
+        </p:nvPicPr>
+        <p:blipFill>
+          <a:blip r:embed="rId4" cstate="print"/>
+          <a:stretch>
+            <a:fillRect/>
+          </a:stretch>
+        </p:blipFill>
+        <p:spPr>
+          <a:xfrm>
+            <a:off x="467544" y="4797152"/>
+            <a:ext cx="1944216" cy="1399836"/>
+          </a:xfrm>
+          <a:prstGeom prst="rect">
+            <a:avLst/>
+          </a:prstGeom>
+          <a:ln>
+            <a:solidFill>
+              <a:schemeClr val="tx2"/>
+            </a:solidFill>
+          </a:ln>
+        </p:spPr>
+      </p:pic>
     </p:spTree>
   </p:cSld>
   <p:clrMapOvr>
     <a:masterClrMapping/>
   </p:clrMapOvr>
+  <p:timing>
+    <p:tnLst>
+      <p:par>
+        <p:cTn id="1" dur="indefinite" restart="never" nodeType="tmRoot"/>
+      </p:par>
+    </p:tnLst>
+  </p:timing>
 </p:sld>
 </file>
 
@@ -8547,59 +10539,2794 @@
             <a:spLocks noGrp="1"/>
           </p:cNvSpPr>
           <p:nvPr>
-            <p:ph type="ctrTitle"/>
+            <p:ph type="title"/>
           </p:nvPr>
         </p:nvSpPr>
         <p:spPr/>
         <p:txBody>
-          <a:bodyPr>
-            <a:normAutofit fontScale="90000"/>
+          <a:bodyPr/>
+          <a:lstStyle/>
+          <a:p>
+            <a:r>
+              <a:rPr lang="ru-RU" sz="3200" dirty="0" smtClean="0"/>
+              <a:t>Массивы вершин</a:t>
+            </a:r>
+            <a:r>
+              <a:rPr lang="en-US" sz="3200" dirty="0" smtClean="0"/>
+              <a:t> </a:t>
+            </a:r>
+            <a:r>
+              <a:rPr lang="ru-RU" sz="3200" dirty="0" smtClean="0"/>
+              <a:t>и массивы индексов, декларации вершин</a:t>
+            </a:r>
+            <a:br>
+              <a:rPr lang="ru-RU" sz="3200" dirty="0" smtClean="0"/>
+            </a:br>
+            <a:endParaRPr lang="ru-RU" sz="3200" dirty="0"/>
+          </a:p>
+        </p:txBody>
+      </p:sp>
+      <p:sp>
+        <p:nvSpPr>
+          <p:cNvPr id="28" name="Прямоугольник 27"/>
+          <p:cNvSpPr/>
+          <p:nvPr/>
+        </p:nvSpPr>
+        <p:spPr>
+          <a:xfrm>
+            <a:off x="539552" y="1988840"/>
+            <a:ext cx="8352928" cy="1008112"/>
+          </a:xfrm>
+          <a:prstGeom prst="rect">
+            <a:avLst/>
+          </a:prstGeom>
+          <a:solidFill>
+            <a:schemeClr val="accent4">
+              <a:lumMod val="50000"/>
+              <a:alpha val="50196"/>
+            </a:schemeClr>
+          </a:solidFill>
+          <a:ln w="12700">
+            <a:solidFill>
+              <a:srgbClr val="FFFFFF">
+                <a:alpha val="50196"/>
+              </a:srgbClr>
+            </a:solidFill>
+          </a:ln>
+        </p:spPr>
+        <p:style>
+          <a:lnRef idx="2">
+            <a:schemeClr val="accent1">
+              <a:shade val="50000"/>
+            </a:schemeClr>
+          </a:lnRef>
+          <a:fillRef idx="1">
+            <a:schemeClr val="accent1"/>
+          </a:fillRef>
+          <a:effectRef idx="0">
+            <a:schemeClr val="accent1"/>
+          </a:effectRef>
+          <a:fontRef idx="minor">
+            <a:schemeClr val="lt1"/>
+          </a:fontRef>
+        </p:style>
+        <p:txBody>
+          <a:bodyPr rtlCol="0" anchor="ctr"/>
+          <a:lstStyle/>
+          <a:p>
+            <a:pPr algn="ctr"/>
+            <a:endParaRPr lang="ru-RU"/>
+          </a:p>
+        </p:txBody>
+      </p:sp>
+      <p:sp>
+        <p:nvSpPr>
+          <p:cNvPr id="29" name="Прямоугольник 28"/>
+          <p:cNvSpPr/>
+          <p:nvPr/>
+        </p:nvSpPr>
+        <p:spPr>
+          <a:xfrm>
+            <a:off x="971600" y="2060848"/>
+            <a:ext cx="3600400" cy="864096"/>
+          </a:xfrm>
+          <a:prstGeom prst="rect">
+            <a:avLst/>
+          </a:prstGeom>
+          <a:solidFill>
+            <a:schemeClr val="accent4">
+              <a:lumMod val="50000"/>
+              <a:alpha val="50196"/>
+            </a:schemeClr>
+          </a:solidFill>
+          <a:ln w="12700">
+            <a:solidFill>
+              <a:srgbClr val="FFFFFF">
+                <a:alpha val="50196"/>
+              </a:srgbClr>
+            </a:solidFill>
+          </a:ln>
+        </p:spPr>
+        <p:style>
+          <a:lnRef idx="2">
+            <a:schemeClr val="accent1">
+              <a:shade val="50000"/>
+            </a:schemeClr>
+          </a:lnRef>
+          <a:fillRef idx="1">
+            <a:schemeClr val="accent1"/>
+          </a:fillRef>
+          <a:effectRef idx="0">
+            <a:schemeClr val="accent1"/>
+          </a:effectRef>
+          <a:fontRef idx="minor">
+            <a:schemeClr val="lt1"/>
+          </a:fontRef>
+        </p:style>
+        <p:txBody>
+          <a:bodyPr rtlCol="0" anchor="ctr"/>
+          <a:lstStyle/>
+          <a:p>
+            <a:pPr algn="ctr"/>
+            <a:endParaRPr lang="ru-RU"/>
+          </a:p>
+        </p:txBody>
+      </p:sp>
+      <p:sp>
+        <p:nvSpPr>
+          <p:cNvPr id="30" name="Прямоугольник 29"/>
+          <p:cNvSpPr/>
+          <p:nvPr/>
+        </p:nvSpPr>
+        <p:spPr>
+          <a:xfrm>
+            <a:off x="5724128" y="2060848"/>
+            <a:ext cx="2952328" cy="864096"/>
+          </a:xfrm>
+          <a:prstGeom prst="rect">
+            <a:avLst/>
+          </a:prstGeom>
+          <a:solidFill>
+            <a:schemeClr val="accent4">
+              <a:lumMod val="50000"/>
+              <a:alpha val="50196"/>
+            </a:schemeClr>
+          </a:solidFill>
+          <a:ln w="12700">
+            <a:solidFill>
+              <a:srgbClr val="FFFFFF">
+                <a:alpha val="50196"/>
+              </a:srgbClr>
+            </a:solidFill>
+          </a:ln>
+        </p:spPr>
+        <p:style>
+          <a:lnRef idx="2">
+            <a:schemeClr val="accent1">
+              <a:shade val="50000"/>
+            </a:schemeClr>
+          </a:lnRef>
+          <a:fillRef idx="1">
+            <a:schemeClr val="accent1"/>
+          </a:fillRef>
+          <a:effectRef idx="0">
+            <a:schemeClr val="accent1"/>
+          </a:effectRef>
+          <a:fontRef idx="minor">
+            <a:schemeClr val="lt1"/>
+          </a:fontRef>
+        </p:style>
+        <p:txBody>
+          <a:bodyPr rtlCol="0" anchor="ctr"/>
+          <a:lstStyle/>
+          <a:p>
+            <a:pPr algn="ctr"/>
+            <a:endParaRPr lang="ru-RU"/>
+          </a:p>
+        </p:txBody>
+      </p:sp>
+      <p:sp>
+        <p:nvSpPr>
+          <p:cNvPr id="31" name="Прямоугольник 30"/>
+          <p:cNvSpPr/>
+          <p:nvPr/>
+        </p:nvSpPr>
+        <p:spPr>
+          <a:xfrm>
+            <a:off x="1043608" y="2132856"/>
+            <a:ext cx="648072" cy="720080"/>
+          </a:xfrm>
+          <a:prstGeom prst="rect">
+            <a:avLst/>
+          </a:prstGeom>
+          <a:solidFill>
+            <a:schemeClr val="accent4">
+              <a:lumMod val="50000"/>
+              <a:alpha val="50196"/>
+            </a:schemeClr>
+          </a:solidFill>
+          <a:ln w="12700">
+            <a:solidFill>
+              <a:schemeClr val="tx1"/>
+            </a:solidFill>
+          </a:ln>
+        </p:spPr>
+        <p:style>
+          <a:lnRef idx="2">
+            <a:schemeClr val="accent1">
+              <a:shade val="50000"/>
+            </a:schemeClr>
+          </a:lnRef>
+          <a:fillRef idx="1">
+            <a:schemeClr val="accent1"/>
+          </a:fillRef>
+          <a:effectRef idx="0">
+            <a:schemeClr val="accent1"/>
+          </a:effectRef>
+          <a:fontRef idx="minor">
+            <a:schemeClr val="lt1"/>
+          </a:fontRef>
+        </p:style>
+        <p:txBody>
+          <a:bodyPr rtlCol="0" anchor="ctr"/>
+          <a:lstStyle/>
+          <a:p>
+            <a:pPr algn="ctr"/>
+            <a:r>
+              <a:rPr lang="en-US" dirty="0" smtClean="0"/>
+              <a:t>VX0</a:t>
+            </a:r>
+            <a:endParaRPr lang="ru-RU" dirty="0"/>
+          </a:p>
+        </p:txBody>
+      </p:sp>
+      <p:sp>
+        <p:nvSpPr>
+          <p:cNvPr id="36" name="Прямоугольник 35"/>
+          <p:cNvSpPr/>
+          <p:nvPr/>
+        </p:nvSpPr>
+        <p:spPr>
+          <a:xfrm>
+            <a:off x="1907704" y="2132856"/>
+            <a:ext cx="648072" cy="720080"/>
+          </a:xfrm>
+          <a:prstGeom prst="rect">
+            <a:avLst/>
+          </a:prstGeom>
+          <a:solidFill>
+            <a:schemeClr val="accent4">
+              <a:lumMod val="50000"/>
+              <a:alpha val="50196"/>
+            </a:schemeClr>
+          </a:solidFill>
+          <a:ln w="12700">
+            <a:solidFill>
+              <a:schemeClr val="tx1"/>
+            </a:solidFill>
+          </a:ln>
+        </p:spPr>
+        <p:style>
+          <a:lnRef idx="2">
+            <a:schemeClr val="accent1">
+              <a:shade val="50000"/>
+            </a:schemeClr>
+          </a:lnRef>
+          <a:fillRef idx="1">
+            <a:schemeClr val="accent1"/>
+          </a:fillRef>
+          <a:effectRef idx="0">
+            <a:schemeClr val="accent1"/>
+          </a:effectRef>
+          <a:fontRef idx="minor">
+            <a:schemeClr val="lt1"/>
+          </a:fontRef>
+        </p:style>
+        <p:txBody>
+          <a:bodyPr rtlCol="0" anchor="ctr"/>
+          <a:lstStyle/>
+          <a:p>
+            <a:pPr algn="ctr"/>
+            <a:r>
+              <a:rPr lang="en-US" dirty="0" smtClean="0"/>
+              <a:t>VX1</a:t>
+            </a:r>
+            <a:endParaRPr lang="ru-RU" dirty="0"/>
+          </a:p>
+        </p:txBody>
+      </p:sp>
+      <p:sp>
+        <p:nvSpPr>
+          <p:cNvPr id="37" name="Прямоугольник 36"/>
+          <p:cNvSpPr/>
+          <p:nvPr/>
+        </p:nvSpPr>
+        <p:spPr>
+          <a:xfrm>
+            <a:off x="2771800" y="2132856"/>
+            <a:ext cx="648072" cy="720080"/>
+          </a:xfrm>
+          <a:prstGeom prst="rect">
+            <a:avLst/>
+          </a:prstGeom>
+          <a:solidFill>
+            <a:schemeClr val="accent4">
+              <a:lumMod val="50000"/>
+              <a:alpha val="50196"/>
+            </a:schemeClr>
+          </a:solidFill>
+          <a:ln w="12700">
+            <a:solidFill>
+              <a:schemeClr val="tx1"/>
+            </a:solidFill>
+          </a:ln>
+        </p:spPr>
+        <p:style>
+          <a:lnRef idx="2">
+            <a:schemeClr val="accent1">
+              <a:shade val="50000"/>
+            </a:schemeClr>
+          </a:lnRef>
+          <a:fillRef idx="1">
+            <a:schemeClr val="accent1"/>
+          </a:fillRef>
+          <a:effectRef idx="0">
+            <a:schemeClr val="accent1"/>
+          </a:effectRef>
+          <a:fontRef idx="minor">
+            <a:schemeClr val="lt1"/>
+          </a:fontRef>
+        </p:style>
+        <p:txBody>
+          <a:bodyPr rtlCol="0" anchor="ctr"/>
+          <a:lstStyle/>
+          <a:p>
+            <a:pPr algn="ctr"/>
+            <a:r>
+              <a:rPr lang="en-US" dirty="0" smtClean="0"/>
+              <a:t>VX2</a:t>
+            </a:r>
+            <a:endParaRPr lang="ru-RU" dirty="0"/>
+          </a:p>
+        </p:txBody>
+      </p:sp>
+      <p:sp>
+        <p:nvSpPr>
+          <p:cNvPr id="38" name="Прямоугольник 37"/>
+          <p:cNvSpPr/>
+          <p:nvPr/>
+        </p:nvSpPr>
+        <p:spPr>
+          <a:xfrm>
+            <a:off x="3635896" y="2132856"/>
+            <a:ext cx="648072" cy="720080"/>
+          </a:xfrm>
+          <a:prstGeom prst="rect">
+            <a:avLst/>
+          </a:prstGeom>
+          <a:solidFill>
+            <a:schemeClr val="accent4">
+              <a:lumMod val="50000"/>
+              <a:alpha val="50196"/>
+            </a:schemeClr>
+          </a:solidFill>
+          <a:ln w="12700">
+            <a:solidFill>
+              <a:schemeClr val="tx1"/>
+            </a:solidFill>
+          </a:ln>
+        </p:spPr>
+        <p:style>
+          <a:lnRef idx="2">
+            <a:schemeClr val="accent1">
+              <a:shade val="50000"/>
+            </a:schemeClr>
+          </a:lnRef>
+          <a:fillRef idx="1">
+            <a:schemeClr val="accent1"/>
+          </a:fillRef>
+          <a:effectRef idx="0">
+            <a:schemeClr val="accent1"/>
+          </a:effectRef>
+          <a:fontRef idx="minor">
+            <a:schemeClr val="lt1"/>
+          </a:fontRef>
+        </p:style>
+        <p:txBody>
+          <a:bodyPr rtlCol="0" anchor="ctr"/>
+          <a:lstStyle/>
+          <a:p>
+            <a:pPr algn="ctr"/>
+            <a:r>
+              <a:rPr lang="en-US" dirty="0" smtClean="0"/>
+              <a:t>VX3</a:t>
+            </a:r>
+            <a:endParaRPr lang="ru-RU" dirty="0"/>
+          </a:p>
+        </p:txBody>
+      </p:sp>
+      <p:graphicFrame>
+        <p:nvGraphicFramePr>
+          <p:cNvPr id="49" name="Таблица 48"/>
+          <p:cNvGraphicFramePr>
+            <a:graphicFrameLocks noGrp="1"/>
+          </p:cNvGraphicFramePr>
+          <p:nvPr/>
+        </p:nvGraphicFramePr>
+        <p:xfrm>
+          <a:off x="1835696" y="3645024"/>
+          <a:ext cx="4464496" cy="3063893"/>
+        </p:xfrm>
+        <a:graphic>
+          <a:graphicData uri="http://schemas.openxmlformats.org/drawingml/2006/table">
+            <a:tbl>
+              <a:tblPr firstRow="1" bandRow="1">
+                <a:tableStyleId>{5C22544A-7EE6-4342-B048-85BDC9FD1C3A}</a:tableStyleId>
+              </a:tblPr>
+              <a:tblGrid>
+                <a:gridCol w="962931"/>
+                <a:gridCol w="1269317"/>
+                <a:gridCol w="864096"/>
+                <a:gridCol w="930458"/>
+                <a:gridCol w="437694"/>
+              </a:tblGrid>
+              <a:tr h="661517">
+                <a:tc>
+                  <a:txBody>
+                    <a:bodyPr/>
+                    <a:lstStyle/>
+                    <a:p>
+                      <a:r>
+                        <a:rPr lang="en-US" sz="1600" dirty="0" smtClean="0">
+                          <a:solidFill>
+                            <a:srgbClr val="FFFF00"/>
+                          </a:solidFill>
+                        </a:rPr>
+                        <a:t>Offset</a:t>
+                      </a:r>
+                      <a:endParaRPr lang="ru-RU" sz="1600" dirty="0">
+                        <a:solidFill>
+                          <a:srgbClr val="FFFF00"/>
+                        </a:solidFill>
+                      </a:endParaRPr>
+                    </a:p>
+                  </a:txBody>
+                  <a:tcPr>
+                    <a:solidFill>
+                      <a:schemeClr val="accent4">
+                        <a:lumMod val="50000"/>
+                      </a:schemeClr>
+                    </a:solidFill>
+                  </a:tcPr>
+                </a:tc>
+                <a:tc>
+                  <a:txBody>
+                    <a:bodyPr/>
+                    <a:lstStyle/>
+                    <a:p>
+                      <a:r>
+                        <a:rPr lang="en-US" sz="1600" dirty="0" smtClean="0">
+                          <a:solidFill>
+                            <a:srgbClr val="FFFF00"/>
+                          </a:solidFill>
+                        </a:rPr>
+                        <a:t>Usage</a:t>
+                      </a:r>
+                      <a:endParaRPr lang="ru-RU" sz="1600" dirty="0">
+                        <a:solidFill>
+                          <a:srgbClr val="FFFF00"/>
+                        </a:solidFill>
+                      </a:endParaRPr>
+                    </a:p>
+                  </a:txBody>
+                  <a:tcPr>
+                    <a:solidFill>
+                      <a:schemeClr val="accent4">
+                        <a:lumMod val="50000"/>
+                      </a:schemeClr>
+                    </a:solidFill>
+                  </a:tcPr>
+                </a:tc>
+                <a:tc>
+                  <a:txBody>
+                    <a:bodyPr/>
+                    <a:lstStyle/>
+                    <a:p>
+                      <a:r>
+                        <a:rPr lang="en-US" sz="1600" dirty="0" smtClean="0">
+                          <a:solidFill>
+                            <a:srgbClr val="FFFF00"/>
+                          </a:solidFill>
+                        </a:rPr>
+                        <a:t>Usage</a:t>
+                      </a:r>
+                    </a:p>
+                    <a:p>
+                      <a:r>
+                        <a:rPr lang="en-US" sz="1600" dirty="0" smtClean="0">
+                          <a:solidFill>
+                            <a:srgbClr val="FFFF00"/>
+                          </a:solidFill>
+                        </a:rPr>
+                        <a:t> </a:t>
+                      </a:r>
+                      <a:r>
+                        <a:rPr lang="en-US" sz="1600" dirty="0" err="1" smtClean="0">
+                          <a:solidFill>
+                            <a:srgbClr val="FFFF00"/>
+                          </a:solidFill>
+                        </a:rPr>
+                        <a:t>Idx</a:t>
+                      </a:r>
+                      <a:endParaRPr lang="ru-RU" sz="1600" dirty="0">
+                        <a:solidFill>
+                          <a:srgbClr val="FFFF00"/>
+                        </a:solidFill>
+                      </a:endParaRPr>
+                    </a:p>
+                  </a:txBody>
+                  <a:tcPr>
+                    <a:solidFill>
+                      <a:schemeClr val="accent4">
+                        <a:lumMod val="50000"/>
+                      </a:schemeClr>
+                    </a:solidFill>
+                  </a:tcPr>
+                </a:tc>
+                <a:tc>
+                  <a:txBody>
+                    <a:bodyPr/>
+                    <a:lstStyle/>
+                    <a:p>
+                      <a:r>
+                        <a:rPr lang="en-US" sz="1600" dirty="0" smtClean="0">
+                          <a:solidFill>
+                            <a:srgbClr val="FFFF00"/>
+                          </a:solidFill>
+                        </a:rPr>
+                        <a:t>Format</a:t>
+                      </a:r>
+                      <a:endParaRPr lang="ru-RU" sz="1600" dirty="0">
+                        <a:solidFill>
+                          <a:srgbClr val="FFFF00"/>
+                        </a:solidFill>
+                      </a:endParaRPr>
+                    </a:p>
+                  </a:txBody>
+                  <a:tcPr>
+                    <a:solidFill>
+                      <a:schemeClr val="accent4">
+                        <a:lumMod val="50000"/>
+                      </a:schemeClr>
+                    </a:solidFill>
+                  </a:tcPr>
+                </a:tc>
+                <a:tc>
+                  <a:txBody>
+                    <a:bodyPr/>
+                    <a:lstStyle/>
+                    <a:p>
+                      <a:endParaRPr lang="ru-RU" sz="1600" dirty="0">
+                        <a:solidFill>
+                          <a:srgbClr val="FFFF00"/>
+                        </a:solidFill>
+                      </a:endParaRPr>
+                    </a:p>
+                  </a:txBody>
+                  <a:tcPr>
+                    <a:solidFill>
+                      <a:schemeClr val="accent4">
+                        <a:lumMod val="50000"/>
+                      </a:schemeClr>
+                    </a:solidFill>
+                  </a:tcPr>
+                </a:tc>
+              </a:tr>
+              <a:tr h="465512">
+                <a:tc>
+                  <a:txBody>
+                    <a:bodyPr/>
+                    <a:lstStyle/>
+                    <a:p>
+                      <a:r>
+                        <a:rPr lang="en-US" sz="1600" dirty="0" smtClean="0">
+                          <a:solidFill>
+                            <a:schemeClr val="accent4">
+                              <a:lumMod val="20000"/>
+                              <a:lumOff val="80000"/>
+                            </a:schemeClr>
+                          </a:solidFill>
+                        </a:rPr>
+                        <a:t>0</a:t>
+                      </a:r>
+                      <a:endParaRPr lang="ru-RU" sz="1600" dirty="0">
+                        <a:solidFill>
+                          <a:schemeClr val="accent4">
+                            <a:lumMod val="20000"/>
+                            <a:lumOff val="80000"/>
+                          </a:schemeClr>
+                        </a:solidFill>
+                      </a:endParaRPr>
+                    </a:p>
+                  </a:txBody>
+                  <a:tcPr>
+                    <a:solidFill>
+                      <a:schemeClr val="accent4">
+                        <a:lumMod val="50000"/>
+                      </a:schemeClr>
+                    </a:solidFill>
+                  </a:tcPr>
+                </a:tc>
+                <a:tc>
+                  <a:txBody>
+                    <a:bodyPr/>
+                    <a:lstStyle/>
+                    <a:p>
+                      <a:r>
+                        <a:rPr lang="en-US" sz="1600" dirty="0" smtClean="0">
+                          <a:solidFill>
+                            <a:schemeClr val="accent4">
+                              <a:lumMod val="20000"/>
+                              <a:lumOff val="80000"/>
+                            </a:schemeClr>
+                          </a:solidFill>
+                        </a:rPr>
+                        <a:t>POSITION</a:t>
+                      </a:r>
+                      <a:endParaRPr lang="ru-RU" sz="1600" dirty="0">
+                        <a:solidFill>
+                          <a:schemeClr val="accent4">
+                            <a:lumMod val="20000"/>
+                            <a:lumOff val="80000"/>
+                          </a:schemeClr>
+                        </a:solidFill>
+                      </a:endParaRPr>
+                    </a:p>
+                  </a:txBody>
+                  <a:tcPr>
+                    <a:solidFill>
+                      <a:schemeClr val="accent4">
+                        <a:lumMod val="50000"/>
+                      </a:schemeClr>
+                    </a:solidFill>
+                  </a:tcPr>
+                </a:tc>
+                <a:tc>
+                  <a:txBody>
+                    <a:bodyPr/>
+                    <a:lstStyle/>
+                    <a:p>
+                      <a:r>
+                        <a:rPr lang="en-US" sz="1600" dirty="0" smtClean="0">
+                          <a:solidFill>
+                            <a:schemeClr val="accent4">
+                              <a:lumMod val="20000"/>
+                              <a:lumOff val="80000"/>
+                            </a:schemeClr>
+                          </a:solidFill>
+                        </a:rPr>
+                        <a:t>0</a:t>
+                      </a:r>
+                      <a:endParaRPr lang="ru-RU" sz="1600" dirty="0">
+                        <a:solidFill>
+                          <a:schemeClr val="accent4">
+                            <a:lumMod val="20000"/>
+                            <a:lumOff val="80000"/>
+                          </a:schemeClr>
+                        </a:solidFill>
+                      </a:endParaRPr>
+                    </a:p>
+                  </a:txBody>
+                  <a:tcPr>
+                    <a:solidFill>
+                      <a:schemeClr val="accent4">
+                        <a:lumMod val="50000"/>
+                      </a:schemeClr>
+                    </a:solidFill>
+                  </a:tcPr>
+                </a:tc>
+                <a:tc>
+                  <a:txBody>
+                    <a:bodyPr/>
+                    <a:lstStyle/>
+                    <a:p>
+                      <a:r>
+                        <a:rPr lang="en-US" sz="1600" dirty="0" smtClean="0">
+                          <a:solidFill>
+                            <a:schemeClr val="accent4">
+                              <a:lumMod val="20000"/>
+                              <a:lumOff val="80000"/>
+                            </a:schemeClr>
+                          </a:solidFill>
+                        </a:rPr>
+                        <a:t>Float4</a:t>
+                      </a:r>
+                      <a:endParaRPr lang="ru-RU" sz="1600" dirty="0">
+                        <a:solidFill>
+                          <a:schemeClr val="accent4">
+                            <a:lumMod val="20000"/>
+                            <a:lumOff val="80000"/>
+                          </a:schemeClr>
+                        </a:solidFill>
+                      </a:endParaRPr>
+                    </a:p>
+                  </a:txBody>
+                  <a:tcPr>
+                    <a:solidFill>
+                      <a:schemeClr val="accent4">
+                        <a:lumMod val="50000"/>
+                      </a:schemeClr>
+                    </a:solidFill>
+                  </a:tcPr>
+                </a:tc>
+                <a:tc rowSpan="6">
+                  <a:txBody>
+                    <a:bodyPr/>
+                    <a:lstStyle/>
+                    <a:p>
+                      <a:pPr algn="ctr"/>
+                      <a:r>
+                        <a:rPr lang="en-US" sz="1600" dirty="0" err="1" smtClean="0">
+                          <a:solidFill>
+                            <a:schemeClr val="accent4">
+                              <a:lumMod val="20000"/>
+                              <a:lumOff val="80000"/>
+                            </a:schemeClr>
+                          </a:solidFill>
+                        </a:rPr>
+                        <a:t>StrIde</a:t>
+                      </a:r>
+                      <a:r>
+                        <a:rPr lang="en-US" sz="1600" dirty="0" smtClean="0">
+                          <a:solidFill>
+                            <a:schemeClr val="accent4">
+                              <a:lumMod val="20000"/>
+                              <a:lumOff val="80000"/>
+                            </a:schemeClr>
+                          </a:solidFill>
+                        </a:rPr>
+                        <a:t> (54 + n)</a:t>
+                      </a:r>
+                      <a:endParaRPr lang="ru-RU" sz="1600" dirty="0">
+                        <a:solidFill>
+                          <a:schemeClr val="accent4">
+                            <a:lumMod val="20000"/>
+                            <a:lumOff val="80000"/>
+                          </a:schemeClr>
+                        </a:solidFill>
+                      </a:endParaRPr>
+                    </a:p>
+                  </a:txBody>
+                  <a:tcPr vert="vert270">
+                    <a:solidFill>
+                      <a:schemeClr val="accent4">
+                        <a:lumMod val="50000"/>
+                      </a:schemeClr>
+                    </a:solidFill>
+                  </a:tcPr>
+                </a:tc>
+              </a:tr>
+              <a:tr h="298091">
+                <a:tc>
+                  <a:txBody>
+                    <a:bodyPr/>
+                    <a:lstStyle/>
+                    <a:p>
+                      <a:r>
+                        <a:rPr lang="en-US" sz="1600" dirty="0" smtClean="0">
+                          <a:solidFill>
+                            <a:schemeClr val="accent4">
+                              <a:lumMod val="20000"/>
+                              <a:lumOff val="80000"/>
+                            </a:schemeClr>
+                          </a:solidFill>
+                        </a:rPr>
+                        <a:t>32</a:t>
+                      </a:r>
+                      <a:endParaRPr lang="ru-RU" sz="1600" dirty="0">
+                        <a:solidFill>
+                          <a:schemeClr val="accent4">
+                            <a:lumMod val="20000"/>
+                            <a:lumOff val="80000"/>
+                          </a:schemeClr>
+                        </a:solidFill>
+                      </a:endParaRPr>
+                    </a:p>
+                  </a:txBody>
+                  <a:tcPr>
+                    <a:solidFill>
+                      <a:schemeClr val="accent4">
+                        <a:lumMod val="50000"/>
+                      </a:schemeClr>
+                    </a:solidFill>
+                  </a:tcPr>
+                </a:tc>
+                <a:tc>
+                  <a:txBody>
+                    <a:bodyPr/>
+                    <a:lstStyle/>
+                    <a:p>
+                      <a:r>
+                        <a:rPr lang="en-US" sz="1600" dirty="0" smtClean="0">
+                          <a:solidFill>
+                            <a:schemeClr val="accent4">
+                              <a:lumMod val="20000"/>
+                              <a:lumOff val="80000"/>
+                            </a:schemeClr>
+                          </a:solidFill>
+                        </a:rPr>
+                        <a:t>COLOR</a:t>
+                      </a:r>
+                      <a:endParaRPr lang="ru-RU" sz="1600" dirty="0">
+                        <a:solidFill>
+                          <a:schemeClr val="accent4">
+                            <a:lumMod val="20000"/>
+                            <a:lumOff val="80000"/>
+                          </a:schemeClr>
+                        </a:solidFill>
+                      </a:endParaRPr>
+                    </a:p>
+                  </a:txBody>
+                  <a:tcPr>
+                    <a:solidFill>
+                      <a:schemeClr val="accent4">
+                        <a:lumMod val="50000"/>
+                      </a:schemeClr>
+                    </a:solidFill>
+                  </a:tcPr>
+                </a:tc>
+                <a:tc>
+                  <a:txBody>
+                    <a:bodyPr/>
+                    <a:lstStyle/>
+                    <a:p>
+                      <a:r>
+                        <a:rPr lang="en-US" sz="1600" dirty="0" smtClean="0">
+                          <a:solidFill>
+                            <a:schemeClr val="accent4">
+                              <a:lumMod val="20000"/>
+                              <a:lumOff val="80000"/>
+                            </a:schemeClr>
+                          </a:solidFill>
+                        </a:rPr>
+                        <a:t>0</a:t>
+                      </a:r>
+                      <a:endParaRPr lang="ru-RU" sz="1600" dirty="0">
+                        <a:solidFill>
+                          <a:schemeClr val="accent4">
+                            <a:lumMod val="20000"/>
+                            <a:lumOff val="80000"/>
+                          </a:schemeClr>
+                        </a:solidFill>
+                      </a:endParaRPr>
+                    </a:p>
+                  </a:txBody>
+                  <a:tcPr>
+                    <a:solidFill>
+                      <a:schemeClr val="accent4">
+                        <a:lumMod val="50000"/>
+                      </a:schemeClr>
+                    </a:solidFill>
+                  </a:tcPr>
+                </a:tc>
+                <a:tc>
+                  <a:txBody>
+                    <a:bodyPr/>
+                    <a:lstStyle/>
+                    <a:p>
+                      <a:r>
+                        <a:rPr lang="en-US" sz="1600" dirty="0" smtClean="0">
+                          <a:solidFill>
+                            <a:schemeClr val="accent4">
+                              <a:lumMod val="20000"/>
+                              <a:lumOff val="80000"/>
+                            </a:schemeClr>
+                          </a:solidFill>
+                        </a:rPr>
+                        <a:t>Byte4</a:t>
+                      </a:r>
+                      <a:endParaRPr lang="ru-RU" sz="1600" dirty="0">
+                        <a:solidFill>
+                          <a:schemeClr val="accent4">
+                            <a:lumMod val="20000"/>
+                            <a:lumOff val="80000"/>
+                          </a:schemeClr>
+                        </a:solidFill>
+                      </a:endParaRPr>
+                    </a:p>
+                  </a:txBody>
+                  <a:tcPr>
+                    <a:solidFill>
+                      <a:schemeClr val="accent4">
+                        <a:lumMod val="50000"/>
+                      </a:schemeClr>
+                    </a:solidFill>
+                  </a:tcPr>
+                </a:tc>
+                <a:tc vMerge="1">
+                  <a:txBody>
+                    <a:bodyPr/>
+                    <a:lstStyle/>
+                    <a:p>
+                      <a:endParaRPr lang="ru-RU" sz="1600" dirty="0">
+                        <a:solidFill>
+                          <a:schemeClr val="accent4">
+                            <a:lumMod val="20000"/>
+                            <a:lumOff val="80000"/>
+                          </a:schemeClr>
+                        </a:solidFill>
+                      </a:endParaRPr>
+                    </a:p>
+                  </a:txBody>
+                  <a:tcPr>
+                    <a:solidFill>
+                      <a:schemeClr val="accent4">
+                        <a:lumMod val="50000"/>
+                      </a:schemeClr>
+                    </a:solidFill>
+                  </a:tcPr>
+                </a:tc>
+              </a:tr>
+              <a:tr h="298091">
+                <a:tc>
+                  <a:txBody>
+                    <a:bodyPr/>
+                    <a:lstStyle/>
+                    <a:p>
+                      <a:r>
+                        <a:rPr lang="en-US" sz="1600" dirty="0" smtClean="0">
+                          <a:solidFill>
+                            <a:schemeClr val="accent4">
+                              <a:lumMod val="20000"/>
+                              <a:lumOff val="80000"/>
+                            </a:schemeClr>
+                          </a:solidFill>
+                        </a:rPr>
+                        <a:t>36</a:t>
+                      </a:r>
+                      <a:endParaRPr lang="ru-RU" sz="1600" dirty="0">
+                        <a:solidFill>
+                          <a:schemeClr val="accent4">
+                            <a:lumMod val="20000"/>
+                            <a:lumOff val="80000"/>
+                          </a:schemeClr>
+                        </a:solidFill>
+                      </a:endParaRPr>
+                    </a:p>
+                  </a:txBody>
+                  <a:tcPr>
+                    <a:solidFill>
+                      <a:schemeClr val="accent4">
+                        <a:lumMod val="50000"/>
+                      </a:schemeClr>
+                    </a:solidFill>
+                  </a:tcPr>
+                </a:tc>
+                <a:tc>
+                  <a:txBody>
+                    <a:bodyPr/>
+                    <a:lstStyle/>
+                    <a:p>
+                      <a:r>
+                        <a:rPr lang="en-US" sz="1600" dirty="0" smtClean="0">
+                          <a:solidFill>
+                            <a:schemeClr val="accent4">
+                              <a:lumMod val="20000"/>
+                              <a:lumOff val="80000"/>
+                            </a:schemeClr>
+                          </a:solidFill>
+                        </a:rPr>
+                        <a:t>COLOR</a:t>
+                      </a:r>
+                      <a:endParaRPr lang="ru-RU" sz="1600" dirty="0">
+                        <a:solidFill>
+                          <a:schemeClr val="accent4">
+                            <a:lumMod val="20000"/>
+                            <a:lumOff val="80000"/>
+                          </a:schemeClr>
+                        </a:solidFill>
+                      </a:endParaRPr>
+                    </a:p>
+                  </a:txBody>
+                  <a:tcPr>
+                    <a:solidFill>
+                      <a:schemeClr val="accent4">
+                        <a:lumMod val="50000"/>
+                      </a:schemeClr>
+                    </a:solidFill>
+                  </a:tcPr>
+                </a:tc>
+                <a:tc>
+                  <a:txBody>
+                    <a:bodyPr/>
+                    <a:lstStyle/>
+                    <a:p>
+                      <a:r>
+                        <a:rPr lang="en-US" sz="1600" dirty="0" smtClean="0">
+                          <a:solidFill>
+                            <a:schemeClr val="accent4">
+                              <a:lumMod val="20000"/>
+                              <a:lumOff val="80000"/>
+                            </a:schemeClr>
+                          </a:solidFill>
+                        </a:rPr>
+                        <a:t>1</a:t>
+                      </a:r>
+                      <a:endParaRPr lang="ru-RU" sz="1600" dirty="0">
+                        <a:solidFill>
+                          <a:schemeClr val="accent4">
+                            <a:lumMod val="20000"/>
+                            <a:lumOff val="80000"/>
+                          </a:schemeClr>
+                        </a:solidFill>
+                      </a:endParaRPr>
+                    </a:p>
+                  </a:txBody>
+                  <a:tcPr>
+                    <a:solidFill>
+                      <a:schemeClr val="accent4">
+                        <a:lumMod val="50000"/>
+                      </a:schemeClr>
+                    </a:solidFill>
+                  </a:tcPr>
+                </a:tc>
+                <a:tc>
+                  <a:txBody>
+                    <a:bodyPr/>
+                    <a:lstStyle/>
+                    <a:p>
+                      <a:r>
+                        <a:rPr lang="en-US" sz="1600" dirty="0" smtClean="0">
+                          <a:solidFill>
+                            <a:schemeClr val="accent4">
+                              <a:lumMod val="20000"/>
+                              <a:lumOff val="80000"/>
+                            </a:schemeClr>
+                          </a:solidFill>
+                        </a:rPr>
+                        <a:t>Byte4</a:t>
+                      </a:r>
+                      <a:endParaRPr lang="ru-RU" sz="1600" dirty="0">
+                        <a:solidFill>
+                          <a:schemeClr val="accent4">
+                            <a:lumMod val="20000"/>
+                            <a:lumOff val="80000"/>
+                          </a:schemeClr>
+                        </a:solidFill>
+                      </a:endParaRPr>
+                    </a:p>
+                  </a:txBody>
+                  <a:tcPr>
+                    <a:solidFill>
+                      <a:schemeClr val="accent4">
+                        <a:lumMod val="50000"/>
+                      </a:schemeClr>
+                    </a:solidFill>
+                  </a:tcPr>
+                </a:tc>
+                <a:tc vMerge="1">
+                  <a:txBody>
+                    <a:bodyPr/>
+                    <a:lstStyle/>
+                    <a:p>
+                      <a:endParaRPr lang="ru-RU" sz="1600" dirty="0">
+                        <a:solidFill>
+                          <a:schemeClr val="accent4">
+                            <a:lumMod val="20000"/>
+                            <a:lumOff val="80000"/>
+                          </a:schemeClr>
+                        </a:solidFill>
+                      </a:endParaRPr>
+                    </a:p>
+                  </a:txBody>
+                  <a:tcPr>
+                    <a:solidFill>
+                      <a:schemeClr val="accent4">
+                        <a:lumMod val="50000"/>
+                      </a:schemeClr>
+                    </a:solidFill>
+                  </a:tcPr>
+                </a:tc>
+              </a:tr>
+              <a:tr h="465512">
+                <a:tc>
+                  <a:txBody>
+                    <a:bodyPr/>
+                    <a:lstStyle/>
+                    <a:p>
+                      <a:r>
+                        <a:rPr lang="en-US" sz="1600" dirty="0" smtClean="0">
+                          <a:solidFill>
+                            <a:schemeClr val="accent4">
+                              <a:lumMod val="20000"/>
+                              <a:lumOff val="80000"/>
+                            </a:schemeClr>
+                          </a:solidFill>
+                        </a:rPr>
+                        <a:t>40</a:t>
+                      </a:r>
+                      <a:endParaRPr lang="ru-RU" sz="1600" dirty="0">
+                        <a:solidFill>
+                          <a:schemeClr val="accent4">
+                            <a:lumMod val="20000"/>
+                            <a:lumOff val="80000"/>
+                          </a:schemeClr>
+                        </a:solidFill>
+                      </a:endParaRPr>
+                    </a:p>
+                  </a:txBody>
+                  <a:tcPr>
+                    <a:solidFill>
+                      <a:schemeClr val="accent4">
+                        <a:lumMod val="50000"/>
+                      </a:schemeClr>
+                    </a:solidFill>
+                  </a:tcPr>
+                </a:tc>
+                <a:tc>
+                  <a:txBody>
+                    <a:bodyPr/>
+                    <a:lstStyle/>
+                    <a:p>
+                      <a:r>
+                        <a:rPr lang="en-US" sz="1600" dirty="0" smtClean="0">
+                          <a:solidFill>
+                            <a:schemeClr val="accent4">
+                              <a:lumMod val="20000"/>
+                              <a:lumOff val="80000"/>
+                            </a:schemeClr>
+                          </a:solidFill>
+                        </a:rPr>
+                        <a:t>TEXCOORD</a:t>
+                      </a:r>
+                      <a:endParaRPr lang="ru-RU" sz="1600" dirty="0">
+                        <a:solidFill>
+                          <a:schemeClr val="accent4">
+                            <a:lumMod val="20000"/>
+                            <a:lumOff val="80000"/>
+                          </a:schemeClr>
+                        </a:solidFill>
+                      </a:endParaRPr>
+                    </a:p>
+                  </a:txBody>
+                  <a:tcPr>
+                    <a:solidFill>
+                      <a:schemeClr val="accent4">
+                        <a:lumMod val="50000"/>
+                      </a:schemeClr>
+                    </a:solidFill>
+                  </a:tcPr>
+                </a:tc>
+                <a:tc>
+                  <a:txBody>
+                    <a:bodyPr/>
+                    <a:lstStyle/>
+                    <a:p>
+                      <a:r>
+                        <a:rPr lang="en-US" sz="1600" dirty="0" smtClean="0">
+                          <a:solidFill>
+                            <a:schemeClr val="accent4">
+                              <a:lumMod val="20000"/>
+                              <a:lumOff val="80000"/>
+                            </a:schemeClr>
+                          </a:solidFill>
+                        </a:rPr>
+                        <a:t>0</a:t>
+                      </a:r>
+                      <a:endParaRPr lang="ru-RU" sz="1600" dirty="0">
+                        <a:solidFill>
+                          <a:schemeClr val="accent4">
+                            <a:lumMod val="20000"/>
+                            <a:lumOff val="80000"/>
+                          </a:schemeClr>
+                        </a:solidFill>
+                      </a:endParaRPr>
+                    </a:p>
+                  </a:txBody>
+                  <a:tcPr>
+                    <a:solidFill>
+                      <a:schemeClr val="accent4">
+                        <a:lumMod val="50000"/>
+                      </a:schemeClr>
+                    </a:solidFill>
+                  </a:tcPr>
+                </a:tc>
+                <a:tc>
+                  <a:txBody>
+                    <a:bodyPr/>
+                    <a:lstStyle/>
+                    <a:p>
+                      <a:r>
+                        <a:rPr lang="en-US" sz="1600" dirty="0" smtClean="0">
+                          <a:solidFill>
+                            <a:schemeClr val="accent4">
+                              <a:lumMod val="20000"/>
+                              <a:lumOff val="80000"/>
+                            </a:schemeClr>
+                          </a:solidFill>
+                        </a:rPr>
+                        <a:t>Float2</a:t>
+                      </a:r>
+                      <a:endParaRPr lang="ru-RU" sz="1600" dirty="0">
+                        <a:solidFill>
+                          <a:schemeClr val="accent4">
+                            <a:lumMod val="20000"/>
+                            <a:lumOff val="80000"/>
+                          </a:schemeClr>
+                        </a:solidFill>
+                      </a:endParaRPr>
+                    </a:p>
+                  </a:txBody>
+                  <a:tcPr>
+                    <a:solidFill>
+                      <a:schemeClr val="accent4">
+                        <a:lumMod val="50000"/>
+                      </a:schemeClr>
+                    </a:solidFill>
+                  </a:tcPr>
+                </a:tc>
+                <a:tc vMerge="1">
+                  <a:txBody>
+                    <a:bodyPr/>
+                    <a:lstStyle/>
+                    <a:p>
+                      <a:endParaRPr lang="ru-RU" sz="1600" dirty="0">
+                        <a:solidFill>
+                          <a:schemeClr val="accent4">
+                            <a:lumMod val="20000"/>
+                            <a:lumOff val="80000"/>
+                          </a:schemeClr>
+                        </a:solidFill>
+                      </a:endParaRPr>
+                    </a:p>
+                  </a:txBody>
+                  <a:tcPr>
+                    <a:solidFill>
+                      <a:schemeClr val="accent4">
+                        <a:lumMod val="50000"/>
+                      </a:schemeClr>
+                    </a:solidFill>
+                  </a:tcPr>
+                </a:tc>
+              </a:tr>
+              <a:tr h="465512">
+                <a:tc>
+                  <a:txBody>
+                    <a:bodyPr/>
+                    <a:lstStyle/>
+                    <a:p>
+                      <a:r>
+                        <a:rPr lang="en-US" sz="1600" dirty="0" smtClean="0">
+                          <a:solidFill>
+                            <a:schemeClr val="accent4">
+                              <a:lumMod val="20000"/>
+                              <a:lumOff val="80000"/>
+                            </a:schemeClr>
+                          </a:solidFill>
+                        </a:rPr>
+                        <a:t>48</a:t>
+                      </a:r>
+                      <a:endParaRPr lang="ru-RU" sz="1600" dirty="0">
+                        <a:solidFill>
+                          <a:schemeClr val="accent4">
+                            <a:lumMod val="20000"/>
+                            <a:lumOff val="80000"/>
+                          </a:schemeClr>
+                        </a:solidFill>
+                      </a:endParaRPr>
+                    </a:p>
+                  </a:txBody>
+                  <a:tcPr>
+                    <a:solidFill>
+                      <a:schemeClr val="accent4">
+                        <a:lumMod val="50000"/>
+                      </a:schemeClr>
+                    </a:solidFill>
+                  </a:tcPr>
+                </a:tc>
+                <a:tc>
+                  <a:txBody>
+                    <a:bodyPr/>
+                    <a:lstStyle/>
+                    <a:p>
+                      <a:r>
+                        <a:rPr lang="en-US" sz="1600" dirty="0" smtClean="0">
+                          <a:solidFill>
+                            <a:schemeClr val="accent4">
+                              <a:lumMod val="20000"/>
+                              <a:lumOff val="80000"/>
+                            </a:schemeClr>
+                          </a:solidFill>
+                        </a:rPr>
+                        <a:t>NORMAL</a:t>
+                      </a:r>
+                      <a:endParaRPr lang="ru-RU" sz="1600" dirty="0">
+                        <a:solidFill>
+                          <a:schemeClr val="accent4">
+                            <a:lumMod val="20000"/>
+                            <a:lumOff val="80000"/>
+                          </a:schemeClr>
+                        </a:solidFill>
+                      </a:endParaRPr>
+                    </a:p>
+                  </a:txBody>
+                  <a:tcPr>
+                    <a:solidFill>
+                      <a:schemeClr val="accent4">
+                        <a:lumMod val="50000"/>
+                      </a:schemeClr>
+                    </a:solidFill>
+                  </a:tcPr>
+                </a:tc>
+                <a:tc>
+                  <a:txBody>
+                    <a:bodyPr/>
+                    <a:lstStyle/>
+                    <a:p>
+                      <a:r>
+                        <a:rPr lang="en-US" sz="1600" dirty="0" smtClean="0">
+                          <a:solidFill>
+                            <a:schemeClr val="accent4">
+                              <a:lumMod val="20000"/>
+                              <a:lumOff val="80000"/>
+                            </a:schemeClr>
+                          </a:solidFill>
+                        </a:rPr>
+                        <a:t>0</a:t>
+                      </a:r>
+                      <a:endParaRPr lang="ru-RU" sz="1600" dirty="0">
+                        <a:solidFill>
+                          <a:schemeClr val="accent4">
+                            <a:lumMod val="20000"/>
+                            <a:lumOff val="80000"/>
+                          </a:schemeClr>
+                        </a:solidFill>
+                      </a:endParaRPr>
+                    </a:p>
+                  </a:txBody>
+                  <a:tcPr>
+                    <a:solidFill>
+                      <a:schemeClr val="accent4">
+                        <a:lumMod val="50000"/>
+                      </a:schemeClr>
+                    </a:solidFill>
+                  </a:tcPr>
+                </a:tc>
+                <a:tc>
+                  <a:txBody>
+                    <a:bodyPr/>
+                    <a:lstStyle/>
+                    <a:p>
+                      <a:r>
+                        <a:rPr lang="en-US" sz="1600" dirty="0" smtClean="0">
+                          <a:solidFill>
+                            <a:schemeClr val="accent4">
+                              <a:lumMod val="20000"/>
+                              <a:lumOff val="80000"/>
+                            </a:schemeClr>
+                          </a:solidFill>
+                        </a:rPr>
+                        <a:t>Half3</a:t>
+                      </a:r>
+                      <a:endParaRPr lang="ru-RU" sz="1600" dirty="0">
+                        <a:solidFill>
+                          <a:schemeClr val="accent4">
+                            <a:lumMod val="20000"/>
+                            <a:lumOff val="80000"/>
+                          </a:schemeClr>
+                        </a:solidFill>
+                      </a:endParaRPr>
+                    </a:p>
+                  </a:txBody>
+                  <a:tcPr>
+                    <a:solidFill>
+                      <a:schemeClr val="accent4">
+                        <a:lumMod val="50000"/>
+                      </a:schemeClr>
+                    </a:solidFill>
+                  </a:tcPr>
+                </a:tc>
+                <a:tc vMerge="1">
+                  <a:txBody>
+                    <a:bodyPr/>
+                    <a:lstStyle/>
+                    <a:p>
+                      <a:endParaRPr lang="ru-RU" sz="1600" dirty="0">
+                        <a:solidFill>
+                          <a:schemeClr val="accent4">
+                            <a:lumMod val="20000"/>
+                            <a:lumOff val="80000"/>
+                          </a:schemeClr>
+                        </a:solidFill>
+                      </a:endParaRPr>
+                    </a:p>
+                  </a:txBody>
+                  <a:tcPr>
+                    <a:solidFill>
+                      <a:schemeClr val="accent4">
+                        <a:lumMod val="50000"/>
+                      </a:schemeClr>
+                    </a:solidFill>
+                  </a:tcPr>
+                </a:tc>
+              </a:tr>
+              <a:tr h="298091">
+                <a:tc gridSpan="4">
+                  <a:txBody>
+                    <a:bodyPr/>
+                    <a:lstStyle/>
+                    <a:p>
+                      <a:pPr algn="ctr"/>
+                      <a:r>
+                        <a:rPr lang="en-US" sz="1600" dirty="0" smtClean="0">
+                          <a:solidFill>
+                            <a:schemeClr val="accent4">
+                              <a:lumMod val="20000"/>
+                              <a:lumOff val="80000"/>
+                            </a:schemeClr>
+                          </a:solidFill>
+                        </a:rPr>
+                        <a:t>N</a:t>
+                      </a:r>
+                      <a:r>
+                        <a:rPr lang="en-US" sz="1600" baseline="0" dirty="0" smtClean="0">
+                          <a:solidFill>
+                            <a:schemeClr val="accent4">
+                              <a:lumMod val="20000"/>
+                              <a:lumOff val="80000"/>
+                            </a:schemeClr>
+                          </a:solidFill>
+                        </a:rPr>
+                        <a:t> bytes</a:t>
+                      </a:r>
+                      <a:endParaRPr lang="ru-RU" sz="1600" dirty="0">
+                        <a:solidFill>
+                          <a:schemeClr val="accent4">
+                            <a:lumMod val="20000"/>
+                            <a:lumOff val="80000"/>
+                          </a:schemeClr>
+                        </a:solidFill>
+                      </a:endParaRPr>
+                    </a:p>
+                  </a:txBody>
+                  <a:tcPr>
+                    <a:solidFill>
+                      <a:schemeClr val="accent4">
+                        <a:lumMod val="50000"/>
+                      </a:schemeClr>
+                    </a:solidFill>
+                  </a:tcPr>
+                </a:tc>
+                <a:tc hMerge="1">
+                  <a:txBody>
+                    <a:bodyPr/>
+                    <a:lstStyle/>
+                    <a:p>
+                      <a:endParaRPr lang="ru-RU" sz="1600" dirty="0">
+                        <a:solidFill>
+                          <a:schemeClr val="accent4">
+                            <a:lumMod val="20000"/>
+                            <a:lumOff val="80000"/>
+                          </a:schemeClr>
+                        </a:solidFill>
+                      </a:endParaRPr>
+                    </a:p>
+                  </a:txBody>
+                  <a:tcPr>
+                    <a:solidFill>
+                      <a:schemeClr val="accent4">
+                        <a:lumMod val="50000"/>
+                      </a:schemeClr>
+                    </a:solidFill>
+                  </a:tcPr>
+                </a:tc>
+                <a:tc hMerge="1">
+                  <a:txBody>
+                    <a:bodyPr/>
+                    <a:lstStyle/>
+                    <a:p>
+                      <a:endParaRPr lang="ru-RU" sz="1600" dirty="0">
+                        <a:solidFill>
+                          <a:schemeClr val="accent4">
+                            <a:lumMod val="20000"/>
+                            <a:lumOff val="80000"/>
+                          </a:schemeClr>
+                        </a:solidFill>
+                      </a:endParaRPr>
+                    </a:p>
+                  </a:txBody>
+                  <a:tcPr>
+                    <a:solidFill>
+                      <a:schemeClr val="accent4">
+                        <a:lumMod val="50000"/>
+                      </a:schemeClr>
+                    </a:solidFill>
+                  </a:tcPr>
+                </a:tc>
+                <a:tc hMerge="1">
+                  <a:txBody>
+                    <a:bodyPr/>
+                    <a:lstStyle/>
+                    <a:p>
+                      <a:endParaRPr lang="ru-RU" sz="1600" dirty="0">
+                        <a:solidFill>
+                          <a:schemeClr val="accent4">
+                            <a:lumMod val="20000"/>
+                            <a:lumOff val="80000"/>
+                          </a:schemeClr>
+                        </a:solidFill>
+                      </a:endParaRPr>
+                    </a:p>
+                  </a:txBody>
+                  <a:tcPr>
+                    <a:solidFill>
+                      <a:schemeClr val="accent4">
+                        <a:lumMod val="50000"/>
+                      </a:schemeClr>
+                    </a:solidFill>
+                  </a:tcPr>
+                </a:tc>
+                <a:tc vMerge="1">
+                  <a:txBody>
+                    <a:bodyPr/>
+                    <a:lstStyle/>
+                    <a:p>
+                      <a:endParaRPr lang="ru-RU" sz="1600" dirty="0">
+                        <a:solidFill>
+                          <a:schemeClr val="accent4">
+                            <a:lumMod val="20000"/>
+                            <a:lumOff val="80000"/>
+                          </a:schemeClr>
+                        </a:solidFill>
+                      </a:endParaRPr>
+                    </a:p>
+                  </a:txBody>
+                  <a:tcPr>
+                    <a:solidFill>
+                      <a:schemeClr val="accent4">
+                        <a:lumMod val="50000"/>
+                      </a:schemeClr>
+                    </a:solidFill>
+                  </a:tcPr>
+                </a:tc>
+              </a:tr>
+            </a:tbl>
+          </a:graphicData>
+        </a:graphic>
+      </p:graphicFrame>
+      <p:sp>
+        <p:nvSpPr>
+          <p:cNvPr id="57" name="Прямоугольник 56"/>
+          <p:cNvSpPr/>
+          <p:nvPr/>
+        </p:nvSpPr>
+        <p:spPr>
+          <a:xfrm>
+            <a:off x="5796136" y="2132856"/>
+            <a:ext cx="1368152" cy="720080"/>
+          </a:xfrm>
+          <a:prstGeom prst="rect">
+            <a:avLst/>
+          </a:prstGeom>
+          <a:solidFill>
+            <a:schemeClr val="accent4">
+              <a:lumMod val="50000"/>
+              <a:alpha val="50196"/>
+            </a:schemeClr>
+          </a:solidFill>
+          <a:ln w="12700">
+            <a:solidFill>
+              <a:srgbClr val="FFFFFF">
+                <a:alpha val="50196"/>
+              </a:srgbClr>
+            </a:solidFill>
+          </a:ln>
+        </p:spPr>
+        <p:style>
+          <a:lnRef idx="2">
+            <a:schemeClr val="accent1">
+              <a:shade val="50000"/>
+            </a:schemeClr>
+          </a:lnRef>
+          <a:fillRef idx="1">
+            <a:schemeClr val="accent1"/>
+          </a:fillRef>
+          <a:effectRef idx="0">
+            <a:schemeClr val="accent1"/>
+          </a:effectRef>
+          <a:fontRef idx="minor">
+            <a:schemeClr val="lt1"/>
+          </a:fontRef>
+        </p:style>
+        <p:txBody>
+          <a:bodyPr rtlCol="0" anchor="ctr"/>
+          <a:lstStyle/>
+          <a:p>
+            <a:pPr algn="ctr"/>
+            <a:endParaRPr lang="ru-RU"/>
+          </a:p>
+        </p:txBody>
+      </p:sp>
+      <p:sp>
+        <p:nvSpPr>
+          <p:cNvPr id="53" name="Двойная стрелка влево/вверх 52"/>
+          <p:cNvSpPr/>
+          <p:nvPr/>
+        </p:nvSpPr>
+        <p:spPr>
+          <a:xfrm rot="5400000">
+            <a:off x="647564" y="4257092"/>
+            <a:ext cx="1656184" cy="432048"/>
+          </a:xfrm>
+          <a:prstGeom prst="leftUpArrow">
+            <a:avLst>
+              <a:gd name="adj1" fmla="val 25000"/>
+              <a:gd name="adj2" fmla="val 25437"/>
+              <a:gd name="adj3" fmla="val 25000"/>
+            </a:avLst>
+          </a:prstGeom>
+          <a:solidFill>
+            <a:schemeClr val="accent4">
+              <a:lumMod val="50000"/>
+            </a:schemeClr>
+          </a:solidFill>
+          <a:ln w="12700">
+            <a:solidFill>
+              <a:schemeClr val="tx1"/>
+            </a:solidFill>
+          </a:ln>
+        </p:spPr>
+        <p:style>
+          <a:lnRef idx="2">
+            <a:schemeClr val="accent1">
+              <a:shade val="50000"/>
+            </a:schemeClr>
+          </a:lnRef>
+          <a:fillRef idx="1">
+            <a:schemeClr val="accent1"/>
+          </a:fillRef>
+          <a:effectRef idx="0">
+            <a:schemeClr val="accent1"/>
+          </a:effectRef>
+          <a:fontRef idx="minor">
+            <a:schemeClr val="lt1"/>
+          </a:fontRef>
+        </p:style>
+        <p:txBody>
+          <a:bodyPr rtlCol="0" anchor="ctr"/>
+          <a:lstStyle/>
+          <a:p>
+            <a:pPr algn="ctr"/>
+            <a:endParaRPr lang="ru-RU"/>
+          </a:p>
+        </p:txBody>
+      </p:sp>
+      <p:sp>
+        <p:nvSpPr>
+          <p:cNvPr id="40" name="Прямоугольник 39"/>
+          <p:cNvSpPr/>
+          <p:nvPr/>
+        </p:nvSpPr>
+        <p:spPr>
+          <a:xfrm rot="16200000">
+            <a:off x="5760132" y="2312876"/>
+            <a:ext cx="576064" cy="360040"/>
+          </a:xfrm>
+          <a:prstGeom prst="rect">
+            <a:avLst/>
+          </a:prstGeom>
+          <a:solidFill>
+            <a:schemeClr val="accent4">
+              <a:lumMod val="50000"/>
+              <a:alpha val="50196"/>
+            </a:schemeClr>
+          </a:solidFill>
+          <a:ln w="12700">
+            <a:solidFill>
+              <a:schemeClr val="tx1"/>
+            </a:solidFill>
+          </a:ln>
+        </p:spPr>
+        <p:style>
+          <a:lnRef idx="2">
+            <a:schemeClr val="accent1">
+              <a:shade val="50000"/>
+            </a:schemeClr>
+          </a:lnRef>
+          <a:fillRef idx="1">
+            <a:schemeClr val="accent1"/>
+          </a:fillRef>
+          <a:effectRef idx="0">
+            <a:schemeClr val="accent1"/>
+          </a:effectRef>
+          <a:fontRef idx="minor">
+            <a:schemeClr val="lt1"/>
+          </a:fontRef>
+        </p:style>
+        <p:txBody>
+          <a:bodyPr rtlCol="0" anchor="ctr"/>
+          <a:lstStyle/>
+          <a:p>
+            <a:pPr algn="ctr"/>
+            <a:r>
+              <a:rPr lang="en-US" dirty="0" err="1" smtClean="0">
+                <a:solidFill>
+                  <a:srgbClr val="FFFF00"/>
+                </a:solidFill>
+              </a:rPr>
+              <a:t>Idx</a:t>
+            </a:r>
+            <a:endParaRPr lang="ru-RU" dirty="0">
+              <a:solidFill>
+                <a:srgbClr val="FFFF00"/>
+              </a:solidFill>
+            </a:endParaRPr>
+          </a:p>
+        </p:txBody>
+      </p:sp>
+      <p:sp>
+        <p:nvSpPr>
+          <p:cNvPr id="41" name="Прямоугольник 40"/>
+          <p:cNvSpPr/>
+          <p:nvPr/>
+        </p:nvSpPr>
+        <p:spPr>
+          <a:xfrm rot="16200000">
+            <a:off x="6192180" y="2312876"/>
+            <a:ext cx="576064" cy="360040"/>
+          </a:xfrm>
+          <a:prstGeom prst="rect">
+            <a:avLst/>
+          </a:prstGeom>
+          <a:solidFill>
+            <a:schemeClr val="accent4">
+              <a:lumMod val="50000"/>
+              <a:alpha val="50196"/>
+            </a:schemeClr>
+          </a:solidFill>
+          <a:ln w="12700">
+            <a:solidFill>
+              <a:schemeClr val="tx1"/>
+            </a:solidFill>
+          </a:ln>
+        </p:spPr>
+        <p:style>
+          <a:lnRef idx="2">
+            <a:schemeClr val="accent1">
+              <a:shade val="50000"/>
+            </a:schemeClr>
+          </a:lnRef>
+          <a:fillRef idx="1">
+            <a:schemeClr val="accent1"/>
+          </a:fillRef>
+          <a:effectRef idx="0">
+            <a:schemeClr val="accent1"/>
+          </a:effectRef>
+          <a:fontRef idx="minor">
+            <a:schemeClr val="lt1"/>
+          </a:fontRef>
+        </p:style>
+        <p:txBody>
+          <a:bodyPr rtlCol="0" anchor="ctr"/>
+          <a:lstStyle/>
+          <a:p>
+            <a:pPr algn="ctr"/>
+            <a:r>
+              <a:rPr lang="en-US" dirty="0" err="1" smtClean="0">
+                <a:solidFill>
+                  <a:srgbClr val="FFFF00"/>
+                </a:solidFill>
+              </a:rPr>
+              <a:t>Idx</a:t>
+            </a:r>
+            <a:endParaRPr lang="ru-RU" dirty="0">
+              <a:solidFill>
+                <a:srgbClr val="FFFF00"/>
+              </a:solidFill>
+            </a:endParaRPr>
+          </a:p>
+        </p:txBody>
+      </p:sp>
+      <p:sp>
+        <p:nvSpPr>
+          <p:cNvPr id="42" name="Прямоугольник 41"/>
+          <p:cNvSpPr/>
+          <p:nvPr/>
+        </p:nvSpPr>
+        <p:spPr>
+          <a:xfrm rot="16200000">
+            <a:off x="6624228" y="2312876"/>
+            <a:ext cx="576064" cy="360040"/>
+          </a:xfrm>
+          <a:prstGeom prst="rect">
+            <a:avLst/>
+          </a:prstGeom>
+          <a:solidFill>
+            <a:schemeClr val="accent4">
+              <a:lumMod val="50000"/>
+              <a:alpha val="50196"/>
+            </a:schemeClr>
+          </a:solidFill>
+          <a:ln w="12700">
+            <a:solidFill>
+              <a:schemeClr val="tx1"/>
+            </a:solidFill>
+          </a:ln>
+        </p:spPr>
+        <p:style>
+          <a:lnRef idx="2">
+            <a:schemeClr val="accent1">
+              <a:shade val="50000"/>
+            </a:schemeClr>
+          </a:lnRef>
+          <a:fillRef idx="1">
+            <a:schemeClr val="accent1"/>
+          </a:fillRef>
+          <a:effectRef idx="0">
+            <a:schemeClr val="accent1"/>
+          </a:effectRef>
+          <a:fontRef idx="minor">
+            <a:schemeClr val="lt1"/>
+          </a:fontRef>
+        </p:style>
+        <p:txBody>
+          <a:bodyPr rtlCol="0" anchor="ctr"/>
+          <a:lstStyle/>
+          <a:p>
+            <a:pPr algn="ctr"/>
+            <a:r>
+              <a:rPr lang="en-US" dirty="0" err="1" smtClean="0">
+                <a:solidFill>
+                  <a:srgbClr val="FFFF00"/>
+                </a:solidFill>
+              </a:rPr>
+              <a:t>Idx</a:t>
+            </a:r>
+            <a:endParaRPr lang="ru-RU" dirty="0">
+              <a:solidFill>
+                <a:srgbClr val="FFFF00"/>
+              </a:solidFill>
+            </a:endParaRPr>
+          </a:p>
+        </p:txBody>
+      </p:sp>
+      <p:sp>
+        <p:nvSpPr>
+          <p:cNvPr id="58" name="Прямоугольник 57"/>
+          <p:cNvSpPr/>
+          <p:nvPr/>
+        </p:nvSpPr>
+        <p:spPr>
+          <a:xfrm>
+            <a:off x="7236296" y="2132856"/>
+            <a:ext cx="1368152" cy="720080"/>
+          </a:xfrm>
+          <a:prstGeom prst="rect">
+            <a:avLst/>
+          </a:prstGeom>
+          <a:solidFill>
+            <a:schemeClr val="accent4">
+              <a:lumMod val="50000"/>
+              <a:alpha val="50196"/>
+            </a:schemeClr>
+          </a:solidFill>
+          <a:ln w="12700">
+            <a:solidFill>
+              <a:srgbClr val="FFFFFF">
+                <a:alpha val="50196"/>
+              </a:srgbClr>
+            </a:solidFill>
+          </a:ln>
+        </p:spPr>
+        <p:style>
+          <a:lnRef idx="2">
+            <a:schemeClr val="accent1">
+              <a:shade val="50000"/>
+            </a:schemeClr>
+          </a:lnRef>
+          <a:fillRef idx="1">
+            <a:schemeClr val="accent1"/>
+          </a:fillRef>
+          <a:effectRef idx="0">
+            <a:schemeClr val="accent1"/>
+          </a:effectRef>
+          <a:fontRef idx="minor">
+            <a:schemeClr val="lt1"/>
+          </a:fontRef>
+        </p:style>
+        <p:txBody>
+          <a:bodyPr rtlCol="0" anchor="ctr"/>
+          <a:lstStyle/>
+          <a:p>
+            <a:pPr algn="ctr"/>
+            <a:endParaRPr lang="ru-RU"/>
+          </a:p>
+        </p:txBody>
+      </p:sp>
+      <p:sp>
+        <p:nvSpPr>
+          <p:cNvPr id="43" name="Прямоугольник 42"/>
+          <p:cNvSpPr/>
+          <p:nvPr/>
+        </p:nvSpPr>
+        <p:spPr>
+          <a:xfrm rot="16200000">
+            <a:off x="7200292" y="2312876"/>
+            <a:ext cx="576064" cy="360040"/>
+          </a:xfrm>
+          <a:prstGeom prst="rect">
+            <a:avLst/>
+          </a:prstGeom>
+          <a:solidFill>
+            <a:schemeClr val="accent4">
+              <a:lumMod val="50000"/>
+              <a:alpha val="50196"/>
+            </a:schemeClr>
+          </a:solidFill>
+          <a:ln w="12700">
+            <a:solidFill>
+              <a:schemeClr val="tx1"/>
+            </a:solidFill>
+          </a:ln>
+        </p:spPr>
+        <p:style>
+          <a:lnRef idx="2">
+            <a:schemeClr val="accent1">
+              <a:shade val="50000"/>
+            </a:schemeClr>
+          </a:lnRef>
+          <a:fillRef idx="1">
+            <a:schemeClr val="accent1"/>
+          </a:fillRef>
+          <a:effectRef idx="0">
+            <a:schemeClr val="accent1"/>
+          </a:effectRef>
+          <a:fontRef idx="minor">
+            <a:schemeClr val="lt1"/>
+          </a:fontRef>
+        </p:style>
+        <p:txBody>
+          <a:bodyPr rtlCol="0" anchor="ctr"/>
+          <a:lstStyle/>
+          <a:p>
+            <a:pPr algn="ctr"/>
+            <a:r>
+              <a:rPr lang="en-US" dirty="0" err="1" smtClean="0">
+                <a:solidFill>
+                  <a:srgbClr val="FFFF00"/>
+                </a:solidFill>
+              </a:rPr>
+              <a:t>Idx</a:t>
+            </a:r>
+            <a:endParaRPr lang="ru-RU" dirty="0">
+              <a:solidFill>
+                <a:srgbClr val="FFFF00"/>
+              </a:solidFill>
+            </a:endParaRPr>
+          </a:p>
+        </p:txBody>
+      </p:sp>
+      <p:sp>
+        <p:nvSpPr>
+          <p:cNvPr id="44" name="Прямоугольник 43"/>
+          <p:cNvSpPr/>
+          <p:nvPr/>
+        </p:nvSpPr>
+        <p:spPr>
+          <a:xfrm rot="16200000">
+            <a:off x="7632340" y="2312876"/>
+            <a:ext cx="576064" cy="360040"/>
+          </a:xfrm>
+          <a:prstGeom prst="rect">
+            <a:avLst/>
+          </a:prstGeom>
+          <a:solidFill>
+            <a:schemeClr val="accent4">
+              <a:lumMod val="50000"/>
+              <a:alpha val="50196"/>
+            </a:schemeClr>
+          </a:solidFill>
+          <a:ln w="12700">
+            <a:solidFill>
+              <a:schemeClr val="tx1"/>
+            </a:solidFill>
+          </a:ln>
+        </p:spPr>
+        <p:style>
+          <a:lnRef idx="2">
+            <a:schemeClr val="accent1">
+              <a:shade val="50000"/>
+            </a:schemeClr>
+          </a:lnRef>
+          <a:fillRef idx="1">
+            <a:schemeClr val="accent1"/>
+          </a:fillRef>
+          <a:effectRef idx="0">
+            <a:schemeClr val="accent1"/>
+          </a:effectRef>
+          <a:fontRef idx="minor">
+            <a:schemeClr val="lt1"/>
+          </a:fontRef>
+        </p:style>
+        <p:txBody>
+          <a:bodyPr rtlCol="0" anchor="ctr"/>
+          <a:lstStyle/>
+          <a:p>
+            <a:pPr algn="ctr"/>
+            <a:r>
+              <a:rPr lang="en-US" dirty="0" err="1" smtClean="0">
+                <a:solidFill>
+                  <a:srgbClr val="FFFF00"/>
+                </a:solidFill>
+              </a:rPr>
+              <a:t>Idx</a:t>
+            </a:r>
+            <a:endParaRPr lang="ru-RU" dirty="0">
+              <a:solidFill>
+                <a:srgbClr val="FFFF00"/>
+              </a:solidFill>
+            </a:endParaRPr>
+          </a:p>
+        </p:txBody>
+      </p:sp>
+      <p:sp>
+        <p:nvSpPr>
+          <p:cNvPr id="45" name="Прямоугольник 44"/>
+          <p:cNvSpPr/>
+          <p:nvPr/>
+        </p:nvSpPr>
+        <p:spPr>
+          <a:xfrm rot="16200000">
+            <a:off x="8064388" y="2312876"/>
+            <a:ext cx="576064" cy="360040"/>
+          </a:xfrm>
+          <a:prstGeom prst="rect">
+            <a:avLst/>
+          </a:prstGeom>
+          <a:solidFill>
+            <a:schemeClr val="accent4">
+              <a:lumMod val="50000"/>
+              <a:alpha val="50196"/>
+            </a:schemeClr>
+          </a:solidFill>
+          <a:ln w="12700">
+            <a:solidFill>
+              <a:schemeClr val="tx1"/>
+            </a:solidFill>
+          </a:ln>
+        </p:spPr>
+        <p:style>
+          <a:lnRef idx="2">
+            <a:schemeClr val="accent1">
+              <a:shade val="50000"/>
+            </a:schemeClr>
+          </a:lnRef>
+          <a:fillRef idx="1">
+            <a:schemeClr val="accent1"/>
+          </a:fillRef>
+          <a:effectRef idx="0">
+            <a:schemeClr val="accent1"/>
+          </a:effectRef>
+          <a:fontRef idx="minor">
+            <a:schemeClr val="lt1"/>
+          </a:fontRef>
+        </p:style>
+        <p:txBody>
+          <a:bodyPr rtlCol="0" anchor="ctr"/>
+          <a:lstStyle/>
+          <a:p>
+            <a:pPr algn="ctr"/>
+            <a:r>
+              <a:rPr lang="en-US" dirty="0" err="1" smtClean="0">
+                <a:solidFill>
+                  <a:srgbClr val="FFFF00"/>
+                </a:solidFill>
+              </a:rPr>
+              <a:t>Idx</a:t>
+            </a:r>
+            <a:endParaRPr lang="ru-RU" dirty="0">
+              <a:solidFill>
+                <a:srgbClr val="FFFF00"/>
+              </a:solidFill>
+            </a:endParaRPr>
+          </a:p>
+        </p:txBody>
+      </p:sp>
+      <p:cxnSp>
+        <p:nvCxnSpPr>
+          <p:cNvPr id="60" name="Соединительная линия уступом 59"/>
+          <p:cNvCxnSpPr>
+            <a:stCxn id="42" idx="1"/>
+            <a:endCxn id="37" idx="2"/>
+          </p:cNvCxnSpPr>
+          <p:nvPr/>
+        </p:nvCxnSpPr>
+        <p:spPr>
+          <a:xfrm rot="5400000">
+            <a:off x="4968044" y="908720"/>
+            <a:ext cx="72008" cy="3816424"/>
+          </a:xfrm>
+          <a:prstGeom prst="bentConnector3">
+            <a:avLst>
+              <a:gd name="adj1" fmla="val 417465"/>
+            </a:avLst>
+          </a:prstGeom>
+          <a:ln>
+            <a:solidFill>
+              <a:srgbClr val="FFFF00"/>
+            </a:solidFill>
+            <a:tailEnd type="arrow"/>
+          </a:ln>
+        </p:spPr>
+        <p:style>
+          <a:lnRef idx="1">
+            <a:schemeClr val="accent1"/>
+          </a:lnRef>
+          <a:fillRef idx="0">
+            <a:schemeClr val="accent1"/>
+          </a:fillRef>
+          <a:effectRef idx="0">
+            <a:schemeClr val="accent1"/>
+          </a:effectRef>
+          <a:fontRef idx="minor">
+            <a:schemeClr val="tx1"/>
+          </a:fontRef>
+        </p:style>
+      </p:cxnSp>
+      <p:cxnSp>
+        <p:nvCxnSpPr>
+          <p:cNvPr id="62" name="Соединительная линия уступом 61"/>
+          <p:cNvCxnSpPr>
+            <a:stCxn id="41" idx="1"/>
+            <a:endCxn id="36" idx="2"/>
+          </p:cNvCxnSpPr>
+          <p:nvPr/>
+        </p:nvCxnSpPr>
+        <p:spPr>
+          <a:xfrm rot="5400000">
+            <a:off x="4319972" y="692696"/>
+            <a:ext cx="72008" cy="4248472"/>
+          </a:xfrm>
+          <a:prstGeom prst="bentConnector3">
+            <a:avLst>
+              <a:gd name="adj1" fmla="val 543401"/>
+            </a:avLst>
+          </a:prstGeom>
+          <a:ln>
+            <a:solidFill>
+              <a:srgbClr val="FFFF00"/>
+            </a:solidFill>
+            <a:tailEnd type="arrow"/>
+          </a:ln>
+        </p:spPr>
+        <p:style>
+          <a:lnRef idx="1">
+            <a:schemeClr val="accent1"/>
+          </a:lnRef>
+          <a:fillRef idx="0">
+            <a:schemeClr val="accent1"/>
+          </a:fillRef>
+          <a:effectRef idx="0">
+            <a:schemeClr val="accent1"/>
+          </a:effectRef>
+          <a:fontRef idx="minor">
+            <a:schemeClr val="tx1"/>
+          </a:fontRef>
+        </p:style>
+      </p:cxnSp>
+      <p:cxnSp>
+        <p:nvCxnSpPr>
+          <p:cNvPr id="67" name="Соединительная линия уступом 66"/>
+          <p:cNvCxnSpPr>
+            <a:stCxn id="40" idx="1"/>
+            <a:endCxn id="31" idx="2"/>
+          </p:cNvCxnSpPr>
+          <p:nvPr/>
+        </p:nvCxnSpPr>
+        <p:spPr>
+          <a:xfrm rot="5400000">
+            <a:off x="3671900" y="476672"/>
+            <a:ext cx="72008" cy="4680520"/>
+          </a:xfrm>
+          <a:prstGeom prst="bentConnector3">
+            <a:avLst>
+              <a:gd name="adj1" fmla="val 711316"/>
+            </a:avLst>
+          </a:prstGeom>
+          <a:ln>
+            <a:solidFill>
+              <a:srgbClr val="FFFF00"/>
+            </a:solidFill>
+            <a:tailEnd type="arrow"/>
+          </a:ln>
+        </p:spPr>
+        <p:style>
+          <a:lnRef idx="1">
+            <a:schemeClr val="accent1"/>
+          </a:lnRef>
+          <a:fillRef idx="0">
+            <a:schemeClr val="accent1"/>
+          </a:fillRef>
+          <a:effectRef idx="0">
+            <a:schemeClr val="accent1"/>
+          </a:effectRef>
+          <a:fontRef idx="minor">
+            <a:schemeClr val="tx1"/>
+          </a:fontRef>
+        </p:style>
+      </p:cxnSp>
+      <p:cxnSp>
+        <p:nvCxnSpPr>
+          <p:cNvPr id="80" name="Соединительная линия уступом 79"/>
+          <p:cNvCxnSpPr>
+            <a:stCxn id="44" idx="3"/>
+            <a:endCxn id="37" idx="0"/>
+          </p:cNvCxnSpPr>
+          <p:nvPr/>
+        </p:nvCxnSpPr>
+        <p:spPr>
+          <a:xfrm rot="16200000" flipV="1">
+            <a:off x="5472100" y="-243408"/>
+            <a:ext cx="72008" cy="4824536"/>
+          </a:xfrm>
+          <a:prstGeom prst="bentConnector3">
+            <a:avLst>
+              <a:gd name="adj1" fmla="val 543402"/>
+            </a:avLst>
+          </a:prstGeom>
+          <a:ln>
+            <a:solidFill>
+              <a:srgbClr val="FFFF00"/>
+            </a:solidFill>
+            <a:tailEnd type="arrow"/>
+          </a:ln>
+        </p:spPr>
+        <p:style>
+          <a:lnRef idx="1">
+            <a:schemeClr val="accent1"/>
+          </a:lnRef>
+          <a:fillRef idx="0">
+            <a:schemeClr val="accent1"/>
+          </a:fillRef>
+          <a:effectRef idx="0">
+            <a:schemeClr val="accent1"/>
+          </a:effectRef>
+          <a:fontRef idx="minor">
+            <a:schemeClr val="tx1"/>
+          </a:fontRef>
+        </p:style>
+      </p:cxnSp>
+      <p:cxnSp>
+        <p:nvCxnSpPr>
+          <p:cNvPr id="81" name="Соединительная линия уступом 80"/>
+          <p:cNvCxnSpPr>
+            <a:stCxn id="43" idx="3"/>
+            <a:endCxn id="31" idx="0"/>
+          </p:cNvCxnSpPr>
+          <p:nvPr/>
+        </p:nvCxnSpPr>
+        <p:spPr>
+          <a:xfrm rot="16200000" flipV="1">
+            <a:off x="4391980" y="-891480"/>
+            <a:ext cx="72008" cy="6120680"/>
+          </a:xfrm>
+          <a:prstGeom prst="bentConnector3">
+            <a:avLst>
+              <a:gd name="adj1" fmla="val 669338"/>
+            </a:avLst>
+          </a:prstGeom>
+          <a:ln>
+            <a:solidFill>
+              <a:srgbClr val="FFFF00"/>
+            </a:solidFill>
+            <a:tailEnd type="arrow"/>
+          </a:ln>
+        </p:spPr>
+        <p:style>
+          <a:lnRef idx="1">
+            <a:schemeClr val="accent1"/>
+          </a:lnRef>
+          <a:fillRef idx="0">
+            <a:schemeClr val="accent1"/>
+          </a:fillRef>
+          <a:effectRef idx="0">
+            <a:schemeClr val="accent1"/>
+          </a:effectRef>
+          <a:fontRef idx="minor">
+            <a:schemeClr val="tx1"/>
+          </a:fontRef>
+        </p:style>
+      </p:cxnSp>
+      <p:cxnSp>
+        <p:nvCxnSpPr>
+          <p:cNvPr id="82" name="Соединительная линия уступом 81"/>
+          <p:cNvCxnSpPr>
+            <a:stCxn id="45" idx="3"/>
+            <a:endCxn id="38" idx="0"/>
+          </p:cNvCxnSpPr>
+          <p:nvPr/>
+        </p:nvCxnSpPr>
+        <p:spPr>
+          <a:xfrm rot="16200000" flipV="1">
+            <a:off x="6120172" y="-27384"/>
+            <a:ext cx="72008" cy="4392488"/>
+          </a:xfrm>
+          <a:prstGeom prst="bentConnector3">
+            <a:avLst>
+              <a:gd name="adj1" fmla="val 417465"/>
+            </a:avLst>
+          </a:prstGeom>
+          <a:ln>
+            <a:solidFill>
+              <a:srgbClr val="FFFF00"/>
+            </a:solidFill>
+            <a:tailEnd type="arrow"/>
+          </a:ln>
+        </p:spPr>
+        <p:style>
+          <a:lnRef idx="1">
+            <a:schemeClr val="accent1"/>
+          </a:lnRef>
+          <a:fillRef idx="0">
+            <a:schemeClr val="accent1"/>
+          </a:fillRef>
+          <a:effectRef idx="0">
+            <a:schemeClr val="accent1"/>
+          </a:effectRef>
+          <a:fontRef idx="minor">
+            <a:schemeClr val="tx1"/>
+          </a:fontRef>
+        </p:style>
+      </p:cxnSp>
+      <p:sp>
+        <p:nvSpPr>
+          <p:cNvPr id="102" name="Равнобедренный треугольник 101"/>
+          <p:cNvSpPr/>
+          <p:nvPr/>
+        </p:nvSpPr>
+        <p:spPr>
+          <a:xfrm>
+            <a:off x="7160506" y="4653136"/>
+            <a:ext cx="1368152" cy="1224136"/>
+          </a:xfrm>
+          <a:prstGeom prst="triangle">
+            <a:avLst>
+              <a:gd name="adj" fmla="val 77066"/>
+            </a:avLst>
+          </a:prstGeom>
+          <a:solidFill>
+            <a:schemeClr val="accent4">
+              <a:lumMod val="50000"/>
+            </a:schemeClr>
+          </a:solidFill>
+          <a:ln>
+            <a:solidFill>
+              <a:srgbClr val="FFFFFF"/>
+            </a:solidFill>
+          </a:ln>
+        </p:spPr>
+        <p:style>
+          <a:lnRef idx="2">
+            <a:schemeClr val="accent1">
+              <a:shade val="50000"/>
+            </a:schemeClr>
+          </a:lnRef>
+          <a:fillRef idx="1">
+            <a:schemeClr val="accent1"/>
+          </a:fillRef>
+          <a:effectRef idx="0">
+            <a:schemeClr val="accent1"/>
+          </a:effectRef>
+          <a:fontRef idx="minor">
+            <a:schemeClr val="lt1"/>
+          </a:fontRef>
+        </p:style>
+        <p:txBody>
+          <a:bodyPr rtlCol="0" anchor="ctr"/>
+          <a:lstStyle/>
+          <a:p>
+            <a:pPr algn="ctr"/>
+            <a:endParaRPr lang="ru-RU"/>
+          </a:p>
+        </p:txBody>
+      </p:sp>
+      <p:sp>
+        <p:nvSpPr>
+          <p:cNvPr id="103" name="Равнобедренный треугольник 102"/>
+          <p:cNvSpPr/>
+          <p:nvPr/>
+        </p:nvSpPr>
+        <p:spPr>
+          <a:xfrm rot="12183899">
+            <a:off x="6554521" y="4208442"/>
+            <a:ext cx="1359768" cy="1575792"/>
+          </a:xfrm>
+          <a:prstGeom prst="triangle">
+            <a:avLst>
+              <a:gd name="adj" fmla="val 36526"/>
+            </a:avLst>
+          </a:prstGeom>
+          <a:solidFill>
+            <a:schemeClr val="accent4">
+              <a:lumMod val="50000"/>
+            </a:schemeClr>
+          </a:solidFill>
+          <a:ln>
+            <a:solidFill>
+              <a:srgbClr val="FFFFFF"/>
+            </a:solidFill>
+          </a:ln>
+        </p:spPr>
+        <p:style>
+          <a:lnRef idx="2">
+            <a:schemeClr val="accent1">
+              <a:shade val="50000"/>
+            </a:schemeClr>
+          </a:lnRef>
+          <a:fillRef idx="1">
+            <a:schemeClr val="accent1"/>
+          </a:fillRef>
+          <a:effectRef idx="0">
+            <a:schemeClr val="accent1"/>
+          </a:effectRef>
+          <a:fontRef idx="minor">
+            <a:schemeClr val="lt1"/>
+          </a:fontRef>
+        </p:style>
+        <p:txBody>
+          <a:bodyPr rtlCol="0" anchor="ctr"/>
+          <a:lstStyle/>
+          <a:p>
+            <a:pPr algn="ctr"/>
+            <a:endParaRPr lang="ru-RU"/>
+          </a:p>
+        </p:txBody>
+      </p:sp>
+      <p:sp>
+        <p:nvSpPr>
+          <p:cNvPr id="104" name="TextBox 103"/>
+          <p:cNvSpPr txBox="1"/>
+          <p:nvPr/>
+        </p:nvSpPr>
+        <p:spPr>
+          <a:xfrm>
+            <a:off x="8172400" y="4283804"/>
+            <a:ext cx="516488" cy="369332"/>
+          </a:xfrm>
+          <a:prstGeom prst="rect">
+            <a:avLst/>
+          </a:prstGeom>
+          <a:noFill/>
+        </p:spPr>
+        <p:txBody>
+          <a:bodyPr wrap="none" rtlCol="0">
+            <a:spAutoFit/>
           </a:bodyPr>
           <a:lstStyle/>
           <a:p>
             <a:r>
-              <a:rPr lang="ru-RU" sz="3200" dirty="0" smtClean="0"/>
-              <a:t>Программирование систем виртуальной реальности с использованием </a:t>
-            </a:r>
-            <a:r>
-              <a:rPr lang="en-US" sz="3200" dirty="0" smtClean="0"/>
-              <a:t/>
-            </a:r>
-            <a:br>
-              <a:rPr lang="en-US" sz="3200" dirty="0" smtClean="0"/>
-            </a:br>
-            <a:r>
-              <a:rPr lang="en-US" sz="3200" dirty="0" smtClean="0"/>
-              <a:t>Microsoft XNA Framework</a:t>
-            </a:r>
-            <a:endParaRPr lang="ru-RU" sz="3200" dirty="0"/>
-          </a:p>
-        </p:txBody>
-      </p:sp>
-      <p:sp>
-        <p:nvSpPr>
-          <p:cNvPr id="3" name="Подзаголовок 2"/>
-          <p:cNvSpPr>
-            <a:spLocks noGrp="1"/>
-          </p:cNvSpPr>
-          <p:nvPr>
-            <p:ph type="subTitle" idx="1"/>
-          </p:nvPr>
-        </p:nvSpPr>
-        <p:spPr/>
-        <p:txBody>
-          <a:bodyPr/>
+              <a:rPr lang="en-US" dirty="0" smtClean="0"/>
+              <a:t>vx0</a:t>
+            </a:r>
+            <a:endParaRPr lang="ru-RU" dirty="0"/>
+          </a:p>
+        </p:txBody>
+      </p:sp>
+      <p:sp>
+        <p:nvSpPr>
+          <p:cNvPr id="105" name="TextBox 104"/>
+          <p:cNvSpPr txBox="1"/>
+          <p:nvPr/>
+        </p:nvSpPr>
+        <p:spPr>
+          <a:xfrm>
+            <a:off x="6444208" y="3645024"/>
+            <a:ext cx="502061" cy="369332"/>
+          </a:xfrm>
+          <a:prstGeom prst="rect">
+            <a:avLst/>
+          </a:prstGeom>
+          <a:noFill/>
+        </p:spPr>
+        <p:txBody>
+          <a:bodyPr wrap="none" rtlCol="0">
+            <a:spAutoFit/>
+          </a:bodyPr>
           <a:lstStyle/>
           <a:p>
             <a:r>
-              <a:rPr lang="ru-RU" dirty="0" smtClean="0"/>
-              <a:t>Безгодов Алексей Алексеевич, к.т.н., НИУ </a:t>
-            </a:r>
-            <a:r>
-              <a:rPr lang="ru-RU" dirty="0" smtClean="0"/>
-              <a:t>ИТМО</a:t>
+              <a:rPr lang="en-US" dirty="0" smtClean="0"/>
+              <a:t>vx1</a:t>
             </a:r>
             <a:endParaRPr lang="ru-RU" dirty="0"/>
+          </a:p>
+        </p:txBody>
+      </p:sp>
+      <p:sp>
+        <p:nvSpPr>
+          <p:cNvPr id="106" name="TextBox 105"/>
+          <p:cNvSpPr txBox="1"/>
+          <p:nvPr/>
+        </p:nvSpPr>
+        <p:spPr>
+          <a:xfrm>
+            <a:off x="6660232" y="5795972"/>
+            <a:ext cx="516488" cy="369332"/>
+          </a:xfrm>
+          <a:prstGeom prst="rect">
+            <a:avLst/>
+          </a:prstGeom>
+          <a:noFill/>
+        </p:spPr>
+        <p:txBody>
+          <a:bodyPr wrap="none" rtlCol="0">
+            <a:spAutoFit/>
+          </a:bodyPr>
+          <a:lstStyle/>
+          <a:p>
+            <a:r>
+              <a:rPr lang="en-US" dirty="0" smtClean="0"/>
+              <a:t>vx2</a:t>
+            </a:r>
+            <a:endParaRPr lang="ru-RU" dirty="0"/>
+          </a:p>
+        </p:txBody>
+      </p:sp>
+      <p:sp>
+        <p:nvSpPr>
+          <p:cNvPr id="107" name="TextBox 106"/>
+          <p:cNvSpPr txBox="1"/>
+          <p:nvPr/>
+        </p:nvSpPr>
+        <p:spPr>
+          <a:xfrm>
+            <a:off x="8460432" y="5877272"/>
+            <a:ext cx="502061" cy="369332"/>
+          </a:xfrm>
+          <a:prstGeom prst="rect">
+            <a:avLst/>
+          </a:prstGeom>
+          <a:noFill/>
+        </p:spPr>
+        <p:txBody>
+          <a:bodyPr wrap="none" rtlCol="0">
+            <a:spAutoFit/>
+          </a:bodyPr>
+          <a:lstStyle/>
+          <a:p>
+            <a:r>
+              <a:rPr lang="en-US" dirty="0" smtClean="0"/>
+              <a:t>vx3</a:t>
+            </a:r>
+            <a:endParaRPr lang="ru-RU" dirty="0"/>
+          </a:p>
+        </p:txBody>
+      </p:sp>
+      <p:sp>
+        <p:nvSpPr>
+          <p:cNvPr id="108" name="TextBox 107"/>
+          <p:cNvSpPr txBox="1"/>
+          <p:nvPr/>
+        </p:nvSpPr>
+        <p:spPr>
+          <a:xfrm>
+            <a:off x="7668344" y="4437112"/>
+            <a:ext cx="442750" cy="276999"/>
+          </a:xfrm>
+          <a:prstGeom prst="rect">
+            <a:avLst/>
+          </a:prstGeom>
+          <a:noFill/>
+        </p:spPr>
+        <p:txBody>
+          <a:bodyPr wrap="none" rtlCol="0">
+            <a:spAutoFit/>
+          </a:bodyPr>
+          <a:lstStyle/>
+          <a:p>
+            <a:r>
+              <a:rPr lang="en-US" sz="1200" i="1" dirty="0" smtClean="0">
+                <a:solidFill>
+                  <a:srgbClr val="FFFF00"/>
+                </a:solidFill>
+              </a:rPr>
+              <a:t>idx0</a:t>
+            </a:r>
+            <a:endParaRPr lang="ru-RU" sz="1200" i="1" dirty="0">
+              <a:solidFill>
+                <a:srgbClr val="FFFF00"/>
+              </a:solidFill>
+            </a:endParaRPr>
+          </a:p>
+        </p:txBody>
+      </p:sp>
+      <p:sp>
+        <p:nvSpPr>
+          <p:cNvPr id="109" name="TextBox 108"/>
+          <p:cNvSpPr txBox="1"/>
+          <p:nvPr/>
+        </p:nvSpPr>
+        <p:spPr>
+          <a:xfrm>
+            <a:off x="6948264" y="4149080"/>
+            <a:ext cx="436338" cy="276999"/>
+          </a:xfrm>
+          <a:prstGeom prst="rect">
+            <a:avLst/>
+          </a:prstGeom>
+          <a:noFill/>
+        </p:spPr>
+        <p:txBody>
+          <a:bodyPr wrap="none" rtlCol="0">
+            <a:spAutoFit/>
+          </a:bodyPr>
+          <a:lstStyle/>
+          <a:p>
+            <a:r>
+              <a:rPr lang="en-US" sz="1200" i="1" dirty="0" smtClean="0">
+                <a:solidFill>
+                  <a:srgbClr val="FFFF00"/>
+                </a:solidFill>
+              </a:rPr>
+              <a:t>idx1</a:t>
+            </a:r>
+            <a:endParaRPr lang="ru-RU" sz="1200" i="1" dirty="0">
+              <a:solidFill>
+                <a:srgbClr val="FFFF00"/>
+              </a:solidFill>
+            </a:endParaRPr>
+          </a:p>
+        </p:txBody>
+      </p:sp>
+      <p:sp>
+        <p:nvSpPr>
+          <p:cNvPr id="110" name="TextBox 109"/>
+          <p:cNvSpPr txBox="1"/>
+          <p:nvPr/>
+        </p:nvSpPr>
+        <p:spPr>
+          <a:xfrm>
+            <a:off x="7020272" y="5229200"/>
+            <a:ext cx="442750" cy="276999"/>
+          </a:xfrm>
+          <a:prstGeom prst="rect">
+            <a:avLst/>
+          </a:prstGeom>
+          <a:noFill/>
+        </p:spPr>
+        <p:txBody>
+          <a:bodyPr wrap="none" rtlCol="0">
+            <a:spAutoFit/>
+          </a:bodyPr>
+          <a:lstStyle/>
+          <a:p>
+            <a:r>
+              <a:rPr lang="en-US" sz="1200" i="1" dirty="0" smtClean="0">
+                <a:solidFill>
+                  <a:srgbClr val="FFFF00"/>
+                </a:solidFill>
+              </a:rPr>
+              <a:t>idx2</a:t>
+            </a:r>
+            <a:endParaRPr lang="ru-RU" sz="1200" i="1" dirty="0">
+              <a:solidFill>
+                <a:srgbClr val="FFFF00"/>
+              </a:solidFill>
+            </a:endParaRPr>
+          </a:p>
+        </p:txBody>
+      </p:sp>
+      <p:sp>
+        <p:nvSpPr>
+          <p:cNvPr id="111" name="TextBox 110"/>
+          <p:cNvSpPr txBox="1"/>
+          <p:nvPr/>
+        </p:nvSpPr>
+        <p:spPr>
+          <a:xfrm>
+            <a:off x="7380312" y="5589240"/>
+            <a:ext cx="442750" cy="276999"/>
+          </a:xfrm>
+          <a:prstGeom prst="rect">
+            <a:avLst/>
+          </a:prstGeom>
+          <a:noFill/>
+        </p:spPr>
+        <p:txBody>
+          <a:bodyPr wrap="none" rtlCol="0">
+            <a:spAutoFit/>
+          </a:bodyPr>
+          <a:lstStyle/>
+          <a:p>
+            <a:r>
+              <a:rPr lang="en-US" sz="1200" i="1" dirty="0" smtClean="0">
+                <a:solidFill>
+                  <a:srgbClr val="FFFF00"/>
+                </a:solidFill>
+              </a:rPr>
+              <a:t>idx4</a:t>
+            </a:r>
+            <a:endParaRPr lang="ru-RU" sz="1200" i="1" dirty="0">
+              <a:solidFill>
+                <a:srgbClr val="FFFF00"/>
+              </a:solidFill>
+            </a:endParaRPr>
+          </a:p>
+        </p:txBody>
+      </p:sp>
+      <p:sp>
+        <p:nvSpPr>
+          <p:cNvPr id="112" name="TextBox 111"/>
+          <p:cNvSpPr txBox="1"/>
+          <p:nvPr/>
+        </p:nvSpPr>
+        <p:spPr>
+          <a:xfrm>
+            <a:off x="7952086" y="4869160"/>
+            <a:ext cx="436338" cy="276999"/>
+          </a:xfrm>
+          <a:prstGeom prst="rect">
+            <a:avLst/>
+          </a:prstGeom>
+          <a:noFill/>
+        </p:spPr>
+        <p:txBody>
+          <a:bodyPr wrap="none" rtlCol="0">
+            <a:spAutoFit/>
+          </a:bodyPr>
+          <a:lstStyle/>
+          <a:p>
+            <a:r>
+              <a:rPr lang="en-US" sz="1200" i="1" dirty="0" smtClean="0">
+                <a:solidFill>
+                  <a:srgbClr val="FFFF00"/>
+                </a:solidFill>
+              </a:rPr>
+              <a:t>idx3</a:t>
+            </a:r>
+            <a:endParaRPr lang="ru-RU" sz="1200" i="1" dirty="0">
+              <a:solidFill>
+                <a:srgbClr val="FFFF00"/>
+              </a:solidFill>
+            </a:endParaRPr>
+          </a:p>
+        </p:txBody>
+      </p:sp>
+      <p:sp>
+        <p:nvSpPr>
+          <p:cNvPr id="113" name="TextBox 112"/>
+          <p:cNvSpPr txBox="1"/>
+          <p:nvPr/>
+        </p:nvSpPr>
+        <p:spPr>
+          <a:xfrm>
+            <a:off x="8028384" y="5589240"/>
+            <a:ext cx="441146" cy="276999"/>
+          </a:xfrm>
+          <a:prstGeom prst="rect">
+            <a:avLst/>
+          </a:prstGeom>
+          <a:noFill/>
+        </p:spPr>
+        <p:txBody>
+          <a:bodyPr wrap="none" rtlCol="0">
+            <a:spAutoFit/>
+          </a:bodyPr>
+          <a:lstStyle/>
+          <a:p>
+            <a:r>
+              <a:rPr lang="en-US" sz="1200" i="1" dirty="0" smtClean="0">
+                <a:solidFill>
+                  <a:srgbClr val="FFFF00"/>
+                </a:solidFill>
+              </a:rPr>
+              <a:t>idx5</a:t>
+            </a:r>
+            <a:endParaRPr lang="ru-RU" sz="1200" i="1" dirty="0">
+              <a:solidFill>
+                <a:srgbClr val="FFFF00"/>
+              </a:solidFill>
+            </a:endParaRPr>
           </a:p>
         </p:txBody>
       </p:sp>
